--- a/aula11/Aula11.pptx
+++ b/aula11/Aula11.pptx
@@ -21,38 +21,6 @@
     <p:sldId id="266" r:id="rId16"/>
     <p:sldId id="267" r:id="rId17"/>
     <p:sldId id="268" r:id="rId18"/>
-    <p:sldId id="269" r:id="rId19"/>
-    <p:sldId id="270" r:id="rId20"/>
-    <p:sldId id="271" r:id="rId21"/>
-    <p:sldId id="272" r:id="rId22"/>
-    <p:sldId id="273" r:id="rId23"/>
-    <p:sldId id="274" r:id="rId24"/>
-    <p:sldId id="275" r:id="rId25"/>
-    <p:sldId id="276" r:id="rId26"/>
-    <p:sldId id="277" r:id="rId27"/>
-    <p:sldId id="278" r:id="rId28"/>
-    <p:sldId id="279" r:id="rId29"/>
-    <p:sldId id="280" r:id="rId30"/>
-    <p:sldId id="281" r:id="rId31"/>
-    <p:sldId id="282" r:id="rId32"/>
-    <p:sldId id="283" r:id="rId33"/>
-    <p:sldId id="284" r:id="rId34"/>
-    <p:sldId id="285" r:id="rId35"/>
-    <p:sldId id="286" r:id="rId36"/>
-    <p:sldId id="287" r:id="rId37"/>
-    <p:sldId id="288" r:id="rId38"/>
-    <p:sldId id="289" r:id="rId39"/>
-    <p:sldId id="290" r:id="rId40"/>
-    <p:sldId id="291" r:id="rId41"/>
-    <p:sldId id="292" r:id="rId42"/>
-    <p:sldId id="293" r:id="rId43"/>
-    <p:sldId id="294" r:id="rId44"/>
-    <p:sldId id="295" r:id="rId45"/>
-    <p:sldId id="296" r:id="rId46"/>
-    <p:sldId id="297" r:id="rId47"/>
-    <p:sldId id="298" r:id="rId48"/>
-    <p:sldId id="299" r:id="rId49"/>
-    <p:sldId id="300" r:id="rId50"/>
   </p:sldIdLst>
   <p:sldSz cx="9144000" cy="5143500"/>
   <p:notesSz cx="7559675" cy="10691813"/>
@@ -870,7 +838,7 @@
         <p:txBody>
           <a:bodyPr/>
           <a:p>
-            <a:fld id="{45C04264-5A38-405C-B9EB-632EAEA82353}" type="slidenum">
+            <a:fld id="{B3B82786-C649-40C5-95F6-282D3505F276}" type="slidenum">
               <a:t>&lt;#&gt;</a:t>
             </a:fld>
           </a:p>
@@ -1033,7 +1001,7 @@
         <p:txBody>
           <a:bodyPr/>
           <a:p>
-            <a:fld id="{2D6CC767-58CC-46C1-8B78-E5C5D64E2646}" type="slidenum">
+            <a:fld id="{8EE5BF01-5704-48F9-A0F6-8D052EA5D9D2}" type="slidenum">
               <a:t>&lt;#&gt;</a:t>
             </a:fld>
           </a:p>
@@ -1202,7 +1170,7 @@
         <p:txBody>
           <a:bodyPr/>
           <a:p>
-            <a:fld id="{98A25F56-7BA8-4B58-B9E2-F38CEC3DF804}" type="slidenum">
+            <a:fld id="{2CC3A187-E711-435A-A984-70D3F745631D}" type="slidenum">
               <a:t>&lt;#&gt;</a:t>
             </a:fld>
           </a:p>
@@ -1417,7 +1385,7 @@
         <p:txBody>
           <a:bodyPr/>
           <a:p>
-            <a:fld id="{9C367133-4456-4486-B7A3-696B67C2C4DC}" type="slidenum">
+            <a:fld id="{3D1CF32E-2D69-4C9F-9424-C005BE265D61}" type="slidenum">
               <a:t>&lt;#&gt;</a:t>
             </a:fld>
           </a:p>
@@ -1540,7 +1508,7 @@
         <p:txBody>
           <a:bodyPr/>
           <a:p>
-            <a:fld id="{241688E8-AD77-49C6-BABA-8600DCD7524A}" type="slidenum">
+            <a:fld id="{55699CFD-CF14-44C5-93E5-4BAA682AFB79}" type="slidenum">
               <a:t>&lt;#&gt;</a:t>
             </a:fld>
           </a:p>
@@ -1661,7 +1629,7 @@
         <p:txBody>
           <a:bodyPr/>
           <a:p>
-            <a:fld id="{297E4F8D-18CA-4D41-AE98-5F47B0174A0F}" type="slidenum">
+            <a:fld id="{13B0E229-24F2-42F0-8EA5-6F58D748853B}" type="slidenum">
               <a:t>&lt;#&gt;</a:t>
             </a:fld>
           </a:p>
@@ -1922,7 +1890,7 @@
         <p:txBody>
           <a:bodyPr/>
           <a:p>
-            <a:fld id="{884C9A61-A26D-4E81-B14E-FFDFF8B00ABD}" type="slidenum">
+            <a:fld id="{5B8C2D98-963E-4900-9F60-1D0F8D0632D6}" type="slidenum">
               <a:t>&lt;#&gt;</a:t>
             </a:fld>
           </a:p>
@@ -2285,7 +2253,7 @@
         <p:txBody>
           <a:bodyPr/>
           <a:p>
-            <a:fld id="{6F63F89F-3E26-4D1A-9759-49D4A130CC4B}" type="slidenum">
+            <a:fld id="{D30789B9-9F43-4E63-AEF2-11F45C97C749}" type="slidenum">
               <a:t>&lt;#&gt;</a:t>
             </a:fld>
           </a:p>
@@ -2546,7 +2514,7 @@
         <p:txBody>
           <a:bodyPr/>
           <a:p>
-            <a:fld id="{1FE78C9A-9AB3-4D69-BBCE-E2F710DD459F}" type="slidenum">
+            <a:fld id="{44B1917D-AB51-4566-8920-FBB156503CB2}" type="slidenum">
               <a:t>&lt;#&gt;</a:t>
             </a:fld>
           </a:p>
@@ -2761,7 +2729,7 @@
         <p:txBody>
           <a:bodyPr/>
           <a:p>
-            <a:fld id="{0C65E5C3-8713-45B2-B3C2-93F78624B86F}" type="slidenum">
+            <a:fld id="{0641A510-9495-479B-BEF4-1CEB2584ACFD}" type="slidenum">
               <a:t>&lt;#&gt;</a:t>
             </a:fld>
           </a:p>
@@ -3068,7 +3036,7 @@
         <p:txBody>
           <a:bodyPr/>
           <a:p>
-            <a:fld id="{8253C6E6-26AB-44D9-9619-8E1DB47D2A40}" type="slidenum">
+            <a:fld id="{4812A8D6-6AFB-4E9E-81D0-1BE4086812C5}" type="slidenum">
               <a:t>&lt;#&gt;</a:t>
             </a:fld>
           </a:p>
@@ -3467,7 +3435,7 @@
         <p:txBody>
           <a:bodyPr/>
           <a:p>
-            <a:fld id="{A3B5EEAB-8BE0-4EDF-B470-7E43E05FF417}" type="slidenum">
+            <a:fld id="{4E13C7C4-50E6-45EC-AFEC-4968C77AD2DF}" type="slidenum">
               <a:t>&lt;#&gt;</a:t>
             </a:fld>
           </a:p>
@@ -3550,7 +3518,7 @@
         <p:txBody>
           <a:bodyPr/>
           <a:p>
-            <a:fld id="{BC48C937-1A2C-445B-AA86-DB7E32BB906E}" type="slidenum">
+            <a:fld id="{FB10B888-45BA-4D1A-99FA-ACE56D403310}" type="slidenum">
               <a:t>&lt;#&gt;</a:t>
             </a:fld>
           </a:p>
@@ -3713,7 +3681,7 @@
         <p:txBody>
           <a:bodyPr/>
           <a:p>
-            <a:fld id="{05D6B758-9EF2-4AB2-92EB-66E6E3BF01E2}" type="slidenum">
+            <a:fld id="{8304B03E-69CE-45D7-BA35-3C5A0574D5B8}" type="slidenum">
               <a:t>&lt;#&gt;</a:t>
             </a:fld>
           </a:p>
@@ -3882,7 +3850,7 @@
         <p:txBody>
           <a:bodyPr/>
           <a:p>
-            <a:fld id="{A9694E3E-EACC-4B6E-86DA-A46B3C6C9CD1}" type="slidenum">
+            <a:fld id="{1775BD30-86FC-4A82-9B8A-B39155BF6C51}" type="slidenum">
               <a:t>&lt;#&gt;</a:t>
             </a:fld>
           </a:p>
@@ -4097,7 +4065,7 @@
         <p:txBody>
           <a:bodyPr/>
           <a:p>
-            <a:fld id="{55F5F707-AF5A-4647-B225-99FC156F3048}" type="slidenum">
+            <a:fld id="{93DDF812-9A95-40CF-99A2-D46FE4BE58A2}" type="slidenum">
               <a:t>&lt;#&gt;</a:t>
             </a:fld>
           </a:p>
@@ -4220,7 +4188,7 @@
         <p:txBody>
           <a:bodyPr/>
           <a:p>
-            <a:fld id="{7AFBDBC7-0F69-448D-A160-E7F1FC32D230}" type="slidenum">
+            <a:fld id="{BC57315D-6644-4FA0-9DEE-20B89AFA3754}" type="slidenum">
               <a:t>&lt;#&gt;</a:t>
             </a:fld>
           </a:p>
@@ -4449,7 +4417,7 @@
         <p:txBody>
           <a:bodyPr/>
           <a:p>
-            <a:fld id="{787D1C14-61D6-4B67-A13D-405E5BD9FCCA}" type="slidenum">
+            <a:fld id="{794E58B6-A4AC-44DC-8EC3-B93560C55A01}" type="slidenum">
               <a:t>&lt;#&gt;</a:t>
             </a:fld>
           </a:p>
@@ -4710,7 +4678,7 @@
         <p:txBody>
           <a:bodyPr/>
           <a:p>
-            <a:fld id="{4F260CBF-D90F-473B-9D4F-B5CAE188B874}" type="slidenum">
+            <a:fld id="{C3734FD3-2BF3-4445-8A58-1372D772C89F}" type="slidenum">
               <a:t>&lt;#&gt;</a:t>
             </a:fld>
           </a:p>
@@ -4971,7 +4939,7 @@
         <p:txBody>
           <a:bodyPr/>
           <a:p>
-            <a:fld id="{BB0409C7-CB9A-48E5-BC81-EBD61EF7F355}" type="slidenum">
+            <a:fld id="{E514EDB0-394D-4DC5-8523-A024607CD4F2}" type="slidenum">
               <a:t>&lt;#&gt;</a:t>
             </a:fld>
           </a:p>
@@ -5232,7 +5200,7 @@
         <p:txBody>
           <a:bodyPr/>
           <a:p>
-            <a:fld id="{9C260AD4-CE5C-42D7-8F7E-F916B6C435E6}" type="slidenum">
+            <a:fld id="{72B7D877-5094-4D3E-B645-BBCE8B6A4081}" type="slidenum">
               <a:t>&lt;#&gt;</a:t>
             </a:fld>
           </a:p>
@@ -5447,7 +5415,7 @@
         <p:txBody>
           <a:bodyPr/>
           <a:p>
-            <a:fld id="{65D50709-204F-43AD-A1E0-CEB7AADAD3A2}" type="slidenum">
+            <a:fld id="{4A4A49E3-B315-4E92-AB33-0D9A31341EA5}" type="slidenum">
               <a:t>&lt;#&gt;</a:t>
             </a:fld>
           </a:p>
@@ -5754,7 +5722,7 @@
         <p:txBody>
           <a:bodyPr/>
           <a:p>
-            <a:fld id="{7CBB098D-9207-46B5-B850-37168ED4BDE9}" type="slidenum">
+            <a:fld id="{21CDF977-1207-45D0-B3EA-A3FFB2646BD6}" type="slidenum">
               <a:t>&lt;#&gt;</a:t>
             </a:fld>
           </a:p>
@@ -6153,7 +6121,7 @@
         <p:txBody>
           <a:bodyPr/>
           <a:p>
-            <a:fld id="{F6FFE419-DEB0-462E-B86C-7BCB860599D8}" type="slidenum">
+            <a:fld id="{73D1652E-6B83-481F-BEE8-BB9B4FD6D981}" type="slidenum">
               <a:t>&lt;#&gt;</a:t>
             </a:fld>
           </a:p>
@@ -6236,7 +6204,7 @@
         <p:txBody>
           <a:bodyPr/>
           <a:p>
-            <a:fld id="{39D431CA-35A5-4734-9122-AB549020045A}" type="slidenum">
+            <a:fld id="{FEBDE592-15C6-446A-BACA-963C7A063B42}" type="slidenum">
               <a:t>&lt;#&gt;</a:t>
             </a:fld>
           </a:p>
@@ -6399,7 +6367,7 @@
         <p:txBody>
           <a:bodyPr/>
           <a:p>
-            <a:fld id="{A0B73406-B02A-4F77-8AB7-8E396D8AB7E3}" type="slidenum">
+            <a:fld id="{70A59A92-D65F-48E2-8EFF-E48A7600C086}" type="slidenum">
               <a:t>&lt;#&gt;</a:t>
             </a:fld>
           </a:p>
@@ -6568,7 +6536,7 @@
         <p:txBody>
           <a:bodyPr/>
           <a:p>
-            <a:fld id="{32E91CFC-AD8D-4EFC-852A-B27101DF4ADF}" type="slidenum">
+            <a:fld id="{6654BFEF-23E8-4998-B901-DD1750522275}" type="slidenum">
               <a:t>&lt;#&gt;</a:t>
             </a:fld>
           </a:p>
@@ -6937,7 +6905,7 @@
         <p:txBody>
           <a:bodyPr/>
           <a:p>
-            <a:fld id="{D155082F-3FC7-4CBE-BB23-64E4D4627492}" type="slidenum">
+            <a:fld id="{B28669AC-A498-4493-924A-1A01C1B8288F}" type="slidenum">
               <a:t>&lt;#&gt;</a:t>
             </a:fld>
           </a:p>
@@ -7060,7 +7028,7 @@
         <p:txBody>
           <a:bodyPr/>
           <a:p>
-            <a:fld id="{6B3F9797-5403-41AE-9FA7-CE11D91FD488}" type="slidenum">
+            <a:fld id="{22192CFE-9811-46A9-80EA-33E5F08657D7}" type="slidenum">
               <a:t>&lt;#&gt;</a:t>
             </a:fld>
           </a:p>
@@ -7181,7 +7149,7 @@
         <p:txBody>
           <a:bodyPr/>
           <a:p>
-            <a:fld id="{E685B15C-BDB3-4C9E-9AC6-4F2BCDB9FF66}" type="slidenum">
+            <a:fld id="{8957B265-C906-4EE1-87B9-0E55FB330195}" type="slidenum">
               <a:t>&lt;#&gt;</a:t>
             </a:fld>
           </a:p>
@@ -7442,7 +7410,7 @@
         <p:txBody>
           <a:bodyPr/>
           <a:p>
-            <a:fld id="{4E6259DB-5EA4-41D2-98E5-6E5DD64B0332}" type="slidenum">
+            <a:fld id="{601199A1-814E-44AA-B1D8-B1F678CF73CA}" type="slidenum">
               <a:t>&lt;#&gt;</a:t>
             </a:fld>
           </a:p>
@@ -7703,7 +7671,7 @@
         <p:txBody>
           <a:bodyPr/>
           <a:p>
-            <a:fld id="{BC773C14-FEF6-41B5-848D-96BED29CE7EA}" type="slidenum">
+            <a:fld id="{10F99220-990D-4D1C-9695-708CE47D1D84}" type="slidenum">
               <a:t>&lt;#&gt;</a:t>
             </a:fld>
           </a:p>
@@ -7964,7 +7932,7 @@
         <p:txBody>
           <a:bodyPr/>
           <a:p>
-            <a:fld id="{ACEA7B3F-01C3-4D2B-9364-0F09362F93C5}" type="slidenum">
+            <a:fld id="{78A184CD-924F-4FF2-BF82-EABDB822F44C}" type="slidenum">
               <a:t>&lt;#&gt;</a:t>
             </a:fld>
           </a:p>
@@ -8179,7 +8147,7 @@
         <p:txBody>
           <a:bodyPr/>
           <a:p>
-            <a:fld id="{85D5CD6D-00EF-4DB0-BC3B-871601F9DF68}" type="slidenum">
+            <a:fld id="{A52F511B-09D9-4C31-910A-35A5B0806AB3}" type="slidenum">
               <a:t>&lt;#&gt;</a:t>
             </a:fld>
           </a:p>
@@ -8486,7 +8454,7 @@
         <p:txBody>
           <a:bodyPr/>
           <a:p>
-            <a:fld id="{148BB904-3F5D-4415-8415-790C7096CA43}" type="slidenum">
+            <a:fld id="{81A24CC2-4FBD-40E4-BDBE-F3759394B5F5}" type="slidenum">
               <a:t>&lt;#&gt;</a:t>
             </a:fld>
           </a:p>
@@ -8885,7 +8853,7 @@
         <p:txBody>
           <a:bodyPr/>
           <a:p>
-            <a:fld id="{D9C96C85-C9B9-4E25-8FB8-63F4248E7B08}" type="slidenum">
+            <a:fld id="{98398AF6-185A-4A6B-A388-3AB2DDCEB0F7}" type="slidenum">
               <a:t>&lt;#&gt;</a:t>
             </a:fld>
           </a:p>
@@ -10246,7 +10214,7 @@
                 <a:tab algn="l" pos="0"/>
               </a:tabLst>
             </a:pPr>
-            <a:fld id="{2BB70A57-DFC3-480D-A107-7D4B522C3760}" type="slidenum">
+            <a:fld id="{76F021C5-A3A0-4059-B6B1-FC9984018290}" type="slidenum">
               <a:rPr b="0" lang="pt-BR" sz="1400" spc="-1" strike="noStrike">
                 <a:solidFill>
                   <a:srgbClr val="000000"/>
@@ -10793,7 +10761,7 @@
                 <a:tab algn="l" pos="0"/>
               </a:tabLst>
             </a:pPr>
-            <a:fld id="{9061F694-765C-4DC6-B58A-A4180A352AC0}" type="slidenum">
+            <a:fld id="{1B3BBCA0-163C-4BFE-973C-3EB0118EB96E}" type="slidenum">
               <a:rPr b="0" lang="pt-BR" sz="1400" spc="-1" strike="noStrike">
                 <a:solidFill>
                   <a:srgbClr val="000000"/>
@@ -11340,7 +11308,7 @@
                 <a:tab algn="l" pos="0"/>
               </a:tabLst>
             </a:pPr>
-            <a:fld id="{992BC181-588A-4086-8C16-5A0CAEA3E8D9}" type="slidenum">
+            <a:fld id="{9068B630-B47F-4D41-B49F-AC7F34BE512C}" type="slidenum">
               <a:rPr b="0" lang="pt-BR" sz="1400" spc="-1" strike="noStrike">
                 <a:solidFill>
                   <a:srgbClr val="000000"/>
@@ -12199,250 +12167,6 @@
           <a:chExt cx="0" cy="0"/>
         </a:xfrm>
       </p:grpSpPr>
-      <p:sp>
-        <p:nvSpPr>
-          <p:cNvPr id="194" name="Título 34"/>
-          <p:cNvSpPr/>
-          <p:nvPr/>
-        </p:nvSpPr>
-        <p:spPr>
-          <a:xfrm>
-            <a:off x="291960" y="32040"/>
-            <a:ext cx="5586120" cy="898560"/>
-          </a:xfrm>
-          <a:prstGeom prst="rect">
-            <a:avLst/>
-          </a:prstGeom>
-          <a:noFill/>
-          <a:ln w="0">
-            <a:noFill/>
-          </a:ln>
-        </p:spPr>
-        <p:style>
-          <a:lnRef idx="0"/>
-          <a:fillRef idx="0"/>
-          <a:effectRef idx="0"/>
-          <a:fontRef idx="minor"/>
-        </p:style>
-        <p:txBody>
-          <a:bodyPr lIns="90000" rIns="90000" tIns="91440" bIns="91440" anchor="t">
-            <a:noAutofit/>
-          </a:bodyPr>
-          <a:p>
-            <a:pPr>
-              <a:lnSpc>
-                <a:spcPct val="100000"/>
-              </a:lnSpc>
-            </a:pPr>
-            <a:r>
-              <a:rPr b="1" lang="pt-BR" sz="5400" spc="-1" strike="noStrike">
-                <a:solidFill>
-                  <a:srgbClr val="002060"/>
-                </a:solidFill>
-                <a:latin typeface="Overpass"/>
-                <a:ea typeface="Overpass"/>
-              </a:rPr>
-              <a:t>Let’s Work</a:t>
-            </a:r>
-            <a:endParaRPr b="0" lang="pt-BR" sz="5400" spc="-1" strike="noStrike">
-              <a:solidFill>
-                <a:srgbClr val="000000"/>
-              </a:solidFill>
-              <a:latin typeface="Arial"/>
-            </a:endParaRPr>
-          </a:p>
-        </p:txBody>
-      </p:sp>
-      <p:pic>
-        <p:nvPicPr>
-          <p:cNvPr id="195" name="Imagem 42" descr=""/>
-          <p:cNvPicPr/>
-          <p:nvPr/>
-        </p:nvPicPr>
-        <p:blipFill>
-          <a:blip r:embed="rId1"/>
-          <a:stretch/>
-        </p:blipFill>
-        <p:spPr>
-          <a:xfrm rot="5400000">
-            <a:off x="7715880" y="-111600"/>
-            <a:ext cx="2972520" cy="3196440"/>
-          </a:xfrm>
-          <a:prstGeom prst="rect">
-            <a:avLst/>
-          </a:prstGeom>
-          <a:ln w="0">
-            <a:noFill/>
-          </a:ln>
-        </p:spPr>
-      </p:pic>
-      <p:sp>
-        <p:nvSpPr>
-          <p:cNvPr id="196" name="CaixaDeTexto 34"/>
-          <p:cNvSpPr/>
-          <p:nvPr/>
-        </p:nvSpPr>
-        <p:spPr>
-          <a:xfrm>
-            <a:off x="180000" y="900000"/>
-            <a:ext cx="7418160" cy="2612520"/>
-          </a:xfrm>
-          <a:prstGeom prst="rect">
-            <a:avLst/>
-          </a:prstGeom>
-          <a:noFill/>
-          <a:ln w="0">
-            <a:noFill/>
-          </a:ln>
-        </p:spPr>
-        <p:style>
-          <a:lnRef idx="0"/>
-          <a:fillRef idx="0"/>
-          <a:effectRef idx="0"/>
-          <a:fontRef idx="minor"/>
-        </p:style>
-        <p:txBody>
-          <a:bodyPr lIns="90000" rIns="90000" tIns="45000" bIns="45000" anchor="t">
-            <a:spAutoFit/>
-          </a:bodyPr>
-          <a:p>
-            <a:pPr marL="216000" indent="-216000" algn="just">
-              <a:lnSpc>
-                <a:spcPct val="115000"/>
-              </a:lnSpc>
-              <a:buClr>
-                <a:srgbClr val="000000"/>
-              </a:buClr>
-              <a:buFont typeface="Arial"/>
-              <a:buChar char="●"/>
-            </a:pPr>
-            <a:r>
-              <a:rPr b="0" lang="pt-BR" sz="1800" spc="-1" strike="noStrike">
-                <a:solidFill>
-                  <a:srgbClr val="01498e"/>
-                </a:solidFill>
-                <a:latin typeface="Arial"/>
-                <a:ea typeface="Calibri"/>
-              </a:rPr>
-              <a:t>Problema 1:</a:t>
-            </a:r>
-            <a:endParaRPr b="0" lang="pt-BR" sz="1800" spc="-1" strike="noStrike">
-              <a:solidFill>
-                <a:srgbClr val="000000"/>
-              </a:solidFill>
-              <a:latin typeface="Arial"/>
-            </a:endParaRPr>
-          </a:p>
-          <a:p>
-            <a:pPr lvl="1" marL="673200" indent="-216000" algn="just">
-              <a:lnSpc>
-                <a:spcPct val="115000"/>
-              </a:lnSpc>
-              <a:buClr>
-                <a:srgbClr val="000000"/>
-              </a:buClr>
-              <a:buFont typeface="Arial"/>
-              <a:buChar char="●"/>
-            </a:pPr>
-            <a:r>
-              <a:rPr b="0" lang="pt-BR" sz="1800" spc="-1" strike="noStrike">
-                <a:solidFill>
-                  <a:srgbClr val="01498e"/>
-                </a:solidFill>
-                <a:latin typeface="Arial"/>
-                <a:ea typeface="Calibri"/>
-              </a:rPr>
-              <a:t>Dado o arquivo tabela_estatica.html</a:t>
-            </a:r>
-            <a:endParaRPr b="0" lang="pt-BR" sz="1800" spc="-1" strike="noStrike">
-              <a:solidFill>
-                <a:srgbClr val="000000"/>
-              </a:solidFill>
-              <a:latin typeface="Arial"/>
-            </a:endParaRPr>
-          </a:p>
-          <a:p>
-            <a:pPr lvl="1" marL="673200" indent="-216000" algn="just">
-              <a:lnSpc>
-                <a:spcPct val="115000"/>
-              </a:lnSpc>
-              <a:buClr>
-                <a:srgbClr val="000000"/>
-              </a:buClr>
-              <a:buFont typeface="Arial"/>
-              <a:buChar char="●"/>
-            </a:pPr>
-            <a:r>
-              <a:rPr b="0" lang="pt-BR" sz="1800" spc="-1" strike="noStrike">
-                <a:solidFill>
-                  <a:srgbClr val="01498e"/>
-                </a:solidFill>
-                <a:latin typeface="Arial"/>
-                <a:ea typeface="Calibri"/>
-              </a:rPr>
-              <a:t>Implemente corretamente a função que recebe a quantidade de linhas e colunas e monte adequadamente</a:t>
-            </a:r>
-            <a:endParaRPr b="0" lang="pt-BR" sz="1800" spc="-1" strike="noStrike">
-              <a:solidFill>
-                <a:srgbClr val="000000"/>
-              </a:solidFill>
-              <a:latin typeface="Arial"/>
-            </a:endParaRPr>
-          </a:p>
-          <a:p>
-            <a:pPr algn="just">
-              <a:lnSpc>
-                <a:spcPct val="115000"/>
-              </a:lnSpc>
-            </a:pPr>
-            <a:endParaRPr b="0" lang="pt-BR" sz="1800" spc="-1" strike="noStrike">
-              <a:solidFill>
-                <a:srgbClr val="000000"/>
-              </a:solidFill>
-              <a:latin typeface="Arial"/>
-            </a:endParaRPr>
-          </a:p>
-          <a:p>
-            <a:pPr algn="just">
-              <a:lnSpc>
-                <a:spcPct val="115000"/>
-              </a:lnSpc>
-            </a:pPr>
-            <a:endParaRPr b="0" lang="pt-BR" sz="1800" spc="-1" strike="noStrike">
-              <a:solidFill>
-                <a:srgbClr val="000000"/>
-              </a:solidFill>
-              <a:latin typeface="Arial"/>
-            </a:endParaRPr>
-          </a:p>
-          <a:p>
-            <a:pPr algn="just">
-              <a:lnSpc>
-                <a:spcPct val="115000"/>
-              </a:lnSpc>
-            </a:pPr>
-            <a:endParaRPr b="0" lang="pt-BR" sz="1800" spc="-1" strike="noStrike">
-              <a:solidFill>
-                <a:srgbClr val="000000"/>
-              </a:solidFill>
-              <a:latin typeface="Arial"/>
-            </a:endParaRPr>
-          </a:p>
-          <a:p>
-            <a:pPr algn="just">
-              <a:lnSpc>
-                <a:spcPct val="115000"/>
-              </a:lnSpc>
-            </a:pPr>
-            <a:endParaRPr b="0" lang="pt-BR" sz="1800" spc="-1" strike="noStrike">
-              <a:solidFill>
-                <a:srgbClr val="000000"/>
-              </a:solidFill>
-              <a:latin typeface="Arial"/>
-            </a:endParaRPr>
-          </a:p>
-        </p:txBody>
-      </p:sp>
     </p:spTree>
   </p:cSld>
   <mc:AlternateContent>
@@ -12533,1116 +12257,6 @@
           <a:chExt cx="0" cy="0"/>
         </a:xfrm>
       </p:grpSpPr>
-      <p:sp>
-        <p:nvSpPr>
-          <p:cNvPr id="197" name="PlaceHolder 1"/>
-          <p:cNvSpPr>
-            <a:spLocks noGrp="1"/>
-          </p:cNvSpPr>
-          <p:nvPr>
-            <p:ph type="title"/>
-          </p:nvPr>
-        </p:nvSpPr>
-        <p:spPr>
-          <a:xfrm>
-            <a:off x="457200" y="205200"/>
-            <a:ext cx="8227800" cy="857160"/>
-          </a:xfrm>
-          <a:prstGeom prst="rect">
-            <a:avLst/>
-          </a:prstGeom>
-          <a:noFill/>
-          <a:ln w="0">
-            <a:noFill/>
-          </a:ln>
-        </p:spPr>
-        <p:txBody>
-          <a:bodyPr lIns="0" rIns="0" tIns="0" bIns="0" anchor="ctr">
-            <a:noAutofit/>
-          </a:bodyPr>
-          <a:p>
-            <a:pPr indent="0">
-              <a:buNone/>
-            </a:pPr>
-            <a:endParaRPr b="0" lang="pt-BR" sz="4400" spc="-1" strike="noStrike">
-              <a:solidFill>
-                <a:srgbClr val="000000"/>
-              </a:solidFill>
-              <a:latin typeface="Arial"/>
-              <a:ea typeface="DejaVu Sans"/>
-            </a:endParaRPr>
-          </a:p>
-        </p:txBody>
-      </p:sp>
-      <p:sp>
-        <p:nvSpPr>
-          <p:cNvPr id="198" name="PlaceHolder 2"/>
-          <p:cNvSpPr>
-            <a:spLocks noGrp="1"/>
-          </p:cNvSpPr>
-          <p:nvPr>
-            <p:ph type="subTitle"/>
-          </p:nvPr>
-        </p:nvSpPr>
-        <p:spPr>
-          <a:xfrm>
-            <a:off x="457200" y="1203480"/>
-            <a:ext cx="8227800" cy="2981520"/>
-          </a:xfrm>
-          <a:prstGeom prst="rect">
-            <a:avLst/>
-          </a:prstGeom>
-          <a:noFill/>
-          <a:ln w="0">
-            <a:noFill/>
-          </a:ln>
-        </p:spPr>
-        <p:txBody>
-          <a:bodyPr lIns="0" rIns="0" tIns="0" bIns="0" anchor="ctr">
-            <a:noAutofit/>
-          </a:bodyPr>
-          <a:p>
-            <a:pPr indent="0" algn="ctr">
-              <a:buNone/>
-            </a:pPr>
-            <a:endParaRPr b="0" lang="pt-BR" sz="2800" spc="-1" strike="noStrike">
-              <a:solidFill>
-                <a:srgbClr val="000000"/>
-              </a:solidFill>
-              <a:latin typeface="Arial"/>
-              <a:ea typeface="DejaVu Sans"/>
-            </a:endParaRPr>
-          </a:p>
-        </p:txBody>
-      </p:sp>
-    </p:spTree>
-  </p:cSld>
-  <mc:AlternateContent>
-    <mc:Choice Requires="p14">
-      <p:transition spd="slow" p14:dur="2000"/>
-    </mc:Choice>
-    <mc:Fallback>
-      <p:transition spd="slow"/>
-    </mc:Fallback>
-  </mc:AlternateContent>
-</p:sld>
-</file>
-
-<file path=ppt/slides/slide14.xml><?xml version="1.0" encoding="utf-8"?>
-<p:sld xmlns:a="http://schemas.openxmlformats.org/drawingml/2006/main" xmlns:p="http://schemas.openxmlformats.org/presentationml/2006/main" xmlns:r="http://schemas.openxmlformats.org/officeDocument/2006/relationships" xmlns:p14="http://schemas.microsoft.com/office/powerpoint/2010/main" xmlns:p15="http://schemas.microsoft.com/office/powerpoint/2012/main" xmlns:mc="http://schemas.openxmlformats.org/markup-compatibility/2006">
-  <p:cSld>
-    <p:spTree>
-      <p:nvGrpSpPr>
-        <p:cNvPr id="1" name=""/>
-        <p:cNvGrpSpPr/>
-        <p:nvPr/>
-      </p:nvGrpSpPr>
-      <p:grpSpPr>
-        <a:xfrm>
-          <a:off x="0" y="0"/>
-          <a:ext cx="0" cy="0"/>
-          <a:chOff x="0" y="0"/>
-          <a:chExt cx="0" cy="0"/>
-        </a:xfrm>
-      </p:grpSpPr>
-      <p:sp>
-        <p:nvSpPr>
-          <p:cNvPr id="199" name="Título 31"/>
-          <p:cNvSpPr/>
-          <p:nvPr/>
-        </p:nvSpPr>
-        <p:spPr>
-          <a:xfrm>
-            <a:off x="291960" y="189000"/>
-            <a:ext cx="7479000" cy="898560"/>
-          </a:xfrm>
-          <a:prstGeom prst="rect">
-            <a:avLst/>
-          </a:prstGeom>
-          <a:noFill/>
-          <a:ln w="0">
-            <a:noFill/>
-          </a:ln>
-        </p:spPr>
-        <p:style>
-          <a:lnRef idx="0"/>
-          <a:fillRef idx="0"/>
-          <a:effectRef idx="0"/>
-          <a:fontRef idx="minor"/>
-        </p:style>
-        <p:txBody>
-          <a:bodyPr lIns="90000" rIns="90000" tIns="91440" bIns="91440" anchor="t">
-            <a:noAutofit/>
-          </a:bodyPr>
-          <a:p>
-            <a:pPr>
-              <a:lnSpc>
-                <a:spcPct val="100000"/>
-              </a:lnSpc>
-            </a:pPr>
-            <a:r>
-              <a:rPr b="1" lang="pt-BR" sz="4000" spc="-1" strike="noStrike">
-                <a:solidFill>
-                  <a:srgbClr val="002060"/>
-                </a:solidFill>
-                <a:latin typeface="Overpass"/>
-                <a:ea typeface="Overpass"/>
-              </a:rPr>
-              <a:t>PY WEB</a:t>
-            </a:r>
-            <a:r>
-              <a:rPr b="1" lang="pt-BR" sz="5400" spc="-1" strike="noStrike">
-                <a:solidFill>
-                  <a:srgbClr val="002060"/>
-                </a:solidFill>
-                <a:latin typeface="Overpass"/>
-                <a:ea typeface="Overpass"/>
-              </a:rPr>
-              <a:t> </a:t>
-            </a:r>
-            <a:endParaRPr b="0" lang="pt-BR" sz="5400" spc="-1" strike="noStrike">
-              <a:solidFill>
-                <a:srgbClr val="000000"/>
-              </a:solidFill>
-              <a:latin typeface="Arial"/>
-            </a:endParaRPr>
-          </a:p>
-          <a:p>
-            <a:pPr>
-              <a:lnSpc>
-                <a:spcPct val="100000"/>
-              </a:lnSpc>
-            </a:pPr>
-            <a:endParaRPr b="0" lang="pt-BR" sz="5400" spc="-1" strike="noStrike">
-              <a:solidFill>
-                <a:srgbClr val="000000"/>
-              </a:solidFill>
-              <a:latin typeface="Arial"/>
-            </a:endParaRPr>
-          </a:p>
-        </p:txBody>
-      </p:sp>
-      <p:pic>
-        <p:nvPicPr>
-          <p:cNvPr id="200" name="Imagem 38" descr=""/>
-          <p:cNvPicPr/>
-          <p:nvPr/>
-        </p:nvPicPr>
-        <p:blipFill>
-          <a:blip r:embed="rId1"/>
-          <a:srcRect l="0" t="0" r="0" b="20507"/>
-          <a:stretch/>
-        </p:blipFill>
-        <p:spPr>
-          <a:xfrm>
-            <a:off x="8100720" y="900720"/>
-            <a:ext cx="2141280" cy="3602160"/>
-          </a:xfrm>
-          <a:prstGeom prst="rect">
-            <a:avLst/>
-          </a:prstGeom>
-          <a:ln w="0">
-            <a:noFill/>
-          </a:ln>
-        </p:spPr>
-      </p:pic>
-      <p:sp>
-        <p:nvSpPr>
-          <p:cNvPr id="201" name="CaixaDeTexto 31"/>
-          <p:cNvSpPr/>
-          <p:nvPr/>
-        </p:nvSpPr>
-        <p:spPr>
-          <a:xfrm>
-            <a:off x="291960" y="1113480"/>
-            <a:ext cx="7692480" cy="3243240"/>
-          </a:xfrm>
-          <a:prstGeom prst="rect">
-            <a:avLst/>
-          </a:prstGeom>
-          <a:noFill/>
-          <a:ln w="0">
-            <a:noFill/>
-          </a:ln>
-        </p:spPr>
-        <p:style>
-          <a:lnRef idx="0"/>
-          <a:fillRef idx="0"/>
-          <a:effectRef idx="0"/>
-          <a:fontRef idx="minor"/>
-        </p:style>
-        <p:txBody>
-          <a:bodyPr lIns="90000" rIns="90000" tIns="45000" bIns="45000" anchor="t">
-            <a:spAutoFit/>
-          </a:bodyPr>
-          <a:p>
-            <a:pPr marL="216000" indent="-216000" algn="just">
-              <a:lnSpc>
-                <a:spcPct val="115000"/>
-              </a:lnSpc>
-              <a:buClr>
-                <a:srgbClr val="000000"/>
-              </a:buClr>
-              <a:buFont typeface="Arial"/>
-              <a:buChar char="●"/>
-            </a:pPr>
-            <a:r>
-              <a:rPr b="0" lang="pt-BR" sz="1800" spc="-1" strike="noStrike">
-                <a:solidFill>
-                  <a:srgbClr val="01498e"/>
-                </a:solidFill>
-                <a:latin typeface="Arial"/>
-                <a:ea typeface="Calibri"/>
-              </a:rPr>
-              <a:t>Componentes do </a:t>
-            </a:r>
-            <a:r>
-              <a:rPr b="1" lang="pt-BR" sz="1800" spc="-1" strike="noStrike">
-                <a:solidFill>
-                  <a:srgbClr val="01498e"/>
-                </a:solidFill>
-                <a:latin typeface="Arial"/>
-                <a:ea typeface="Calibri"/>
-              </a:rPr>
-              <a:t>Back-end</a:t>
-            </a:r>
-            <a:endParaRPr b="0" lang="pt-BR" sz="1800" spc="-1" strike="noStrike">
-              <a:solidFill>
-                <a:srgbClr val="000000"/>
-              </a:solidFill>
-              <a:latin typeface="Arial"/>
-            </a:endParaRPr>
-          </a:p>
-          <a:p>
-            <a:pPr lvl="1" marL="673200" indent="-216000" algn="just">
-              <a:lnSpc>
-                <a:spcPct val="115000"/>
-              </a:lnSpc>
-              <a:buClr>
-                <a:srgbClr val="000000"/>
-              </a:buClr>
-              <a:buFont typeface="Arial"/>
-              <a:buChar char="●"/>
-            </a:pPr>
-            <a:r>
-              <a:rPr b="0" lang="pt-BR" sz="1800" spc="-1" strike="noStrike">
-                <a:solidFill>
-                  <a:srgbClr val="01498e"/>
-                </a:solidFill>
-                <a:latin typeface="Arial"/>
-                <a:ea typeface="Calibri"/>
-              </a:rPr>
-              <a:t>Servidor Web: </a:t>
-            </a:r>
-            <a:endParaRPr b="0" lang="pt-BR" sz="1800" spc="-1" strike="noStrike">
-              <a:solidFill>
-                <a:srgbClr val="000000"/>
-              </a:solidFill>
-              <a:latin typeface="Arial"/>
-            </a:endParaRPr>
-          </a:p>
-          <a:p>
-            <a:pPr lvl="2" marL="1130400" indent="-216000" algn="just">
-              <a:lnSpc>
-                <a:spcPct val="115000"/>
-              </a:lnSpc>
-              <a:buClr>
-                <a:srgbClr val="000000"/>
-              </a:buClr>
-              <a:buFont typeface="Arial"/>
-              <a:buChar char="●"/>
-            </a:pPr>
-            <a:r>
-              <a:rPr b="0" lang="pt-BR" sz="1800" spc="-1" strike="noStrike">
-                <a:solidFill>
-                  <a:srgbClr val="01498e"/>
-                </a:solidFill>
-                <a:latin typeface="Arial"/>
-                <a:ea typeface="Calibri"/>
-              </a:rPr>
-              <a:t>Apache, Nginx, Gunicorn.</a:t>
-            </a:r>
-            <a:endParaRPr b="0" lang="pt-BR" sz="1800" spc="-1" strike="noStrike">
-              <a:solidFill>
-                <a:srgbClr val="000000"/>
-              </a:solidFill>
-              <a:latin typeface="Arial"/>
-            </a:endParaRPr>
-          </a:p>
-          <a:p>
-            <a:pPr lvl="1" marL="673200" indent="-216000" algn="just">
-              <a:lnSpc>
-                <a:spcPct val="115000"/>
-              </a:lnSpc>
-              <a:buClr>
-                <a:srgbClr val="000000"/>
-              </a:buClr>
-              <a:buFont typeface="Arial"/>
-              <a:buChar char="●"/>
-            </a:pPr>
-            <a:r>
-              <a:rPr b="0" lang="pt-BR" sz="1800" spc="-1" strike="noStrike">
-                <a:solidFill>
-                  <a:srgbClr val="01498e"/>
-                </a:solidFill>
-                <a:latin typeface="Arial"/>
-                <a:ea typeface="Calibri"/>
-              </a:rPr>
-              <a:t>Banco de Dados:</a:t>
-            </a:r>
-            <a:endParaRPr b="0" lang="pt-BR" sz="1800" spc="-1" strike="noStrike">
-              <a:solidFill>
-                <a:srgbClr val="000000"/>
-              </a:solidFill>
-              <a:latin typeface="Arial"/>
-            </a:endParaRPr>
-          </a:p>
-          <a:p>
-            <a:pPr lvl="2" marL="1130400" indent="-216000" algn="just">
-              <a:lnSpc>
-                <a:spcPct val="115000"/>
-              </a:lnSpc>
-              <a:buClr>
-                <a:srgbClr val="000000"/>
-              </a:buClr>
-              <a:buFont typeface="Arial"/>
-              <a:buChar char="●"/>
-            </a:pPr>
-            <a:r>
-              <a:rPr b="0" lang="pt-BR" sz="1800" spc="-1" strike="noStrike">
-                <a:solidFill>
-                  <a:srgbClr val="01498e"/>
-                </a:solidFill>
-                <a:latin typeface="Arial"/>
-                <a:ea typeface="Calibri"/>
-              </a:rPr>
-              <a:t> </a:t>
-            </a:r>
-            <a:r>
-              <a:rPr b="0" lang="pt-BR" sz="1800" spc="-1" strike="noStrike">
-                <a:solidFill>
-                  <a:srgbClr val="01498e"/>
-                </a:solidFill>
-                <a:latin typeface="Arial"/>
-                <a:ea typeface="Calibri"/>
-              </a:rPr>
-              <a:t>MySQL, PostgreSQL, MongoDB.</a:t>
-            </a:r>
-            <a:endParaRPr b="0" lang="pt-BR" sz="1800" spc="-1" strike="noStrike">
-              <a:solidFill>
-                <a:srgbClr val="000000"/>
-              </a:solidFill>
-              <a:latin typeface="Arial"/>
-            </a:endParaRPr>
-          </a:p>
-          <a:p>
-            <a:pPr lvl="1" marL="673200" indent="-216000" algn="just">
-              <a:lnSpc>
-                <a:spcPct val="115000"/>
-              </a:lnSpc>
-              <a:buClr>
-                <a:srgbClr val="000000"/>
-              </a:buClr>
-              <a:buFont typeface="Arial"/>
-              <a:buChar char="●"/>
-            </a:pPr>
-            <a:r>
-              <a:rPr b="0" lang="pt-BR" sz="1800" spc="-1" strike="noStrike">
-                <a:solidFill>
-                  <a:srgbClr val="01498e"/>
-                </a:solidFill>
-                <a:latin typeface="Arial"/>
-                <a:ea typeface="Calibri"/>
-              </a:rPr>
-              <a:t>Linguagem de Programação: </a:t>
-            </a:r>
-            <a:endParaRPr b="0" lang="pt-BR" sz="1800" spc="-1" strike="noStrike">
-              <a:solidFill>
-                <a:srgbClr val="000000"/>
-              </a:solidFill>
-              <a:latin typeface="Arial"/>
-            </a:endParaRPr>
-          </a:p>
-          <a:p>
-            <a:pPr lvl="2" marL="1130400" indent="-216000" algn="just">
-              <a:lnSpc>
-                <a:spcPct val="115000"/>
-              </a:lnSpc>
-              <a:buClr>
-                <a:srgbClr val="000000"/>
-              </a:buClr>
-              <a:buFont typeface="Arial"/>
-              <a:buChar char="●"/>
-            </a:pPr>
-            <a:r>
-              <a:rPr b="0" lang="pt-BR" sz="1800" spc="-1" strike="noStrike">
-                <a:solidFill>
-                  <a:srgbClr val="01498e"/>
-                </a:solidFill>
-                <a:latin typeface="Arial"/>
-                <a:ea typeface="Calibri"/>
-              </a:rPr>
-              <a:t>Python, Node.js, PHP.</a:t>
-            </a:r>
-            <a:endParaRPr b="0" lang="pt-BR" sz="1800" spc="-1" strike="noStrike">
-              <a:solidFill>
-                <a:srgbClr val="000000"/>
-              </a:solidFill>
-              <a:latin typeface="Arial"/>
-            </a:endParaRPr>
-          </a:p>
-          <a:p>
-            <a:pPr algn="just">
-              <a:lnSpc>
-                <a:spcPct val="115000"/>
-              </a:lnSpc>
-            </a:pPr>
-            <a:endParaRPr b="0" lang="pt-BR" sz="1800" spc="-1" strike="noStrike">
-              <a:solidFill>
-                <a:srgbClr val="000000"/>
-              </a:solidFill>
-              <a:latin typeface="Arial"/>
-            </a:endParaRPr>
-          </a:p>
-          <a:p>
-            <a:pPr algn="just">
-              <a:lnSpc>
-                <a:spcPct val="115000"/>
-              </a:lnSpc>
-            </a:pPr>
-            <a:endParaRPr b="0" lang="pt-BR" sz="1800" spc="-1" strike="noStrike">
-              <a:solidFill>
-                <a:srgbClr val="000000"/>
-              </a:solidFill>
-              <a:latin typeface="Arial"/>
-            </a:endParaRPr>
-          </a:p>
-          <a:p>
-            <a:pPr algn="just">
-              <a:lnSpc>
-                <a:spcPct val="115000"/>
-              </a:lnSpc>
-            </a:pPr>
-            <a:endParaRPr b="0" lang="pt-BR" sz="1800" spc="-1" strike="noStrike">
-              <a:solidFill>
-                <a:srgbClr val="000000"/>
-              </a:solidFill>
-              <a:latin typeface="Arial"/>
-            </a:endParaRPr>
-          </a:p>
-        </p:txBody>
-      </p:sp>
-    </p:spTree>
-  </p:cSld>
-  <mc:AlternateContent>
-    <mc:Choice Requires="p14">
-      <p:transition spd="slow" p14:dur="2000"/>
-    </mc:Choice>
-    <mc:Fallback>
-      <p:transition spd="slow"/>
-    </mc:Fallback>
-  </mc:AlternateContent>
-</p:sld>
-</file>
-
-<file path=ppt/slides/slide15.xml><?xml version="1.0" encoding="utf-8"?>
-<p:sld xmlns:a="http://schemas.openxmlformats.org/drawingml/2006/main" xmlns:p="http://schemas.openxmlformats.org/presentationml/2006/main" xmlns:r="http://schemas.openxmlformats.org/officeDocument/2006/relationships" xmlns:p14="http://schemas.microsoft.com/office/powerpoint/2010/main" xmlns:p15="http://schemas.microsoft.com/office/powerpoint/2012/main" xmlns:mc="http://schemas.openxmlformats.org/markup-compatibility/2006">
-  <p:cSld>
-    <p:spTree>
-      <p:nvGrpSpPr>
-        <p:cNvPr id="1" name=""/>
-        <p:cNvGrpSpPr/>
-        <p:nvPr/>
-      </p:nvGrpSpPr>
-      <p:grpSpPr>
-        <a:xfrm>
-          <a:off x="0" y="0"/>
-          <a:ext cx="0" cy="0"/>
-          <a:chOff x="0" y="0"/>
-          <a:chExt cx="0" cy="0"/>
-        </a:xfrm>
-      </p:grpSpPr>
-    </p:spTree>
-  </p:cSld>
-  <mc:AlternateContent>
-    <mc:Choice Requires="p14">
-      <p:transition spd="slow" p14:dur="2000"/>
-    </mc:Choice>
-    <mc:Fallback>
-      <p:transition spd="slow"/>
-    </mc:Fallback>
-  </mc:AlternateContent>
-</p:sld>
-</file>
-
-<file path=ppt/slides/slide16.xml><?xml version="1.0" encoding="utf-8"?>
-<p:sld xmlns:a="http://schemas.openxmlformats.org/drawingml/2006/main" xmlns:p="http://schemas.openxmlformats.org/presentationml/2006/main" xmlns:r="http://schemas.openxmlformats.org/officeDocument/2006/relationships" xmlns:p14="http://schemas.microsoft.com/office/powerpoint/2010/main" xmlns:p15="http://schemas.microsoft.com/office/powerpoint/2012/main" xmlns:mc="http://schemas.openxmlformats.org/markup-compatibility/2006">
-  <p:cSld>
-    <p:spTree>
-      <p:nvGrpSpPr>
-        <p:cNvPr id="1" name=""/>
-        <p:cNvGrpSpPr/>
-        <p:nvPr/>
-      </p:nvGrpSpPr>
-      <p:grpSpPr>
-        <a:xfrm>
-          <a:off x="0" y="0"/>
-          <a:ext cx="0" cy="0"/>
-          <a:chOff x="0" y="0"/>
-          <a:chExt cx="0" cy="0"/>
-        </a:xfrm>
-      </p:grpSpPr>
-    </p:spTree>
-  </p:cSld>
-  <mc:AlternateContent>
-    <mc:Choice Requires="p14">
-      <p:transition spd="slow" p14:dur="2000"/>
-    </mc:Choice>
-    <mc:Fallback>
-      <p:transition spd="slow"/>
-    </mc:Fallback>
-  </mc:AlternateContent>
-</p:sld>
-</file>
-
-<file path=ppt/slides/slide17.xml><?xml version="1.0" encoding="utf-8"?>
-<p:sld xmlns:a="http://schemas.openxmlformats.org/drawingml/2006/main" xmlns:p="http://schemas.openxmlformats.org/presentationml/2006/main" xmlns:r="http://schemas.openxmlformats.org/officeDocument/2006/relationships" xmlns:p14="http://schemas.microsoft.com/office/powerpoint/2010/main" xmlns:p15="http://schemas.microsoft.com/office/powerpoint/2012/main" xmlns:mc="http://schemas.openxmlformats.org/markup-compatibility/2006">
-  <p:cSld>
-    <p:spTree>
-      <p:nvGrpSpPr>
-        <p:cNvPr id="1" name=""/>
-        <p:cNvGrpSpPr/>
-        <p:nvPr/>
-      </p:nvGrpSpPr>
-      <p:grpSpPr>
-        <a:xfrm>
-          <a:off x="0" y="0"/>
-          <a:ext cx="0" cy="0"/>
-          <a:chOff x="0" y="0"/>
-          <a:chExt cx="0" cy="0"/>
-        </a:xfrm>
-      </p:grpSpPr>
-    </p:spTree>
-  </p:cSld>
-  <mc:AlternateContent>
-    <mc:Choice Requires="p14">
-      <p:transition spd="slow" p14:dur="2000"/>
-    </mc:Choice>
-    <mc:Fallback>
-      <p:transition spd="slow"/>
-    </mc:Fallback>
-  </mc:AlternateContent>
-</p:sld>
-</file>
-
-<file path=ppt/slides/slide18.xml><?xml version="1.0" encoding="utf-8"?>
-<p:sld xmlns:a="http://schemas.openxmlformats.org/drawingml/2006/main" xmlns:p="http://schemas.openxmlformats.org/presentationml/2006/main" xmlns:r="http://schemas.openxmlformats.org/officeDocument/2006/relationships" xmlns:p14="http://schemas.microsoft.com/office/powerpoint/2010/main" xmlns:p15="http://schemas.microsoft.com/office/powerpoint/2012/main" xmlns:mc="http://schemas.openxmlformats.org/markup-compatibility/2006">
-  <p:cSld>
-    <p:spTree>
-      <p:nvGrpSpPr>
-        <p:cNvPr id="1" name=""/>
-        <p:cNvGrpSpPr/>
-        <p:nvPr/>
-      </p:nvGrpSpPr>
-      <p:grpSpPr>
-        <a:xfrm>
-          <a:off x="0" y="0"/>
-          <a:ext cx="0" cy="0"/>
-          <a:chOff x="0" y="0"/>
-          <a:chExt cx="0" cy="0"/>
-        </a:xfrm>
-      </p:grpSpPr>
-      <p:sp>
-        <p:nvSpPr>
-          <p:cNvPr id="202" name="Título 4"/>
-          <p:cNvSpPr/>
-          <p:nvPr/>
-        </p:nvSpPr>
-        <p:spPr>
-          <a:xfrm>
-            <a:off x="291960" y="189000"/>
-            <a:ext cx="7479000" cy="898560"/>
-          </a:xfrm>
-          <a:prstGeom prst="rect">
-            <a:avLst/>
-          </a:prstGeom>
-          <a:noFill/>
-          <a:ln w="0">
-            <a:noFill/>
-          </a:ln>
-        </p:spPr>
-        <p:style>
-          <a:lnRef idx="0"/>
-          <a:fillRef idx="0"/>
-          <a:effectRef idx="0"/>
-          <a:fontRef idx="minor"/>
-        </p:style>
-        <p:txBody>
-          <a:bodyPr lIns="90000" rIns="90000" tIns="91440" bIns="91440" anchor="t">
-            <a:noAutofit/>
-          </a:bodyPr>
-          <a:p>
-            <a:pPr>
-              <a:lnSpc>
-                <a:spcPct val="100000"/>
-              </a:lnSpc>
-            </a:pPr>
-            <a:r>
-              <a:rPr b="1" lang="pt-BR" sz="5400" spc="-1" strike="noStrike">
-                <a:solidFill>
-                  <a:srgbClr val="002060"/>
-                </a:solidFill>
-                <a:latin typeface="Overpass"/>
-                <a:ea typeface="Overpass"/>
-              </a:rPr>
-              <a:t>POO Recap </a:t>
-            </a:r>
-            <a:endParaRPr b="0" lang="pt-BR" sz="5400" spc="-1" strike="noStrike">
-              <a:solidFill>
-                <a:srgbClr val="000000"/>
-              </a:solidFill>
-              <a:latin typeface="Arial"/>
-            </a:endParaRPr>
-          </a:p>
-          <a:p>
-            <a:pPr>
-              <a:lnSpc>
-                <a:spcPct val="100000"/>
-              </a:lnSpc>
-            </a:pPr>
-            <a:endParaRPr b="0" lang="pt-BR" sz="5400" spc="-1" strike="noStrike">
-              <a:solidFill>
-                <a:srgbClr val="000000"/>
-              </a:solidFill>
-              <a:latin typeface="Arial"/>
-            </a:endParaRPr>
-          </a:p>
-        </p:txBody>
-      </p:sp>
-      <p:pic>
-        <p:nvPicPr>
-          <p:cNvPr id="203" name="Imagem 7" descr=""/>
-          <p:cNvPicPr/>
-          <p:nvPr/>
-        </p:nvPicPr>
-        <p:blipFill>
-          <a:blip r:embed="rId1"/>
-          <a:srcRect l="0" t="0" r="0" b="20507"/>
-          <a:stretch/>
-        </p:blipFill>
-        <p:spPr>
-          <a:xfrm>
-            <a:off x="8100720" y="900720"/>
-            <a:ext cx="2141280" cy="3602160"/>
-          </a:xfrm>
-          <a:prstGeom prst="rect">
-            <a:avLst/>
-          </a:prstGeom>
-          <a:ln w="0">
-            <a:noFill/>
-          </a:ln>
-        </p:spPr>
-      </p:pic>
-      <p:sp>
-        <p:nvSpPr>
-          <p:cNvPr id="204" name="CaixaDeTexto 3"/>
-          <p:cNvSpPr/>
-          <p:nvPr/>
-        </p:nvSpPr>
-        <p:spPr>
-          <a:xfrm>
-            <a:off x="291960" y="1113480"/>
-            <a:ext cx="7692480" cy="720360"/>
-          </a:xfrm>
-          <a:prstGeom prst="rect">
-            <a:avLst/>
-          </a:prstGeom>
-          <a:noFill/>
-          <a:ln w="0">
-            <a:noFill/>
-          </a:ln>
-        </p:spPr>
-        <p:style>
-          <a:lnRef idx="0"/>
-          <a:fillRef idx="0"/>
-          <a:effectRef idx="0"/>
-          <a:fontRef idx="minor"/>
-        </p:style>
-        <p:txBody>
-          <a:bodyPr lIns="90000" rIns="90000" tIns="45000" bIns="45000" anchor="t">
-            <a:spAutoFit/>
-          </a:bodyPr>
-          <a:p>
-            <a:pPr marL="216000" indent="-216000" algn="just">
-              <a:lnSpc>
-                <a:spcPct val="115000"/>
-              </a:lnSpc>
-              <a:buClr>
-                <a:srgbClr val="000000"/>
-              </a:buClr>
-              <a:buFont typeface="Arial"/>
-              <a:buChar char="●"/>
-            </a:pPr>
-            <a:r>
-              <a:rPr b="0" lang="pt-BR" sz="1800" spc="-1" strike="noStrike">
-                <a:solidFill>
-                  <a:srgbClr val="01498e"/>
-                </a:solidFill>
-                <a:latin typeface="Arial"/>
-                <a:ea typeface="Calibri"/>
-              </a:rPr>
-              <a:t>O que é uma classe (class) ?</a:t>
-            </a:r>
-            <a:endParaRPr b="0" lang="pt-BR" sz="1800" spc="-1" strike="noStrike">
-              <a:solidFill>
-                <a:srgbClr val="000000"/>
-              </a:solidFill>
-              <a:latin typeface="Arial"/>
-            </a:endParaRPr>
-          </a:p>
-          <a:p>
-            <a:pPr marL="216000" indent="-216000" algn="just">
-              <a:lnSpc>
-                <a:spcPct val="115000"/>
-              </a:lnSpc>
-              <a:buClr>
-                <a:srgbClr val="000000"/>
-              </a:buClr>
-              <a:buFont typeface="Arial"/>
-              <a:buChar char="●"/>
-            </a:pPr>
-            <a:r>
-              <a:rPr b="0" lang="pt-BR" sz="1800" spc="-1" strike="noStrike">
-                <a:solidFill>
-                  <a:srgbClr val="01498e"/>
-                </a:solidFill>
-                <a:latin typeface="Arial"/>
-                <a:ea typeface="Calibri"/>
-              </a:rPr>
-              <a:t>O que é Herança?</a:t>
-            </a:r>
-            <a:endParaRPr b="0" lang="pt-BR" sz="1800" spc="-1" strike="noStrike">
-              <a:solidFill>
-                <a:srgbClr val="000000"/>
-              </a:solidFill>
-              <a:latin typeface="Arial"/>
-            </a:endParaRPr>
-          </a:p>
-        </p:txBody>
-      </p:sp>
-      <p:pic>
-        <p:nvPicPr>
-          <p:cNvPr id="205" name="Imagem 134" descr=""/>
-          <p:cNvPicPr/>
-          <p:nvPr/>
-        </p:nvPicPr>
-        <p:blipFill>
-          <a:blip r:embed="rId2"/>
-          <a:stretch/>
-        </p:blipFill>
-        <p:spPr>
-          <a:xfrm>
-            <a:off x="5040000" y="1254960"/>
-            <a:ext cx="3034080" cy="3062520"/>
-          </a:xfrm>
-          <a:prstGeom prst="rect">
-            <a:avLst/>
-          </a:prstGeom>
-          <a:ln w="0">
-            <a:noFill/>
-          </a:ln>
-        </p:spPr>
-      </p:pic>
-      <p:pic>
-        <p:nvPicPr>
-          <p:cNvPr id="206" name="Imagem 135" descr=""/>
-          <p:cNvPicPr/>
-          <p:nvPr/>
-        </p:nvPicPr>
-        <p:blipFill>
-          <a:blip r:embed="rId3"/>
-          <a:stretch/>
-        </p:blipFill>
-        <p:spPr>
-          <a:xfrm>
-            <a:off x="2719440" y="1833840"/>
-            <a:ext cx="1778040" cy="3025440"/>
-          </a:xfrm>
-          <a:prstGeom prst="rect">
-            <a:avLst/>
-          </a:prstGeom>
-          <a:ln w="0">
-            <a:noFill/>
-          </a:ln>
-        </p:spPr>
-      </p:pic>
-      <p:pic>
-        <p:nvPicPr>
-          <p:cNvPr id="207" name="Imagem 8" descr=""/>
-          <p:cNvPicPr/>
-          <p:nvPr/>
-        </p:nvPicPr>
-        <p:blipFill>
-          <a:blip r:embed="rId4"/>
-          <a:stretch/>
-        </p:blipFill>
-        <p:spPr>
-          <a:xfrm>
-            <a:off x="3762000" y="180000"/>
-            <a:ext cx="5379480" cy="1921320"/>
-          </a:xfrm>
-          <a:prstGeom prst="rect">
-            <a:avLst/>
-          </a:prstGeom>
-          <a:ln w="0">
-            <a:noFill/>
-          </a:ln>
-        </p:spPr>
-      </p:pic>
-    </p:spTree>
-  </p:cSld>
-  <mc:AlternateContent>
-    <mc:Choice Requires="p14">
-      <p:transition spd="slow" p14:dur="2000"/>
-    </mc:Choice>
-    <mc:Fallback>
-      <p:transition spd="slow"/>
-    </mc:Fallback>
-  </mc:AlternateContent>
-</p:sld>
-</file>
-
-<file path=ppt/slides/slide19.xml><?xml version="1.0" encoding="utf-8"?>
-<p:sld xmlns:a="http://schemas.openxmlformats.org/drawingml/2006/main" xmlns:p="http://schemas.openxmlformats.org/presentationml/2006/main" xmlns:r="http://schemas.openxmlformats.org/officeDocument/2006/relationships" xmlns:p14="http://schemas.microsoft.com/office/powerpoint/2010/main" xmlns:p15="http://schemas.microsoft.com/office/powerpoint/2012/main" xmlns:mc="http://schemas.openxmlformats.org/markup-compatibility/2006">
-  <p:cSld>
-    <p:spTree>
-      <p:nvGrpSpPr>
-        <p:cNvPr id="1" name=""/>
-        <p:cNvGrpSpPr/>
-        <p:nvPr/>
-      </p:nvGrpSpPr>
-      <p:grpSpPr>
-        <a:xfrm>
-          <a:off x="0" y="0"/>
-          <a:ext cx="0" cy="0"/>
-          <a:chOff x="0" y="0"/>
-          <a:chExt cx="0" cy="0"/>
-        </a:xfrm>
-      </p:grpSpPr>
-      <p:sp>
-        <p:nvSpPr>
-          <p:cNvPr id="208" name="Título 3"/>
-          <p:cNvSpPr/>
-          <p:nvPr/>
-        </p:nvSpPr>
-        <p:spPr>
-          <a:xfrm>
-            <a:off x="291960" y="189000"/>
-            <a:ext cx="7479000" cy="898560"/>
-          </a:xfrm>
-          <a:prstGeom prst="rect">
-            <a:avLst/>
-          </a:prstGeom>
-          <a:noFill/>
-          <a:ln w="0">
-            <a:noFill/>
-          </a:ln>
-        </p:spPr>
-        <p:style>
-          <a:lnRef idx="0"/>
-          <a:fillRef idx="0"/>
-          <a:effectRef idx="0"/>
-          <a:fontRef idx="minor"/>
-        </p:style>
-        <p:txBody>
-          <a:bodyPr lIns="90000" rIns="90000" tIns="91440" bIns="91440" anchor="t">
-            <a:noAutofit/>
-          </a:bodyPr>
-          <a:p>
-            <a:pPr>
-              <a:lnSpc>
-                <a:spcPct val="100000"/>
-              </a:lnSpc>
-            </a:pPr>
-            <a:r>
-              <a:rPr b="1" lang="pt-BR" sz="5400" spc="-1" strike="noStrike">
-                <a:solidFill>
-                  <a:srgbClr val="002060"/>
-                </a:solidFill>
-                <a:latin typeface="Overpass"/>
-                <a:ea typeface="Overpass"/>
-              </a:rPr>
-              <a:t>POO Recap </a:t>
-            </a:r>
-            <a:endParaRPr b="0" lang="pt-BR" sz="5400" spc="-1" strike="noStrike">
-              <a:solidFill>
-                <a:srgbClr val="000000"/>
-              </a:solidFill>
-              <a:latin typeface="Arial"/>
-            </a:endParaRPr>
-          </a:p>
-          <a:p>
-            <a:pPr>
-              <a:lnSpc>
-                <a:spcPct val="100000"/>
-              </a:lnSpc>
-            </a:pPr>
-            <a:endParaRPr b="0" lang="pt-BR" sz="5400" spc="-1" strike="noStrike">
-              <a:solidFill>
-                <a:srgbClr val="000000"/>
-              </a:solidFill>
-              <a:latin typeface="Arial"/>
-            </a:endParaRPr>
-          </a:p>
-        </p:txBody>
-      </p:sp>
-      <p:pic>
-        <p:nvPicPr>
-          <p:cNvPr id="209" name="Imagem 5" descr=""/>
-          <p:cNvPicPr/>
-          <p:nvPr/>
-        </p:nvPicPr>
-        <p:blipFill>
-          <a:blip r:embed="rId1"/>
-          <a:srcRect l="0" t="0" r="0" b="20507"/>
-          <a:stretch/>
-        </p:blipFill>
-        <p:spPr>
-          <a:xfrm>
-            <a:off x="8100720" y="900720"/>
-            <a:ext cx="2141280" cy="3602160"/>
-          </a:xfrm>
-          <a:prstGeom prst="rect">
-            <a:avLst/>
-          </a:prstGeom>
-          <a:ln w="0">
-            <a:noFill/>
-          </a:ln>
-        </p:spPr>
-      </p:pic>
-      <p:sp>
-        <p:nvSpPr>
-          <p:cNvPr id="210" name="CaixaDeTexto 2"/>
-          <p:cNvSpPr/>
-          <p:nvPr/>
-        </p:nvSpPr>
-        <p:spPr>
-          <a:xfrm>
-            <a:off x="291960" y="1113480"/>
-            <a:ext cx="7692480" cy="2297160"/>
-          </a:xfrm>
-          <a:prstGeom prst="rect">
-            <a:avLst/>
-          </a:prstGeom>
-          <a:noFill/>
-          <a:ln w="0">
-            <a:noFill/>
-          </a:ln>
-        </p:spPr>
-        <p:style>
-          <a:lnRef idx="0"/>
-          <a:fillRef idx="0"/>
-          <a:effectRef idx="0"/>
-          <a:fontRef idx="minor"/>
-        </p:style>
-        <p:txBody>
-          <a:bodyPr lIns="90000" rIns="90000" tIns="45000" bIns="45000" anchor="t">
-            <a:spAutoFit/>
-          </a:bodyPr>
-          <a:p>
-            <a:pPr marL="216000" indent="-216000" algn="just">
-              <a:lnSpc>
-                <a:spcPct val="115000"/>
-              </a:lnSpc>
-              <a:buClr>
-                <a:srgbClr val="000000"/>
-              </a:buClr>
-              <a:buFont typeface="Arial"/>
-              <a:buChar char="●"/>
-            </a:pPr>
-            <a:r>
-              <a:rPr b="0" lang="pt-BR" sz="1800" spc="-1" strike="noStrike">
-                <a:solidFill>
-                  <a:srgbClr val="01498e"/>
-                </a:solidFill>
-                <a:latin typeface="Arial"/>
-                <a:ea typeface="Calibri"/>
-              </a:rPr>
-              <a:t>O que é Herança ?</a:t>
-            </a:r>
-            <a:endParaRPr b="0" lang="pt-BR" sz="1800" spc="-1" strike="noStrike">
-              <a:solidFill>
-                <a:srgbClr val="000000"/>
-              </a:solidFill>
-              <a:latin typeface="Arial"/>
-            </a:endParaRPr>
-          </a:p>
-          <a:p>
-            <a:pPr lvl="1" marL="673200" indent="-216000" algn="just">
-              <a:lnSpc>
-                <a:spcPct val="115000"/>
-              </a:lnSpc>
-              <a:buClr>
-                <a:srgbClr val="000000"/>
-              </a:buClr>
-              <a:buFont typeface="Arial"/>
-              <a:buChar char="●"/>
-            </a:pPr>
-            <a:r>
-              <a:rPr b="0" lang="pt-BR" sz="1800" spc="-1" strike="noStrike">
-                <a:solidFill>
-                  <a:srgbClr val="01498e"/>
-                </a:solidFill>
-                <a:latin typeface="Arial"/>
-                <a:ea typeface="Calibri"/>
-              </a:rPr>
-              <a:t>Em Python, herança é um conceito fundamental da programação orientada a objetos (POO) que permite que uma classe (chamada classe filha ou subclasse) herde atributos e métodos de outra classe (chamada classe pai ou superclasse). Isso promove a reutilização de código e a organização hierárquica.</a:t>
-            </a:r>
-            <a:endParaRPr b="0" lang="pt-BR" sz="1800" spc="-1" strike="noStrike">
-              <a:solidFill>
-                <a:srgbClr val="000000"/>
-              </a:solidFill>
-              <a:latin typeface="Arial"/>
-            </a:endParaRPr>
-          </a:p>
-          <a:p>
-            <a:pPr algn="just">
-              <a:lnSpc>
-                <a:spcPct val="115000"/>
-              </a:lnSpc>
-            </a:pPr>
-            <a:endParaRPr b="0" lang="pt-BR" sz="1800" spc="-1" strike="noStrike">
-              <a:solidFill>
-                <a:srgbClr val="000000"/>
-              </a:solidFill>
-              <a:latin typeface="Arial"/>
-            </a:endParaRPr>
-          </a:p>
-        </p:txBody>
-      </p:sp>
-      <p:pic>
-        <p:nvPicPr>
-          <p:cNvPr id="211" name="Imagem 6" descr=""/>
-          <p:cNvPicPr/>
-          <p:nvPr/>
-        </p:nvPicPr>
-        <p:blipFill>
-          <a:blip r:embed="rId2"/>
-          <a:stretch/>
-        </p:blipFill>
-        <p:spPr>
-          <a:xfrm>
-            <a:off x="959400" y="3067920"/>
-            <a:ext cx="5379480" cy="1921320"/>
-          </a:xfrm>
-          <a:prstGeom prst="rect">
-            <a:avLst/>
-          </a:prstGeom>
-          <a:ln w="0">
-            <a:noFill/>
-          </a:ln>
-        </p:spPr>
-      </p:pic>
     </p:spTree>
   </p:cSld>
   <mc:AlternateContent>
@@ -14015,1688 +12629,6 @@
           <a:xfrm>
             <a:off x="782640" y="3310560"/>
             <a:ext cx="2636640" cy="1188720"/>
-          </a:xfrm>
-          <a:prstGeom prst="rect">
-            <a:avLst/>
-          </a:prstGeom>
-          <a:ln w="0">
-            <a:noFill/>
-          </a:ln>
-        </p:spPr>
-      </p:pic>
-    </p:spTree>
-  </p:cSld>
-  <mc:AlternateContent>
-    <mc:Choice Requires="p14">
-      <p:transition spd="slow" p14:dur="2000"/>
-    </mc:Choice>
-    <mc:Fallback>
-      <p:transition spd="slow"/>
-    </mc:Fallback>
-  </mc:AlternateContent>
-</p:sld>
-</file>
-
-<file path=ppt/slides/slide20.xml><?xml version="1.0" encoding="utf-8"?>
-<p:sld xmlns:a="http://schemas.openxmlformats.org/drawingml/2006/main" xmlns:p="http://schemas.openxmlformats.org/presentationml/2006/main" xmlns:r="http://schemas.openxmlformats.org/officeDocument/2006/relationships" xmlns:p14="http://schemas.microsoft.com/office/powerpoint/2010/main" xmlns:p15="http://schemas.microsoft.com/office/powerpoint/2012/main" xmlns:mc="http://schemas.openxmlformats.org/markup-compatibility/2006">
-  <p:cSld>
-    <p:spTree>
-      <p:nvGrpSpPr>
-        <p:cNvPr id="1" name=""/>
-        <p:cNvGrpSpPr/>
-        <p:nvPr/>
-      </p:nvGrpSpPr>
-      <p:grpSpPr>
-        <a:xfrm>
-          <a:off x="0" y="0"/>
-          <a:ext cx="0" cy="0"/>
-          <a:chOff x="0" y="0"/>
-          <a:chExt cx="0" cy="0"/>
-        </a:xfrm>
-      </p:grpSpPr>
-      <p:sp>
-        <p:nvSpPr>
-          <p:cNvPr id="212" name="Título 1"/>
-          <p:cNvSpPr/>
-          <p:nvPr/>
-        </p:nvSpPr>
-        <p:spPr>
-          <a:xfrm>
-            <a:off x="291960" y="32040"/>
-            <a:ext cx="5586120" cy="898560"/>
-          </a:xfrm>
-          <a:prstGeom prst="rect">
-            <a:avLst/>
-          </a:prstGeom>
-          <a:noFill/>
-          <a:ln w="0">
-            <a:noFill/>
-          </a:ln>
-        </p:spPr>
-        <p:style>
-          <a:lnRef idx="0"/>
-          <a:fillRef idx="0"/>
-          <a:effectRef idx="0"/>
-          <a:fontRef idx="minor"/>
-        </p:style>
-        <p:txBody>
-          <a:bodyPr lIns="90000" rIns="90000" tIns="91440" bIns="91440" anchor="t">
-            <a:noAutofit/>
-          </a:bodyPr>
-          <a:p>
-            <a:pPr>
-              <a:lnSpc>
-                <a:spcPct val="100000"/>
-              </a:lnSpc>
-            </a:pPr>
-            <a:r>
-              <a:rPr b="1" lang="pt-BR" sz="5400" spc="-1" strike="noStrike">
-                <a:solidFill>
-                  <a:srgbClr val="002060"/>
-                </a:solidFill>
-                <a:latin typeface="Overpass"/>
-                <a:ea typeface="Overpass"/>
-              </a:rPr>
-              <a:t>Let’s Work</a:t>
-            </a:r>
-            <a:endParaRPr b="0" lang="pt-BR" sz="5400" spc="-1" strike="noStrike">
-              <a:solidFill>
-                <a:srgbClr val="000000"/>
-              </a:solidFill>
-              <a:latin typeface="Arial"/>
-            </a:endParaRPr>
-          </a:p>
-        </p:txBody>
-      </p:sp>
-      <p:pic>
-        <p:nvPicPr>
-          <p:cNvPr id="213" name="Imagem 14" descr=""/>
-          <p:cNvPicPr/>
-          <p:nvPr/>
-        </p:nvPicPr>
-        <p:blipFill>
-          <a:blip r:embed="rId1"/>
-          <a:stretch/>
-        </p:blipFill>
-        <p:spPr>
-          <a:xfrm rot="5400000">
-            <a:off x="7715880" y="-111600"/>
-            <a:ext cx="2972520" cy="3196440"/>
-          </a:xfrm>
-          <a:prstGeom prst="rect">
-            <a:avLst/>
-          </a:prstGeom>
-          <a:ln w="0">
-            <a:noFill/>
-          </a:ln>
-        </p:spPr>
-      </p:pic>
-      <p:sp>
-        <p:nvSpPr>
-          <p:cNvPr id="214" name="CaixaDeTexto 9"/>
-          <p:cNvSpPr/>
-          <p:nvPr/>
-        </p:nvSpPr>
-        <p:spPr>
-          <a:xfrm>
-            <a:off x="180000" y="900000"/>
-            <a:ext cx="7418160" cy="2297160"/>
-          </a:xfrm>
-          <a:prstGeom prst="rect">
-            <a:avLst/>
-          </a:prstGeom>
-          <a:noFill/>
-          <a:ln w="0">
-            <a:noFill/>
-          </a:ln>
-        </p:spPr>
-        <p:style>
-          <a:lnRef idx="0"/>
-          <a:fillRef idx="0"/>
-          <a:effectRef idx="0"/>
-          <a:fontRef idx="minor"/>
-        </p:style>
-        <p:txBody>
-          <a:bodyPr lIns="90000" rIns="90000" tIns="45000" bIns="45000" anchor="t">
-            <a:spAutoFit/>
-          </a:bodyPr>
-          <a:p>
-            <a:pPr marL="216000" indent="-216000" algn="just">
-              <a:lnSpc>
-                <a:spcPct val="115000"/>
-              </a:lnSpc>
-              <a:buClr>
-                <a:srgbClr val="000000"/>
-              </a:buClr>
-              <a:buFont typeface="Arial"/>
-              <a:buChar char="●"/>
-            </a:pPr>
-            <a:r>
-              <a:rPr b="0" lang="pt-BR" sz="1800" spc="-1" strike="noStrike">
-                <a:solidFill>
-                  <a:srgbClr val="01498e"/>
-                </a:solidFill>
-                <a:latin typeface="Arial"/>
-                <a:ea typeface="Calibri"/>
-              </a:rPr>
-              <a:t>Problema 1:</a:t>
-            </a:r>
-            <a:endParaRPr b="0" lang="pt-BR" sz="1800" spc="-1" strike="noStrike">
-              <a:solidFill>
-                <a:srgbClr val="000000"/>
-              </a:solidFill>
-              <a:latin typeface="Arial"/>
-            </a:endParaRPr>
-          </a:p>
-          <a:p>
-            <a:pPr lvl="1" marL="673200" indent="-216000" algn="just">
-              <a:lnSpc>
-                <a:spcPct val="115000"/>
-              </a:lnSpc>
-              <a:buClr>
-                <a:srgbClr val="000000"/>
-              </a:buClr>
-              <a:buFont typeface="Arial"/>
-              <a:buChar char="●"/>
-            </a:pPr>
-            <a:r>
-              <a:rPr b="0" lang="pt-BR" sz="1800" spc="-1" strike="noStrike">
-                <a:solidFill>
-                  <a:srgbClr val="01498e"/>
-                </a:solidFill>
-                <a:latin typeface="Arial"/>
-                <a:ea typeface="Calibri"/>
-              </a:rPr>
-              <a:t>Crie um looping que instancie um objeto ContaBancaria 100 e guarde-o numa lista bilhoes de vezes </a:t>
-            </a:r>
-            <a:endParaRPr b="0" lang="pt-BR" sz="1800" spc="-1" strike="noStrike">
-              <a:solidFill>
-                <a:srgbClr val="000000"/>
-              </a:solidFill>
-              <a:latin typeface="Arial"/>
-            </a:endParaRPr>
-          </a:p>
-          <a:p>
-            <a:pPr algn="just">
-              <a:lnSpc>
-                <a:spcPct val="115000"/>
-              </a:lnSpc>
-            </a:pPr>
-            <a:endParaRPr b="0" lang="pt-BR" sz="1800" spc="-1" strike="noStrike">
-              <a:solidFill>
-                <a:srgbClr val="000000"/>
-              </a:solidFill>
-              <a:latin typeface="Arial"/>
-            </a:endParaRPr>
-          </a:p>
-          <a:p>
-            <a:pPr algn="just">
-              <a:lnSpc>
-                <a:spcPct val="115000"/>
-              </a:lnSpc>
-            </a:pPr>
-            <a:endParaRPr b="0" lang="pt-BR" sz="1800" spc="-1" strike="noStrike">
-              <a:solidFill>
-                <a:srgbClr val="000000"/>
-              </a:solidFill>
-              <a:latin typeface="Arial"/>
-            </a:endParaRPr>
-          </a:p>
-          <a:p>
-            <a:pPr algn="just">
-              <a:lnSpc>
-                <a:spcPct val="115000"/>
-              </a:lnSpc>
-            </a:pPr>
-            <a:endParaRPr b="0" lang="pt-BR" sz="1800" spc="-1" strike="noStrike">
-              <a:solidFill>
-                <a:srgbClr val="000000"/>
-              </a:solidFill>
-              <a:latin typeface="Arial"/>
-            </a:endParaRPr>
-          </a:p>
-          <a:p>
-            <a:pPr algn="just">
-              <a:lnSpc>
-                <a:spcPct val="115000"/>
-              </a:lnSpc>
-            </a:pPr>
-            <a:endParaRPr b="0" lang="pt-BR" sz="1800" spc="-1" strike="noStrike">
-              <a:solidFill>
-                <a:srgbClr val="000000"/>
-              </a:solidFill>
-              <a:latin typeface="Arial"/>
-            </a:endParaRPr>
-          </a:p>
-        </p:txBody>
-      </p:sp>
-    </p:spTree>
-  </p:cSld>
-  <mc:AlternateContent>
-    <mc:Choice Requires="p14">
-      <p:transition spd="slow" p14:dur="2000"/>
-    </mc:Choice>
-    <mc:Fallback>
-      <p:transition spd="slow"/>
-    </mc:Fallback>
-  </mc:AlternateContent>
-</p:sld>
-</file>
-
-<file path=ppt/slides/slide21.xml><?xml version="1.0" encoding="utf-8"?>
-<p:sld xmlns:a="http://schemas.openxmlformats.org/drawingml/2006/main" xmlns:p="http://schemas.openxmlformats.org/presentationml/2006/main" xmlns:r="http://schemas.openxmlformats.org/officeDocument/2006/relationships" xmlns:p14="http://schemas.microsoft.com/office/powerpoint/2010/main" xmlns:p15="http://schemas.microsoft.com/office/powerpoint/2012/main" xmlns:mc="http://schemas.openxmlformats.org/markup-compatibility/2006">
-  <p:cSld>
-    <p:spTree>
-      <p:nvGrpSpPr>
-        <p:cNvPr id="1" name=""/>
-        <p:cNvGrpSpPr/>
-        <p:nvPr/>
-      </p:nvGrpSpPr>
-      <p:grpSpPr>
-        <a:xfrm>
-          <a:off x="0" y="0"/>
-          <a:ext cx="0" cy="0"/>
-          <a:chOff x="0" y="0"/>
-          <a:chExt cx="0" cy="0"/>
-        </a:xfrm>
-      </p:grpSpPr>
-      <p:pic>
-        <p:nvPicPr>
-          <p:cNvPr id="215" name="Imagem 144" descr=""/>
-          <p:cNvPicPr/>
-          <p:nvPr/>
-        </p:nvPicPr>
-        <p:blipFill>
-          <a:blip r:embed="rId1"/>
-          <a:stretch/>
-        </p:blipFill>
-        <p:spPr>
-          <a:xfrm>
-            <a:off x="1004760" y="602640"/>
-            <a:ext cx="7197480" cy="3959280"/>
-          </a:xfrm>
-          <a:prstGeom prst="rect">
-            <a:avLst/>
-          </a:prstGeom>
-          <a:ln w="0">
-            <a:noFill/>
-          </a:ln>
-        </p:spPr>
-      </p:pic>
-    </p:spTree>
-  </p:cSld>
-  <mc:AlternateContent>
-    <mc:Choice Requires="p14">
-      <p:transition spd="slow" p14:dur="2000"/>
-    </mc:Choice>
-    <mc:Fallback>
-      <p:transition spd="slow"/>
-    </mc:Fallback>
-  </mc:AlternateContent>
-</p:sld>
-</file>
-
-<file path=ppt/slides/slide22.xml><?xml version="1.0" encoding="utf-8"?>
-<p:sld xmlns:a="http://schemas.openxmlformats.org/drawingml/2006/main" xmlns:p="http://schemas.openxmlformats.org/presentationml/2006/main" xmlns:r="http://schemas.openxmlformats.org/officeDocument/2006/relationships" xmlns:p14="http://schemas.microsoft.com/office/powerpoint/2010/main" xmlns:p15="http://schemas.microsoft.com/office/powerpoint/2012/main" xmlns:mc="http://schemas.openxmlformats.org/markup-compatibility/2006">
-  <p:cSld>
-    <p:spTree>
-      <p:nvGrpSpPr>
-        <p:cNvPr id="1" name=""/>
-        <p:cNvGrpSpPr/>
-        <p:nvPr/>
-      </p:nvGrpSpPr>
-      <p:grpSpPr>
-        <a:xfrm>
-          <a:off x="0" y="0"/>
-          <a:ext cx="0" cy="0"/>
-          <a:chOff x="0" y="0"/>
-          <a:chExt cx="0" cy="0"/>
-        </a:xfrm>
-      </p:grpSpPr>
-      <p:sp>
-        <p:nvSpPr>
-          <p:cNvPr id="216" name="Título 10"/>
-          <p:cNvSpPr/>
-          <p:nvPr/>
-        </p:nvSpPr>
-        <p:spPr>
-          <a:xfrm>
-            <a:off x="291960" y="32040"/>
-            <a:ext cx="5586120" cy="898560"/>
-          </a:xfrm>
-          <a:prstGeom prst="rect">
-            <a:avLst/>
-          </a:prstGeom>
-          <a:noFill/>
-          <a:ln w="0">
-            <a:noFill/>
-          </a:ln>
-        </p:spPr>
-        <p:style>
-          <a:lnRef idx="0"/>
-          <a:fillRef idx="0"/>
-          <a:effectRef idx="0"/>
-          <a:fontRef idx="minor"/>
-        </p:style>
-        <p:txBody>
-          <a:bodyPr lIns="90000" rIns="90000" tIns="91440" bIns="91440" anchor="t">
-            <a:noAutofit/>
-          </a:bodyPr>
-          <a:p>
-            <a:pPr>
-              <a:lnSpc>
-                <a:spcPct val="100000"/>
-              </a:lnSpc>
-            </a:pPr>
-            <a:r>
-              <a:rPr b="1" lang="pt-BR" sz="5400" spc="-1" strike="noStrike">
-                <a:solidFill>
-                  <a:srgbClr val="002060"/>
-                </a:solidFill>
-                <a:latin typeface="Overpass"/>
-                <a:ea typeface="Overpass"/>
-              </a:rPr>
-              <a:t>Let’s Work</a:t>
-            </a:r>
-            <a:endParaRPr b="0" lang="pt-BR" sz="5400" spc="-1" strike="noStrike">
-              <a:solidFill>
-                <a:srgbClr val="000000"/>
-              </a:solidFill>
-              <a:latin typeface="Arial"/>
-            </a:endParaRPr>
-          </a:p>
-        </p:txBody>
-      </p:sp>
-      <p:pic>
-        <p:nvPicPr>
-          <p:cNvPr id="217" name="Imagem 16" descr=""/>
-          <p:cNvPicPr/>
-          <p:nvPr/>
-        </p:nvPicPr>
-        <p:blipFill>
-          <a:blip r:embed="rId1"/>
-          <a:stretch/>
-        </p:blipFill>
-        <p:spPr>
-          <a:xfrm rot="5400000">
-            <a:off x="7715880" y="-111600"/>
-            <a:ext cx="2972520" cy="3196440"/>
-          </a:xfrm>
-          <a:prstGeom prst="rect">
-            <a:avLst/>
-          </a:prstGeom>
-          <a:ln w="0">
-            <a:noFill/>
-          </a:ln>
-        </p:spPr>
-      </p:pic>
-      <p:sp>
-        <p:nvSpPr>
-          <p:cNvPr id="218" name="CaixaDeTexto 10"/>
-          <p:cNvSpPr/>
-          <p:nvPr/>
-        </p:nvSpPr>
-        <p:spPr>
-          <a:xfrm>
-            <a:off x="180000" y="900000"/>
-            <a:ext cx="7418160" cy="1981800"/>
-          </a:xfrm>
-          <a:prstGeom prst="rect">
-            <a:avLst/>
-          </a:prstGeom>
-          <a:noFill/>
-          <a:ln w="0">
-            <a:noFill/>
-          </a:ln>
-        </p:spPr>
-        <p:style>
-          <a:lnRef idx="0"/>
-          <a:fillRef idx="0"/>
-          <a:effectRef idx="0"/>
-          <a:fontRef idx="minor"/>
-        </p:style>
-        <p:txBody>
-          <a:bodyPr lIns="90000" rIns="90000" tIns="45000" bIns="45000" anchor="t">
-            <a:spAutoFit/>
-          </a:bodyPr>
-          <a:p>
-            <a:pPr marL="216000" indent="-216000" algn="just">
-              <a:lnSpc>
-                <a:spcPct val="115000"/>
-              </a:lnSpc>
-              <a:buClr>
-                <a:srgbClr val="000000"/>
-              </a:buClr>
-              <a:buFont typeface="Arial"/>
-              <a:buChar char="●"/>
-            </a:pPr>
-            <a:r>
-              <a:rPr b="0" lang="pt-BR" sz="1800" spc="-1" strike="noStrike">
-                <a:solidFill>
-                  <a:srgbClr val="01498e"/>
-                </a:solidFill>
-                <a:latin typeface="Arial"/>
-                <a:ea typeface="Calibri"/>
-              </a:rPr>
-              <a:t>Problema 2:</a:t>
-            </a:r>
-            <a:endParaRPr b="0" lang="pt-BR" sz="1800" spc="-1" strike="noStrike">
-              <a:solidFill>
-                <a:srgbClr val="000000"/>
-              </a:solidFill>
-              <a:latin typeface="Arial"/>
-            </a:endParaRPr>
-          </a:p>
-          <a:p>
-            <a:pPr lvl="1" marL="673200" indent="-216000" algn="just">
-              <a:lnSpc>
-                <a:spcPct val="115000"/>
-              </a:lnSpc>
-              <a:buClr>
-                <a:srgbClr val="000000"/>
-              </a:buClr>
-              <a:buFont typeface="Arial"/>
-              <a:buChar char="●"/>
-            </a:pPr>
-            <a:r>
-              <a:rPr b="0" lang="pt-BR" sz="1800" spc="-1" strike="noStrike">
-                <a:solidFill>
-                  <a:srgbClr val="01498e"/>
-                </a:solidFill>
-                <a:latin typeface="Arial"/>
-                <a:ea typeface="Calibri"/>
-              </a:rPr>
-              <a:t>Dado o código a seguir, defina a classe Livro</a:t>
-            </a:r>
-            <a:endParaRPr b="0" lang="pt-BR" sz="1800" spc="-1" strike="noStrike">
-              <a:solidFill>
-                <a:srgbClr val="000000"/>
-              </a:solidFill>
-              <a:latin typeface="Arial"/>
-            </a:endParaRPr>
-          </a:p>
-          <a:p>
-            <a:pPr algn="just">
-              <a:lnSpc>
-                <a:spcPct val="115000"/>
-              </a:lnSpc>
-            </a:pPr>
-            <a:endParaRPr b="0" lang="pt-BR" sz="1800" spc="-1" strike="noStrike">
-              <a:solidFill>
-                <a:srgbClr val="000000"/>
-              </a:solidFill>
-              <a:latin typeface="Arial"/>
-            </a:endParaRPr>
-          </a:p>
-          <a:p>
-            <a:pPr algn="just">
-              <a:lnSpc>
-                <a:spcPct val="115000"/>
-              </a:lnSpc>
-            </a:pPr>
-            <a:endParaRPr b="0" lang="pt-BR" sz="1800" spc="-1" strike="noStrike">
-              <a:solidFill>
-                <a:srgbClr val="000000"/>
-              </a:solidFill>
-              <a:latin typeface="Arial"/>
-            </a:endParaRPr>
-          </a:p>
-          <a:p>
-            <a:pPr algn="just">
-              <a:lnSpc>
-                <a:spcPct val="115000"/>
-              </a:lnSpc>
-            </a:pPr>
-            <a:endParaRPr b="0" lang="pt-BR" sz="1800" spc="-1" strike="noStrike">
-              <a:solidFill>
-                <a:srgbClr val="000000"/>
-              </a:solidFill>
-              <a:latin typeface="Arial"/>
-            </a:endParaRPr>
-          </a:p>
-          <a:p>
-            <a:pPr algn="just">
-              <a:lnSpc>
-                <a:spcPct val="115000"/>
-              </a:lnSpc>
-            </a:pPr>
-            <a:endParaRPr b="0" lang="pt-BR" sz="1800" spc="-1" strike="noStrike">
-              <a:solidFill>
-                <a:srgbClr val="000000"/>
-              </a:solidFill>
-              <a:latin typeface="Arial"/>
-            </a:endParaRPr>
-          </a:p>
-        </p:txBody>
-      </p:sp>
-    </p:spTree>
-  </p:cSld>
-  <mc:AlternateContent>
-    <mc:Choice Requires="p14">
-      <p:transition spd="slow" p14:dur="2000"/>
-    </mc:Choice>
-    <mc:Fallback>
-      <p:transition spd="slow"/>
-    </mc:Fallback>
-  </mc:AlternateContent>
-</p:sld>
-</file>
-
-<file path=ppt/slides/slide23.xml><?xml version="1.0" encoding="utf-8"?>
-<p:sld xmlns:a="http://schemas.openxmlformats.org/drawingml/2006/main" xmlns:p="http://schemas.openxmlformats.org/presentationml/2006/main" xmlns:r="http://schemas.openxmlformats.org/officeDocument/2006/relationships" xmlns:p14="http://schemas.microsoft.com/office/powerpoint/2010/main" xmlns:p15="http://schemas.microsoft.com/office/powerpoint/2012/main" xmlns:mc="http://schemas.openxmlformats.org/markup-compatibility/2006">
-  <p:cSld>
-    <p:spTree>
-      <p:nvGrpSpPr>
-        <p:cNvPr id="1" name=""/>
-        <p:cNvGrpSpPr/>
-        <p:nvPr/>
-      </p:nvGrpSpPr>
-      <p:grpSpPr>
-        <a:xfrm>
-          <a:off x="0" y="0"/>
-          <a:ext cx="0" cy="0"/>
-          <a:chOff x="0" y="0"/>
-          <a:chExt cx="0" cy="0"/>
-        </a:xfrm>
-      </p:grpSpPr>
-      <p:sp>
-        <p:nvSpPr>
-          <p:cNvPr id="219" name="PlaceHolder 1"/>
-          <p:cNvSpPr>
-            <a:spLocks noGrp="1"/>
-          </p:cNvSpPr>
-          <p:nvPr>
-            <p:ph type="title"/>
-          </p:nvPr>
-        </p:nvSpPr>
-        <p:spPr>
-          <a:xfrm>
-            <a:off x="457200" y="205200"/>
-            <a:ext cx="8226360" cy="855720"/>
-          </a:xfrm>
-          <a:prstGeom prst="rect">
-            <a:avLst/>
-          </a:prstGeom>
-          <a:noFill/>
-          <a:ln w="0">
-            <a:noFill/>
-          </a:ln>
-        </p:spPr>
-        <p:txBody>
-          <a:bodyPr lIns="0" rIns="0" tIns="0" bIns="0" anchor="ctr">
-            <a:noAutofit/>
-          </a:bodyPr>
-          <a:p>
-            <a:pPr indent="0">
-              <a:buNone/>
-            </a:pPr>
-            <a:endParaRPr b="0" lang="pt-BR" sz="4400" spc="-1" strike="noStrike">
-              <a:solidFill>
-                <a:srgbClr val="000000"/>
-              </a:solidFill>
-              <a:latin typeface="Arial"/>
-              <a:ea typeface="DejaVu Sans"/>
-            </a:endParaRPr>
-          </a:p>
-        </p:txBody>
-      </p:sp>
-      <p:sp>
-        <p:nvSpPr>
-          <p:cNvPr id="220" name="PlaceHolder 2"/>
-          <p:cNvSpPr>
-            <a:spLocks noGrp="1"/>
-          </p:cNvSpPr>
-          <p:nvPr>
-            <p:ph type="subTitle"/>
-          </p:nvPr>
-        </p:nvSpPr>
-        <p:spPr>
-          <a:xfrm>
-            <a:off x="457200" y="1203480"/>
-            <a:ext cx="8226360" cy="2980080"/>
-          </a:xfrm>
-          <a:prstGeom prst="rect">
-            <a:avLst/>
-          </a:prstGeom>
-          <a:noFill/>
-          <a:ln w="0">
-            <a:noFill/>
-          </a:ln>
-        </p:spPr>
-        <p:txBody>
-          <a:bodyPr lIns="0" rIns="0" tIns="0" bIns="0" anchor="ctr">
-            <a:noAutofit/>
-          </a:bodyPr>
-          <a:p>
-            <a:pPr indent="0" algn="ctr">
-              <a:buNone/>
-            </a:pPr>
-            <a:endParaRPr b="0" lang="pt-BR" sz="2800" spc="-1" strike="noStrike">
-              <a:solidFill>
-                <a:srgbClr val="000000"/>
-              </a:solidFill>
-              <a:latin typeface="Arial"/>
-              <a:ea typeface="DejaVu Sans"/>
-            </a:endParaRPr>
-          </a:p>
-        </p:txBody>
-      </p:sp>
-      <p:pic>
-        <p:nvPicPr>
-          <p:cNvPr id="221" name="Imagem 15" descr=""/>
-          <p:cNvPicPr/>
-          <p:nvPr/>
-        </p:nvPicPr>
-        <p:blipFill>
-          <a:blip r:embed="rId1"/>
-          <a:stretch/>
-        </p:blipFill>
-        <p:spPr>
-          <a:xfrm>
-            <a:off x="1355760" y="0"/>
-            <a:ext cx="6429960" cy="5140800"/>
-          </a:xfrm>
-          <a:prstGeom prst="rect">
-            <a:avLst/>
-          </a:prstGeom>
-          <a:ln w="0">
-            <a:noFill/>
-          </a:ln>
-        </p:spPr>
-      </p:pic>
-    </p:spTree>
-  </p:cSld>
-  <mc:AlternateContent>
-    <mc:Choice Requires="p14">
-      <p:transition spd="slow" p14:dur="2000"/>
-    </mc:Choice>
-    <mc:Fallback>
-      <p:transition spd="slow"/>
-    </mc:Fallback>
-  </mc:AlternateContent>
-</p:sld>
-</file>
-
-<file path=ppt/slides/slide24.xml><?xml version="1.0" encoding="utf-8"?>
-<p:sld xmlns:a="http://schemas.openxmlformats.org/drawingml/2006/main" xmlns:p="http://schemas.openxmlformats.org/presentationml/2006/main" xmlns:r="http://schemas.openxmlformats.org/officeDocument/2006/relationships" xmlns:p14="http://schemas.microsoft.com/office/powerpoint/2010/main" xmlns:p15="http://schemas.microsoft.com/office/powerpoint/2012/main" xmlns:mc="http://schemas.openxmlformats.org/markup-compatibility/2006">
-  <p:cSld>
-    <p:spTree>
-      <p:nvGrpSpPr>
-        <p:cNvPr id="1" name=""/>
-        <p:cNvGrpSpPr/>
-        <p:nvPr/>
-      </p:nvGrpSpPr>
-      <p:grpSpPr>
-        <a:xfrm>
-          <a:off x="0" y="0"/>
-          <a:ext cx="0" cy="0"/>
-          <a:chOff x="0" y="0"/>
-          <a:chExt cx="0" cy="0"/>
-        </a:xfrm>
-      </p:grpSpPr>
-      <p:sp>
-        <p:nvSpPr>
-          <p:cNvPr id="222" name="Título 10"/>
-          <p:cNvSpPr/>
-          <p:nvPr/>
-        </p:nvSpPr>
-        <p:spPr>
-          <a:xfrm>
-            <a:off x="291960" y="32040"/>
-            <a:ext cx="5586120" cy="898560"/>
-          </a:xfrm>
-          <a:prstGeom prst="rect">
-            <a:avLst/>
-          </a:prstGeom>
-          <a:noFill/>
-          <a:ln w="0">
-            <a:noFill/>
-          </a:ln>
-        </p:spPr>
-        <p:style>
-          <a:lnRef idx="0"/>
-          <a:fillRef idx="0"/>
-          <a:effectRef idx="0"/>
-          <a:fontRef idx="minor"/>
-        </p:style>
-        <p:txBody>
-          <a:bodyPr lIns="90000" rIns="90000" tIns="91440" bIns="91440" anchor="t">
-            <a:noAutofit/>
-          </a:bodyPr>
-          <a:p>
-            <a:pPr>
-              <a:lnSpc>
-                <a:spcPct val="100000"/>
-              </a:lnSpc>
-            </a:pPr>
-            <a:r>
-              <a:rPr b="1" lang="pt-BR" sz="5400" spc="-1" strike="noStrike">
-                <a:solidFill>
-                  <a:srgbClr val="002060"/>
-                </a:solidFill>
-                <a:latin typeface="Overpass"/>
-                <a:ea typeface="Overpass"/>
-              </a:rPr>
-              <a:t>Let’s Work</a:t>
-            </a:r>
-            <a:endParaRPr b="0" lang="pt-BR" sz="5400" spc="-1" strike="noStrike">
-              <a:solidFill>
-                <a:srgbClr val="000000"/>
-              </a:solidFill>
-              <a:latin typeface="Arial"/>
-            </a:endParaRPr>
-          </a:p>
-        </p:txBody>
-      </p:sp>
-      <p:pic>
-        <p:nvPicPr>
-          <p:cNvPr id="223" name="Imagem 16" descr=""/>
-          <p:cNvPicPr/>
-          <p:nvPr/>
-        </p:nvPicPr>
-        <p:blipFill>
-          <a:blip r:embed="rId1"/>
-          <a:stretch/>
-        </p:blipFill>
-        <p:spPr>
-          <a:xfrm rot="5400000">
-            <a:off x="7715880" y="-111600"/>
-            <a:ext cx="2972520" cy="3196440"/>
-          </a:xfrm>
-          <a:prstGeom prst="rect">
-            <a:avLst/>
-          </a:prstGeom>
-          <a:ln w="0">
-            <a:noFill/>
-          </a:ln>
-        </p:spPr>
-      </p:pic>
-      <p:sp>
-        <p:nvSpPr>
-          <p:cNvPr id="224" name="CaixaDeTexto 10"/>
-          <p:cNvSpPr/>
-          <p:nvPr/>
-        </p:nvSpPr>
-        <p:spPr>
-          <a:xfrm>
-            <a:off x="180000" y="900000"/>
-            <a:ext cx="7418160" cy="1981800"/>
-          </a:xfrm>
-          <a:prstGeom prst="rect">
-            <a:avLst/>
-          </a:prstGeom>
-          <a:noFill/>
-          <a:ln w="0">
-            <a:noFill/>
-          </a:ln>
-        </p:spPr>
-        <p:style>
-          <a:lnRef idx="0"/>
-          <a:fillRef idx="0"/>
-          <a:effectRef idx="0"/>
-          <a:fontRef idx="minor"/>
-        </p:style>
-        <p:txBody>
-          <a:bodyPr lIns="90000" rIns="90000" tIns="45000" bIns="45000" anchor="t">
-            <a:spAutoFit/>
-          </a:bodyPr>
-          <a:p>
-            <a:pPr marL="216000" indent="-216000" algn="just">
-              <a:lnSpc>
-                <a:spcPct val="115000"/>
-              </a:lnSpc>
-              <a:buClr>
-                <a:srgbClr val="000000"/>
-              </a:buClr>
-              <a:buFont typeface="Arial"/>
-              <a:buChar char="●"/>
-            </a:pPr>
-            <a:r>
-              <a:rPr b="0" lang="pt-BR" sz="1800" spc="-1" strike="noStrike">
-                <a:solidFill>
-                  <a:srgbClr val="01498e"/>
-                </a:solidFill>
-                <a:latin typeface="Arial"/>
-                <a:ea typeface="Calibri"/>
-              </a:rPr>
-              <a:t>Problema 3:</a:t>
-            </a:r>
-            <a:endParaRPr b="0" lang="pt-BR" sz="1800" spc="-1" strike="noStrike">
-              <a:solidFill>
-                <a:srgbClr val="000000"/>
-              </a:solidFill>
-              <a:latin typeface="Arial"/>
-            </a:endParaRPr>
-          </a:p>
-          <a:p>
-            <a:pPr lvl="1" marL="673200" indent="-216000" algn="just">
-              <a:lnSpc>
-                <a:spcPct val="115000"/>
-              </a:lnSpc>
-              <a:buClr>
-                <a:srgbClr val="000000"/>
-              </a:buClr>
-              <a:buFont typeface="Arial"/>
-              <a:buChar char="●"/>
-            </a:pPr>
-            <a:r>
-              <a:rPr b="0" lang="pt-BR" sz="1800" spc="-1" strike="noStrike">
-                <a:solidFill>
-                  <a:srgbClr val="01498e"/>
-                </a:solidFill>
-                <a:latin typeface="Arial"/>
-                <a:ea typeface="Calibri"/>
-              </a:rPr>
-              <a:t>Usando random.randint(incio, fim) Crie uma função loteria que gere um numero aleatório dentro do range 1 a 10</a:t>
-            </a:r>
-            <a:endParaRPr b="0" lang="pt-BR" sz="1800" spc="-1" strike="noStrike">
-              <a:solidFill>
-                <a:srgbClr val="000000"/>
-              </a:solidFill>
-              <a:latin typeface="Arial"/>
-            </a:endParaRPr>
-          </a:p>
-          <a:p>
-            <a:pPr algn="just">
-              <a:lnSpc>
-                <a:spcPct val="115000"/>
-              </a:lnSpc>
-            </a:pPr>
-            <a:endParaRPr b="0" lang="pt-BR" sz="1800" spc="-1" strike="noStrike">
-              <a:solidFill>
-                <a:srgbClr val="000000"/>
-              </a:solidFill>
-              <a:latin typeface="Arial"/>
-            </a:endParaRPr>
-          </a:p>
-          <a:p>
-            <a:pPr algn="just">
-              <a:lnSpc>
-                <a:spcPct val="115000"/>
-              </a:lnSpc>
-            </a:pPr>
-            <a:endParaRPr b="0" lang="pt-BR" sz="1800" spc="-1" strike="noStrike">
-              <a:solidFill>
-                <a:srgbClr val="000000"/>
-              </a:solidFill>
-              <a:latin typeface="Arial"/>
-            </a:endParaRPr>
-          </a:p>
-          <a:p>
-            <a:pPr algn="just">
-              <a:lnSpc>
-                <a:spcPct val="115000"/>
-              </a:lnSpc>
-            </a:pPr>
-            <a:endParaRPr b="0" lang="pt-BR" sz="1800" spc="-1" strike="noStrike">
-              <a:solidFill>
-                <a:srgbClr val="000000"/>
-              </a:solidFill>
-              <a:latin typeface="Arial"/>
-            </a:endParaRPr>
-          </a:p>
-        </p:txBody>
-      </p:sp>
-    </p:spTree>
-  </p:cSld>
-  <mc:AlternateContent>
-    <mc:Choice Requires="p14">
-      <p:transition spd="slow" p14:dur="2000"/>
-    </mc:Choice>
-    <mc:Fallback>
-      <p:transition spd="slow"/>
-    </mc:Fallback>
-  </mc:AlternateContent>
-</p:sld>
-</file>
-
-<file path=ppt/slides/slide25.xml><?xml version="1.0" encoding="utf-8"?>
-<p:sld xmlns:a="http://schemas.openxmlformats.org/drawingml/2006/main" xmlns:p="http://schemas.openxmlformats.org/presentationml/2006/main" xmlns:r="http://schemas.openxmlformats.org/officeDocument/2006/relationships" xmlns:p14="http://schemas.microsoft.com/office/powerpoint/2010/main" xmlns:p15="http://schemas.microsoft.com/office/powerpoint/2012/main" xmlns:mc="http://schemas.openxmlformats.org/markup-compatibility/2006">
-  <p:cSld>
-    <p:spTree>
-      <p:nvGrpSpPr>
-        <p:cNvPr id="1" name=""/>
-        <p:cNvGrpSpPr/>
-        <p:nvPr/>
-      </p:nvGrpSpPr>
-      <p:grpSpPr>
-        <a:xfrm>
-          <a:off x="0" y="0"/>
-          <a:ext cx="0" cy="0"/>
-          <a:chOff x="0" y="0"/>
-          <a:chExt cx="0" cy="0"/>
-        </a:xfrm>
-      </p:grpSpPr>
-      <p:sp>
-        <p:nvSpPr>
-          <p:cNvPr id="225" name="Título 10"/>
-          <p:cNvSpPr/>
-          <p:nvPr/>
-        </p:nvSpPr>
-        <p:spPr>
-          <a:xfrm>
-            <a:off x="291960" y="32040"/>
-            <a:ext cx="5586120" cy="898560"/>
-          </a:xfrm>
-          <a:prstGeom prst="rect">
-            <a:avLst/>
-          </a:prstGeom>
-          <a:noFill/>
-          <a:ln w="0">
-            <a:noFill/>
-          </a:ln>
-        </p:spPr>
-        <p:style>
-          <a:lnRef idx="0"/>
-          <a:fillRef idx="0"/>
-          <a:effectRef idx="0"/>
-          <a:fontRef idx="minor"/>
-        </p:style>
-        <p:txBody>
-          <a:bodyPr lIns="90000" rIns="90000" tIns="91440" bIns="91440" anchor="t">
-            <a:noAutofit/>
-          </a:bodyPr>
-          <a:p>
-            <a:pPr>
-              <a:lnSpc>
-                <a:spcPct val="100000"/>
-              </a:lnSpc>
-            </a:pPr>
-            <a:r>
-              <a:rPr b="1" lang="pt-BR" sz="5400" spc="-1" strike="noStrike">
-                <a:solidFill>
-                  <a:srgbClr val="002060"/>
-                </a:solidFill>
-                <a:latin typeface="Overpass"/>
-                <a:ea typeface="Overpass"/>
-              </a:rPr>
-              <a:t>Let’s Work</a:t>
-            </a:r>
-            <a:endParaRPr b="0" lang="pt-BR" sz="5400" spc="-1" strike="noStrike">
-              <a:solidFill>
-                <a:srgbClr val="000000"/>
-              </a:solidFill>
-              <a:latin typeface="Arial"/>
-            </a:endParaRPr>
-          </a:p>
-        </p:txBody>
-      </p:sp>
-      <p:pic>
-        <p:nvPicPr>
-          <p:cNvPr id="226" name="Imagem 16" descr=""/>
-          <p:cNvPicPr/>
-          <p:nvPr/>
-        </p:nvPicPr>
-        <p:blipFill>
-          <a:blip r:embed="rId1"/>
-          <a:stretch/>
-        </p:blipFill>
-        <p:spPr>
-          <a:xfrm rot="5400000">
-            <a:off x="7715880" y="-111600"/>
-            <a:ext cx="2972520" cy="3196440"/>
-          </a:xfrm>
-          <a:prstGeom prst="rect">
-            <a:avLst/>
-          </a:prstGeom>
-          <a:ln w="0">
-            <a:noFill/>
-          </a:ln>
-        </p:spPr>
-      </p:pic>
-      <p:sp>
-        <p:nvSpPr>
-          <p:cNvPr id="227" name="CaixaDeTexto 10"/>
-          <p:cNvSpPr/>
-          <p:nvPr/>
-        </p:nvSpPr>
-        <p:spPr>
-          <a:xfrm>
-            <a:off x="180000" y="900000"/>
-            <a:ext cx="7418160" cy="1981800"/>
-          </a:xfrm>
-          <a:prstGeom prst="rect">
-            <a:avLst/>
-          </a:prstGeom>
-          <a:noFill/>
-          <a:ln w="0">
-            <a:noFill/>
-          </a:ln>
-        </p:spPr>
-        <p:style>
-          <a:lnRef idx="0"/>
-          <a:fillRef idx="0"/>
-          <a:effectRef idx="0"/>
-          <a:fontRef idx="minor"/>
-        </p:style>
-        <p:txBody>
-          <a:bodyPr lIns="90000" rIns="90000" tIns="45000" bIns="45000" anchor="t">
-            <a:spAutoFit/>
-          </a:bodyPr>
-          <a:p>
-            <a:pPr marL="216000" indent="-216000" algn="just">
-              <a:lnSpc>
-                <a:spcPct val="115000"/>
-              </a:lnSpc>
-              <a:buClr>
-                <a:srgbClr val="000000"/>
-              </a:buClr>
-              <a:buFont typeface="Arial"/>
-              <a:buChar char="●"/>
-            </a:pPr>
-            <a:r>
-              <a:rPr b="0" lang="pt-BR" sz="1800" spc="-1" strike="noStrike">
-                <a:solidFill>
-                  <a:srgbClr val="01498e"/>
-                </a:solidFill>
-                <a:latin typeface="Arial"/>
-                <a:ea typeface="Calibri"/>
-              </a:rPr>
-              <a:t>Problema 4:</a:t>
-            </a:r>
-            <a:endParaRPr b="0" lang="pt-BR" sz="1800" spc="-1" strike="noStrike">
-              <a:solidFill>
-                <a:srgbClr val="000000"/>
-              </a:solidFill>
-              <a:latin typeface="Arial"/>
-            </a:endParaRPr>
-          </a:p>
-          <a:p>
-            <a:pPr lvl="1" marL="673200" indent="-216000" algn="just">
-              <a:lnSpc>
-                <a:spcPct val="115000"/>
-              </a:lnSpc>
-              <a:buClr>
-                <a:srgbClr val="000000"/>
-              </a:buClr>
-              <a:buFont typeface="Arial"/>
-              <a:buChar char="●"/>
-            </a:pPr>
-            <a:r>
-              <a:rPr b="0" lang="pt-BR" sz="1800" spc="-1" strike="noStrike">
-                <a:solidFill>
-                  <a:srgbClr val="01498e"/>
-                </a:solidFill>
-                <a:latin typeface="Arial"/>
-                <a:ea typeface="Calibri"/>
-              </a:rPr>
-              <a:t>Usando random.randint(incio, fim) Crie uma função loteria que gere um numero aleatório dentro do range 1 a 10</a:t>
-            </a:r>
-            <a:endParaRPr b="0" lang="pt-BR" sz="1800" spc="-1" strike="noStrike">
-              <a:solidFill>
-                <a:srgbClr val="000000"/>
-              </a:solidFill>
-              <a:latin typeface="Arial"/>
-            </a:endParaRPr>
-          </a:p>
-          <a:p>
-            <a:pPr algn="just">
-              <a:lnSpc>
-                <a:spcPct val="115000"/>
-              </a:lnSpc>
-            </a:pPr>
-            <a:endParaRPr b="0" lang="pt-BR" sz="1800" spc="-1" strike="noStrike">
-              <a:solidFill>
-                <a:srgbClr val="000000"/>
-              </a:solidFill>
-              <a:latin typeface="Arial"/>
-            </a:endParaRPr>
-          </a:p>
-          <a:p>
-            <a:pPr algn="just">
-              <a:lnSpc>
-                <a:spcPct val="115000"/>
-              </a:lnSpc>
-            </a:pPr>
-            <a:endParaRPr b="0" lang="pt-BR" sz="1800" spc="-1" strike="noStrike">
-              <a:solidFill>
-                <a:srgbClr val="000000"/>
-              </a:solidFill>
-              <a:latin typeface="Arial"/>
-            </a:endParaRPr>
-          </a:p>
-          <a:p>
-            <a:pPr algn="just">
-              <a:lnSpc>
-                <a:spcPct val="115000"/>
-              </a:lnSpc>
-            </a:pPr>
-            <a:endParaRPr b="0" lang="pt-BR" sz="1800" spc="-1" strike="noStrike">
-              <a:solidFill>
-                <a:srgbClr val="000000"/>
-              </a:solidFill>
-              <a:latin typeface="Arial"/>
-            </a:endParaRPr>
-          </a:p>
-        </p:txBody>
-      </p:sp>
-    </p:spTree>
-  </p:cSld>
-  <mc:AlternateContent>
-    <mc:Choice Requires="p14">
-      <p:transition spd="slow" p14:dur="2000"/>
-    </mc:Choice>
-    <mc:Fallback>
-      <p:transition spd="slow"/>
-    </mc:Fallback>
-  </mc:AlternateContent>
-</p:sld>
-</file>
-
-<file path=ppt/slides/slide26.xml><?xml version="1.0" encoding="utf-8"?>
-<p:sld xmlns:a="http://schemas.openxmlformats.org/drawingml/2006/main" xmlns:p="http://schemas.openxmlformats.org/presentationml/2006/main" xmlns:r="http://schemas.openxmlformats.org/officeDocument/2006/relationships" xmlns:p14="http://schemas.microsoft.com/office/powerpoint/2010/main" xmlns:p15="http://schemas.microsoft.com/office/powerpoint/2012/main" xmlns:mc="http://schemas.openxmlformats.org/markup-compatibility/2006">
-  <p:cSld>
-    <p:spTree>
-      <p:nvGrpSpPr>
-        <p:cNvPr id="1" name=""/>
-        <p:cNvGrpSpPr/>
-        <p:nvPr/>
-      </p:nvGrpSpPr>
-      <p:grpSpPr>
-        <a:xfrm>
-          <a:off x="0" y="0"/>
-          <a:ext cx="0" cy="0"/>
-          <a:chOff x="0" y="0"/>
-          <a:chExt cx="0" cy="0"/>
-        </a:xfrm>
-      </p:grpSpPr>
-      <p:sp>
-        <p:nvSpPr>
-          <p:cNvPr id="228" name="Título 3"/>
-          <p:cNvSpPr/>
-          <p:nvPr/>
-        </p:nvSpPr>
-        <p:spPr>
-          <a:xfrm>
-            <a:off x="291960" y="189000"/>
-            <a:ext cx="7479000" cy="898560"/>
-          </a:xfrm>
-          <a:prstGeom prst="rect">
-            <a:avLst/>
-          </a:prstGeom>
-          <a:noFill/>
-          <a:ln w="0">
-            <a:noFill/>
-          </a:ln>
-        </p:spPr>
-        <p:style>
-          <a:lnRef idx="0"/>
-          <a:fillRef idx="0"/>
-          <a:effectRef idx="0"/>
-          <a:fontRef idx="minor"/>
-        </p:style>
-        <p:txBody>
-          <a:bodyPr lIns="90000" rIns="90000" tIns="91440" bIns="91440" anchor="t">
-            <a:noAutofit/>
-          </a:bodyPr>
-          <a:p>
-            <a:pPr>
-              <a:lnSpc>
-                <a:spcPct val="100000"/>
-              </a:lnSpc>
-            </a:pPr>
-            <a:r>
-              <a:rPr b="1" lang="pt-BR" sz="5400" spc="-1" strike="noStrike">
-                <a:solidFill>
-                  <a:srgbClr val="002060"/>
-                </a:solidFill>
-                <a:latin typeface="Overpass"/>
-                <a:ea typeface="Overpass"/>
-              </a:rPr>
-              <a:t>POO</a:t>
-            </a:r>
-            <a:endParaRPr b="0" lang="pt-BR" sz="5400" spc="-1" strike="noStrike">
-              <a:solidFill>
-                <a:srgbClr val="000000"/>
-              </a:solidFill>
-              <a:latin typeface="Arial"/>
-            </a:endParaRPr>
-          </a:p>
-          <a:p>
-            <a:pPr>
-              <a:lnSpc>
-                <a:spcPct val="100000"/>
-              </a:lnSpc>
-            </a:pPr>
-            <a:endParaRPr b="0" lang="pt-BR" sz="5400" spc="-1" strike="noStrike">
-              <a:solidFill>
-                <a:srgbClr val="000000"/>
-              </a:solidFill>
-              <a:latin typeface="Arial"/>
-            </a:endParaRPr>
-          </a:p>
-        </p:txBody>
-      </p:sp>
-      <p:pic>
-        <p:nvPicPr>
-          <p:cNvPr id="229" name="Imagem 5" descr=""/>
-          <p:cNvPicPr/>
-          <p:nvPr/>
-        </p:nvPicPr>
-        <p:blipFill>
-          <a:blip r:embed="rId1"/>
-          <a:srcRect l="0" t="0" r="0" b="20507"/>
-          <a:stretch/>
-        </p:blipFill>
-        <p:spPr>
-          <a:xfrm>
-            <a:off x="8100720" y="900720"/>
-            <a:ext cx="2141280" cy="3602160"/>
-          </a:xfrm>
-          <a:prstGeom prst="rect">
-            <a:avLst/>
-          </a:prstGeom>
-          <a:ln w="0">
-            <a:noFill/>
-          </a:ln>
-        </p:spPr>
-      </p:pic>
-      <p:sp>
-        <p:nvSpPr>
-          <p:cNvPr id="230" name="CaixaDeTexto 2"/>
-          <p:cNvSpPr/>
-          <p:nvPr/>
-        </p:nvSpPr>
-        <p:spPr>
-          <a:xfrm>
-            <a:off x="291960" y="1113480"/>
-            <a:ext cx="7692480" cy="1035720"/>
-          </a:xfrm>
-          <a:prstGeom prst="rect">
-            <a:avLst/>
-          </a:prstGeom>
-          <a:noFill/>
-          <a:ln w="0">
-            <a:noFill/>
-          </a:ln>
-        </p:spPr>
-        <p:style>
-          <a:lnRef idx="0"/>
-          <a:fillRef idx="0"/>
-          <a:effectRef idx="0"/>
-          <a:fontRef idx="minor"/>
-        </p:style>
-        <p:txBody>
-          <a:bodyPr lIns="90000" rIns="90000" tIns="45000" bIns="45000" anchor="t">
-            <a:spAutoFit/>
-          </a:bodyPr>
-          <a:p>
-            <a:pPr marL="216000" indent="-216000" algn="just">
-              <a:lnSpc>
-                <a:spcPct val="115000"/>
-              </a:lnSpc>
-              <a:buClr>
-                <a:srgbClr val="000000"/>
-              </a:buClr>
-              <a:buFont typeface="Arial"/>
-              <a:buChar char="●"/>
-            </a:pPr>
-            <a:r>
-              <a:rPr b="0" lang="pt-BR" sz="1800" spc="-1" strike="noStrike">
-                <a:solidFill>
-                  <a:srgbClr val="01498e"/>
-                </a:solidFill>
-                <a:latin typeface="Arial"/>
-                <a:ea typeface="Calibri"/>
-              </a:rPr>
-              <a:t>Atividade valendo nota</a:t>
-            </a:r>
-            <a:endParaRPr b="0" lang="pt-BR" sz="1800" spc="-1" strike="noStrike">
-              <a:solidFill>
-                <a:srgbClr val="000000"/>
-              </a:solidFill>
-              <a:latin typeface="Arial"/>
-            </a:endParaRPr>
-          </a:p>
-          <a:p>
-            <a:pPr lvl="1" marL="673200" indent="-216000" algn="just">
-              <a:lnSpc>
-                <a:spcPct val="115000"/>
-              </a:lnSpc>
-              <a:buClr>
-                <a:srgbClr val="000000"/>
-              </a:buClr>
-              <a:buFont typeface="Arial"/>
-              <a:buChar char="●"/>
-            </a:pPr>
-            <a:r>
-              <a:rPr b="0" lang="pt-BR" sz="1800" spc="-1" strike="noStrike">
-                <a:solidFill>
-                  <a:srgbClr val="01498e"/>
-                </a:solidFill>
-                <a:latin typeface="Arial"/>
-                <a:ea typeface="Calibri"/>
-              </a:rPr>
-              <a:t>Cada aluno vai </a:t>
-            </a:r>
-            <a:endParaRPr b="0" lang="pt-BR" sz="1800" spc="-1" strike="noStrike">
-              <a:solidFill>
-                <a:srgbClr val="000000"/>
-              </a:solidFill>
-              <a:latin typeface="Arial"/>
-            </a:endParaRPr>
-          </a:p>
-          <a:p>
-            <a:pPr algn="just">
-              <a:lnSpc>
-                <a:spcPct val="115000"/>
-              </a:lnSpc>
-            </a:pPr>
-            <a:endParaRPr b="0" lang="pt-BR" sz="1800" spc="-1" strike="noStrike">
-              <a:solidFill>
-                <a:srgbClr val="000000"/>
-              </a:solidFill>
-              <a:latin typeface="Arial"/>
-            </a:endParaRPr>
-          </a:p>
-        </p:txBody>
-      </p:sp>
-    </p:spTree>
-  </p:cSld>
-  <mc:AlternateContent>
-    <mc:Choice Requires="p14">
-      <p:transition spd="slow" p14:dur="2000"/>
-    </mc:Choice>
-    <mc:Fallback>
-      <p:transition spd="slow"/>
-    </mc:Fallback>
-  </mc:AlternateContent>
-</p:sld>
-</file>
-
-<file path=ppt/slides/slide27.xml><?xml version="1.0" encoding="utf-8"?>
-<p:sld xmlns:a="http://schemas.openxmlformats.org/drawingml/2006/main" xmlns:p="http://schemas.openxmlformats.org/presentationml/2006/main" xmlns:r="http://schemas.openxmlformats.org/officeDocument/2006/relationships" xmlns:p14="http://schemas.microsoft.com/office/powerpoint/2010/main" xmlns:p15="http://schemas.microsoft.com/office/powerpoint/2012/main" xmlns:mc="http://schemas.openxmlformats.org/markup-compatibility/2006">
-  <p:cSld>
-    <p:spTree>
-      <p:nvGrpSpPr>
-        <p:cNvPr id="1" name=""/>
-        <p:cNvGrpSpPr/>
-        <p:nvPr/>
-      </p:nvGrpSpPr>
-      <p:grpSpPr>
-        <a:xfrm>
-          <a:off x="0" y="0"/>
-          <a:ext cx="0" cy="0"/>
-          <a:chOff x="0" y="0"/>
-          <a:chExt cx="0" cy="0"/>
-        </a:xfrm>
-      </p:grpSpPr>
-    </p:spTree>
-  </p:cSld>
-  <mc:AlternateContent>
-    <mc:Choice Requires="p14">
-      <p:transition spd="slow" p14:dur="2000"/>
-    </mc:Choice>
-    <mc:Fallback>
-      <p:transition spd="slow"/>
-    </mc:Fallback>
-  </mc:AlternateContent>
-</p:sld>
-</file>
-
-<file path=ppt/slides/slide28.xml><?xml version="1.0" encoding="utf-8"?>
-<p:sld xmlns:a="http://schemas.openxmlformats.org/drawingml/2006/main" xmlns:p="http://schemas.openxmlformats.org/presentationml/2006/main" xmlns:r="http://schemas.openxmlformats.org/officeDocument/2006/relationships" xmlns:p14="http://schemas.microsoft.com/office/powerpoint/2010/main" xmlns:p15="http://schemas.microsoft.com/office/powerpoint/2012/main" xmlns:mc="http://schemas.openxmlformats.org/markup-compatibility/2006">
-  <p:cSld>
-    <p:spTree>
-      <p:nvGrpSpPr>
-        <p:cNvPr id="1" name=""/>
-        <p:cNvGrpSpPr/>
-        <p:nvPr/>
-      </p:nvGrpSpPr>
-      <p:grpSpPr>
-        <a:xfrm>
-          <a:off x="0" y="0"/>
-          <a:ext cx="0" cy="0"/>
-          <a:chOff x="0" y="0"/>
-          <a:chExt cx="0" cy="0"/>
-        </a:xfrm>
-      </p:grpSpPr>
-    </p:spTree>
-  </p:cSld>
-  <mc:AlternateContent>
-    <mc:Choice Requires="p14">
-      <p:transition spd="slow" p14:dur="2000"/>
-    </mc:Choice>
-    <mc:Fallback>
-      <p:transition spd="slow"/>
-    </mc:Fallback>
-  </mc:AlternateContent>
-</p:sld>
-</file>
-
-<file path=ppt/slides/slide29.xml><?xml version="1.0" encoding="utf-8"?>
-<p:sld xmlns:a="http://schemas.openxmlformats.org/drawingml/2006/main" xmlns:p="http://schemas.openxmlformats.org/presentationml/2006/main" xmlns:r="http://schemas.openxmlformats.org/officeDocument/2006/relationships" xmlns:p14="http://schemas.microsoft.com/office/powerpoint/2010/main" xmlns:p15="http://schemas.microsoft.com/office/powerpoint/2012/main" xmlns:mc="http://schemas.openxmlformats.org/markup-compatibility/2006">
-  <p:cSld>
-    <p:spTree>
-      <p:nvGrpSpPr>
-        <p:cNvPr id="1" name=""/>
-        <p:cNvGrpSpPr/>
-        <p:nvPr/>
-      </p:nvGrpSpPr>
-      <p:grpSpPr>
-        <a:xfrm>
-          <a:off x="0" y="0"/>
-          <a:ext cx="0" cy="0"/>
-          <a:chOff x="0" y="0"/>
-          <a:chExt cx="0" cy="0"/>
-        </a:xfrm>
-      </p:grpSpPr>
-      <p:sp>
-        <p:nvSpPr>
-          <p:cNvPr id="231" name="Título 2"/>
-          <p:cNvSpPr/>
-          <p:nvPr/>
-        </p:nvSpPr>
-        <p:spPr>
-          <a:xfrm>
-            <a:off x="291960" y="189000"/>
-            <a:ext cx="7479000" cy="898560"/>
-          </a:xfrm>
-          <a:prstGeom prst="rect">
-            <a:avLst/>
-          </a:prstGeom>
-          <a:noFill/>
-          <a:ln w="0">
-            <a:noFill/>
-          </a:ln>
-        </p:spPr>
-        <p:style>
-          <a:lnRef idx="0"/>
-          <a:fillRef idx="0"/>
-          <a:effectRef idx="0"/>
-          <a:fontRef idx="minor"/>
-        </p:style>
-        <p:txBody>
-          <a:bodyPr lIns="90000" rIns="90000" tIns="91440" bIns="91440" anchor="t">
-            <a:noAutofit/>
-          </a:bodyPr>
-          <a:p>
-            <a:pPr>
-              <a:lnSpc>
-                <a:spcPct val="100000"/>
-              </a:lnSpc>
-            </a:pPr>
-            <a:r>
-              <a:rPr b="1" lang="pt-BR" sz="5400" spc="-1" strike="noStrike">
-                <a:solidFill>
-                  <a:srgbClr val="002060"/>
-                </a:solidFill>
-                <a:latin typeface="Overpass"/>
-                <a:ea typeface="Overpass"/>
-              </a:rPr>
-              <a:t>POO Recap </a:t>
-            </a:r>
-            <a:endParaRPr b="0" lang="pt-BR" sz="5400" spc="-1" strike="noStrike">
-              <a:solidFill>
-                <a:srgbClr val="000000"/>
-              </a:solidFill>
-              <a:latin typeface="Arial"/>
-            </a:endParaRPr>
-          </a:p>
-          <a:p>
-            <a:pPr>
-              <a:lnSpc>
-                <a:spcPct val="100000"/>
-              </a:lnSpc>
-            </a:pPr>
-            <a:endParaRPr b="0" lang="pt-BR" sz="5400" spc="-1" strike="noStrike">
-              <a:solidFill>
-                <a:srgbClr val="000000"/>
-              </a:solidFill>
-              <a:latin typeface="Arial"/>
-            </a:endParaRPr>
-          </a:p>
-        </p:txBody>
-      </p:sp>
-      <p:pic>
-        <p:nvPicPr>
-          <p:cNvPr id="232" name="Imagem 1" descr=""/>
-          <p:cNvPicPr/>
-          <p:nvPr/>
-        </p:nvPicPr>
-        <p:blipFill>
-          <a:blip r:embed="rId1"/>
-          <a:srcRect l="0" t="0" r="0" b="20507"/>
-          <a:stretch/>
-        </p:blipFill>
-        <p:spPr>
-          <a:xfrm>
-            <a:off x="8100720" y="900720"/>
-            <a:ext cx="2141280" cy="3602160"/>
-          </a:xfrm>
-          <a:prstGeom prst="rect">
-            <a:avLst/>
-          </a:prstGeom>
-          <a:ln w="0">
-            <a:noFill/>
-          </a:ln>
-        </p:spPr>
-      </p:pic>
-      <p:sp>
-        <p:nvSpPr>
-          <p:cNvPr id="233" name="CaixaDeTexto 1"/>
-          <p:cNvSpPr/>
-          <p:nvPr/>
-        </p:nvSpPr>
-        <p:spPr>
-          <a:xfrm>
-            <a:off x="291960" y="1286640"/>
-            <a:ext cx="6363720" cy="1666440"/>
-          </a:xfrm>
-          <a:prstGeom prst="rect">
-            <a:avLst/>
-          </a:prstGeom>
-          <a:noFill/>
-          <a:ln w="0">
-            <a:noFill/>
-          </a:ln>
-        </p:spPr>
-        <p:style>
-          <a:lnRef idx="0"/>
-          <a:fillRef idx="0"/>
-          <a:effectRef idx="0"/>
-          <a:fontRef idx="minor"/>
-        </p:style>
-        <p:txBody>
-          <a:bodyPr lIns="90000" rIns="90000" tIns="45000" bIns="45000" anchor="t">
-            <a:spAutoFit/>
-          </a:bodyPr>
-          <a:p>
-            <a:pPr marL="216000" indent="-216000" algn="just">
-              <a:lnSpc>
-                <a:spcPct val="115000"/>
-              </a:lnSpc>
-              <a:buClr>
-                <a:srgbClr val="000000"/>
-              </a:buClr>
-              <a:buFont typeface="Arial"/>
-              <a:buChar char="●"/>
-            </a:pPr>
-            <a:r>
-              <a:rPr b="0" lang="pt-BR" sz="1800" spc="-1" strike="noStrike">
-                <a:solidFill>
-                  <a:srgbClr val="01498e"/>
-                </a:solidFill>
-                <a:latin typeface="Arial"/>
-                <a:ea typeface="Calibri"/>
-              </a:rPr>
-              <a:t>Cada aluno explique uma linha do código abaixo</a:t>
-            </a:r>
-            <a:endParaRPr b="0" lang="pt-BR" sz="1800" spc="-1" strike="noStrike">
-              <a:solidFill>
-                <a:srgbClr val="000000"/>
-              </a:solidFill>
-              <a:latin typeface="Arial"/>
-            </a:endParaRPr>
-          </a:p>
-          <a:p>
-            <a:pPr algn="just">
-              <a:lnSpc>
-                <a:spcPct val="115000"/>
-              </a:lnSpc>
-            </a:pPr>
-            <a:endParaRPr b="0" lang="pt-BR" sz="1800" spc="-1" strike="noStrike">
-              <a:solidFill>
-                <a:srgbClr val="000000"/>
-              </a:solidFill>
-              <a:latin typeface="Arial"/>
-            </a:endParaRPr>
-          </a:p>
-          <a:p>
-            <a:pPr algn="just">
-              <a:lnSpc>
-                <a:spcPct val="115000"/>
-              </a:lnSpc>
-            </a:pPr>
-            <a:endParaRPr b="0" lang="pt-BR" sz="1800" spc="-1" strike="noStrike">
-              <a:solidFill>
-                <a:srgbClr val="000000"/>
-              </a:solidFill>
-              <a:latin typeface="Arial"/>
-            </a:endParaRPr>
-          </a:p>
-          <a:p>
-            <a:pPr algn="just">
-              <a:lnSpc>
-                <a:spcPct val="115000"/>
-              </a:lnSpc>
-            </a:pPr>
-            <a:endParaRPr b="0" lang="pt-BR" sz="1800" spc="-1" strike="noStrike">
-              <a:solidFill>
-                <a:srgbClr val="000000"/>
-              </a:solidFill>
-              <a:latin typeface="Arial"/>
-            </a:endParaRPr>
-          </a:p>
-          <a:p>
-            <a:pPr algn="just">
-              <a:lnSpc>
-                <a:spcPct val="115000"/>
-              </a:lnSpc>
-            </a:pPr>
-            <a:endParaRPr b="0" lang="pt-BR" sz="1800" spc="-1" strike="noStrike">
-              <a:solidFill>
-                <a:srgbClr val="000000"/>
-              </a:solidFill>
-              <a:latin typeface="Arial"/>
-            </a:endParaRPr>
-          </a:p>
-        </p:txBody>
-      </p:sp>
-      <p:pic>
-        <p:nvPicPr>
-          <p:cNvPr id="234" name="Imagem 154" descr=""/>
-          <p:cNvPicPr/>
-          <p:nvPr/>
-        </p:nvPicPr>
-        <p:blipFill>
-          <a:blip r:embed="rId2"/>
-          <a:stretch/>
-        </p:blipFill>
-        <p:spPr>
-          <a:xfrm>
-            <a:off x="0" y="0"/>
-            <a:ext cx="8896680" cy="4677480"/>
           </a:xfrm>
           <a:prstGeom prst="rect">
             <a:avLst/>
@@ -16196,2291 +13128,6 @@
 </p:sld>
 </file>
 
-<file path=ppt/slides/slide30.xml><?xml version="1.0" encoding="utf-8"?>
-<p:sld xmlns:a="http://schemas.openxmlformats.org/drawingml/2006/main" xmlns:p="http://schemas.openxmlformats.org/presentationml/2006/main" xmlns:r="http://schemas.openxmlformats.org/officeDocument/2006/relationships" xmlns:p14="http://schemas.microsoft.com/office/powerpoint/2010/main" xmlns:p15="http://schemas.microsoft.com/office/powerpoint/2012/main" xmlns:mc="http://schemas.openxmlformats.org/markup-compatibility/2006">
-  <p:cSld>
-    <p:spTree>
-      <p:nvGrpSpPr>
-        <p:cNvPr id="1" name=""/>
-        <p:cNvGrpSpPr/>
-        <p:nvPr/>
-      </p:nvGrpSpPr>
-      <p:grpSpPr>
-        <a:xfrm>
-          <a:off x="0" y="0"/>
-          <a:ext cx="0" cy="0"/>
-          <a:chOff x="0" y="0"/>
-          <a:chExt cx="0" cy="0"/>
-        </a:xfrm>
-      </p:grpSpPr>
-      <p:sp>
-        <p:nvSpPr>
-          <p:cNvPr id="235" name="Título 39"/>
-          <p:cNvSpPr/>
-          <p:nvPr/>
-        </p:nvSpPr>
-        <p:spPr>
-          <a:xfrm>
-            <a:off x="291960" y="189000"/>
-            <a:ext cx="7479000" cy="898560"/>
-          </a:xfrm>
-          <a:prstGeom prst="rect">
-            <a:avLst/>
-          </a:prstGeom>
-          <a:noFill/>
-          <a:ln w="0">
-            <a:noFill/>
-          </a:ln>
-        </p:spPr>
-        <p:style>
-          <a:lnRef idx="0"/>
-          <a:fillRef idx="0"/>
-          <a:effectRef idx="0"/>
-          <a:fontRef idx="minor"/>
-        </p:style>
-        <p:txBody>
-          <a:bodyPr lIns="90000" rIns="90000" tIns="91440" bIns="91440" anchor="t">
-            <a:noAutofit/>
-          </a:bodyPr>
-          <a:p>
-            <a:pPr>
-              <a:lnSpc>
-                <a:spcPct val="100000"/>
-              </a:lnSpc>
-            </a:pPr>
-            <a:r>
-              <a:rPr b="1" lang="pt-BR" sz="5400" spc="-1" strike="noStrike">
-                <a:solidFill>
-                  <a:srgbClr val="002060"/>
-                </a:solidFill>
-                <a:latin typeface="Overpass"/>
-                <a:ea typeface="Overpass"/>
-              </a:rPr>
-              <a:t>POO Recap </a:t>
-            </a:r>
-            <a:endParaRPr b="0" lang="pt-BR" sz="5400" spc="-1" strike="noStrike">
-              <a:solidFill>
-                <a:srgbClr val="000000"/>
-              </a:solidFill>
-              <a:latin typeface="Arial"/>
-            </a:endParaRPr>
-          </a:p>
-          <a:p>
-            <a:pPr>
-              <a:lnSpc>
-                <a:spcPct val="100000"/>
-              </a:lnSpc>
-            </a:pPr>
-            <a:endParaRPr b="0" lang="pt-BR" sz="5400" spc="-1" strike="noStrike">
-              <a:solidFill>
-                <a:srgbClr val="000000"/>
-              </a:solidFill>
-              <a:latin typeface="Arial"/>
-            </a:endParaRPr>
-          </a:p>
-        </p:txBody>
-      </p:sp>
-      <p:pic>
-        <p:nvPicPr>
-          <p:cNvPr id="236" name="Imagem 39" descr=""/>
-          <p:cNvPicPr/>
-          <p:nvPr/>
-        </p:nvPicPr>
-        <p:blipFill>
-          <a:blip r:embed="rId1"/>
-          <a:srcRect l="0" t="0" r="0" b="20507"/>
-          <a:stretch/>
-        </p:blipFill>
-        <p:spPr>
-          <a:xfrm>
-            <a:off x="8100720" y="900720"/>
-            <a:ext cx="2141280" cy="3602160"/>
-          </a:xfrm>
-          <a:prstGeom prst="rect">
-            <a:avLst/>
-          </a:prstGeom>
-          <a:ln w="0">
-            <a:noFill/>
-          </a:ln>
-        </p:spPr>
-      </p:pic>
-      <p:sp>
-        <p:nvSpPr>
-          <p:cNvPr id="237" name="CaixaDeTexto 38"/>
-          <p:cNvSpPr/>
-          <p:nvPr/>
-        </p:nvSpPr>
-        <p:spPr>
-          <a:xfrm>
-            <a:off x="291960" y="1286640"/>
-            <a:ext cx="6363720" cy="1035720"/>
-          </a:xfrm>
-          <a:prstGeom prst="rect">
-            <a:avLst/>
-          </a:prstGeom>
-          <a:noFill/>
-          <a:ln w="0">
-            <a:noFill/>
-          </a:ln>
-        </p:spPr>
-        <p:style>
-          <a:lnRef idx="0"/>
-          <a:fillRef idx="0"/>
-          <a:effectRef idx="0"/>
-          <a:fontRef idx="minor"/>
-        </p:style>
-        <p:txBody>
-          <a:bodyPr lIns="90000" rIns="90000" tIns="45000" bIns="45000" anchor="t">
-            <a:spAutoFit/>
-          </a:bodyPr>
-          <a:p>
-            <a:pPr marL="216000" indent="-216000" algn="just">
-              <a:lnSpc>
-                <a:spcPct val="115000"/>
-              </a:lnSpc>
-              <a:buClr>
-                <a:srgbClr val="000000"/>
-              </a:buClr>
-              <a:buFont typeface="Arial"/>
-              <a:buChar char="●"/>
-            </a:pPr>
-            <a:r>
-              <a:rPr b="0" lang="pt-BR" sz="1800" spc="-1" strike="noStrike">
-                <a:solidFill>
-                  <a:srgbClr val="01498e"/>
-                </a:solidFill>
-                <a:latin typeface="Arial"/>
-                <a:ea typeface="Calibri"/>
-              </a:rPr>
-              <a:t>Por que objetos são importantes?</a:t>
-            </a:r>
-            <a:endParaRPr b="0" lang="pt-BR" sz="1800" spc="-1" strike="noStrike">
-              <a:solidFill>
-                <a:srgbClr val="000000"/>
-              </a:solidFill>
-              <a:latin typeface="Arial"/>
-            </a:endParaRPr>
-          </a:p>
-          <a:p>
-            <a:pPr lvl="1" marL="432000" indent="-216000" algn="just">
-              <a:lnSpc>
-                <a:spcPct val="115000"/>
-              </a:lnSpc>
-              <a:buClr>
-                <a:srgbClr val="000000"/>
-              </a:buClr>
-              <a:buSzPct val="45000"/>
-              <a:buFont typeface="Wingdings" charset="2"/>
-              <a:buChar char=""/>
-            </a:pPr>
-            <a:r>
-              <a:rPr b="0" lang="pt-BR" sz="1800" spc="-1" strike="noStrike">
-                <a:solidFill>
-                  <a:srgbClr val="01498e"/>
-                </a:solidFill>
-                <a:latin typeface="Arial"/>
-                <a:ea typeface="Calibri"/>
-              </a:rPr>
-              <a:t>O...</a:t>
-            </a:r>
-            <a:endParaRPr b="0" lang="pt-BR" sz="1800" spc="-1" strike="noStrike">
-              <a:solidFill>
-                <a:srgbClr val="000000"/>
-              </a:solidFill>
-              <a:latin typeface="Arial"/>
-            </a:endParaRPr>
-          </a:p>
-          <a:p>
-            <a:pPr algn="just">
-              <a:lnSpc>
-                <a:spcPct val="115000"/>
-              </a:lnSpc>
-            </a:pPr>
-            <a:endParaRPr b="0" lang="pt-BR" sz="1800" spc="-1" strike="noStrike">
-              <a:solidFill>
-                <a:srgbClr val="000000"/>
-              </a:solidFill>
-              <a:latin typeface="Arial"/>
-            </a:endParaRPr>
-          </a:p>
-        </p:txBody>
-      </p:sp>
-    </p:spTree>
-  </p:cSld>
-  <mc:AlternateContent>
-    <mc:Choice Requires="p14">
-      <p:transition spd="slow" p14:dur="2000"/>
-    </mc:Choice>
-    <mc:Fallback>
-      <p:transition spd="slow"/>
-    </mc:Fallback>
-  </mc:AlternateContent>
-</p:sld>
-</file>
-
-<file path=ppt/slides/slide31.xml><?xml version="1.0" encoding="utf-8"?>
-<p:sld xmlns:a="http://schemas.openxmlformats.org/drawingml/2006/main" xmlns:p="http://schemas.openxmlformats.org/presentationml/2006/main" xmlns:r="http://schemas.openxmlformats.org/officeDocument/2006/relationships" xmlns:p14="http://schemas.microsoft.com/office/powerpoint/2010/main" xmlns:p15="http://schemas.microsoft.com/office/powerpoint/2012/main" xmlns:mc="http://schemas.openxmlformats.org/markup-compatibility/2006">
-  <p:cSld>
-    <p:spTree>
-      <p:nvGrpSpPr>
-        <p:cNvPr id="1" name=""/>
-        <p:cNvGrpSpPr/>
-        <p:nvPr/>
-      </p:nvGrpSpPr>
-      <p:grpSpPr>
-        <a:xfrm>
-          <a:off x="0" y="0"/>
-          <a:ext cx="0" cy="0"/>
-          <a:chOff x="0" y="0"/>
-          <a:chExt cx="0" cy="0"/>
-        </a:xfrm>
-      </p:grpSpPr>
-      <p:sp>
-        <p:nvSpPr>
-          <p:cNvPr id="238" name="Título 5"/>
-          <p:cNvSpPr/>
-          <p:nvPr/>
-        </p:nvSpPr>
-        <p:spPr>
-          <a:xfrm>
-            <a:off x="291960" y="189000"/>
-            <a:ext cx="7479000" cy="898560"/>
-          </a:xfrm>
-          <a:prstGeom prst="rect">
-            <a:avLst/>
-          </a:prstGeom>
-          <a:noFill/>
-          <a:ln w="0">
-            <a:noFill/>
-          </a:ln>
-        </p:spPr>
-        <p:style>
-          <a:lnRef idx="0"/>
-          <a:fillRef idx="0"/>
-          <a:effectRef idx="0"/>
-          <a:fontRef idx="minor"/>
-        </p:style>
-        <p:txBody>
-          <a:bodyPr lIns="90000" rIns="90000" tIns="91440" bIns="91440" anchor="t">
-            <a:noAutofit/>
-          </a:bodyPr>
-          <a:p>
-            <a:pPr>
-              <a:lnSpc>
-                <a:spcPct val="100000"/>
-              </a:lnSpc>
-            </a:pPr>
-            <a:r>
-              <a:rPr b="1" lang="pt-BR" sz="5400" spc="-1" strike="noStrike">
-                <a:solidFill>
-                  <a:srgbClr val="002060"/>
-                </a:solidFill>
-                <a:latin typeface="Overpass"/>
-                <a:ea typeface="Overpass"/>
-              </a:rPr>
-              <a:t>POO Recap </a:t>
-            </a:r>
-            <a:endParaRPr b="0" lang="pt-BR" sz="5400" spc="-1" strike="noStrike">
-              <a:solidFill>
-                <a:srgbClr val="000000"/>
-              </a:solidFill>
-              <a:latin typeface="Arial"/>
-            </a:endParaRPr>
-          </a:p>
-          <a:p>
-            <a:pPr>
-              <a:lnSpc>
-                <a:spcPct val="100000"/>
-              </a:lnSpc>
-            </a:pPr>
-            <a:endParaRPr b="0" lang="pt-BR" sz="5400" spc="-1" strike="noStrike">
-              <a:solidFill>
-                <a:srgbClr val="000000"/>
-              </a:solidFill>
-              <a:latin typeface="Arial"/>
-            </a:endParaRPr>
-          </a:p>
-        </p:txBody>
-      </p:sp>
-      <p:pic>
-        <p:nvPicPr>
-          <p:cNvPr id="239" name="Imagem 9" descr=""/>
-          <p:cNvPicPr/>
-          <p:nvPr/>
-        </p:nvPicPr>
-        <p:blipFill>
-          <a:blip r:embed="rId1"/>
-          <a:srcRect l="0" t="0" r="0" b="20507"/>
-          <a:stretch/>
-        </p:blipFill>
-        <p:spPr>
-          <a:xfrm>
-            <a:off x="8100720" y="900720"/>
-            <a:ext cx="2141280" cy="3602160"/>
-          </a:xfrm>
-          <a:prstGeom prst="rect">
-            <a:avLst/>
-          </a:prstGeom>
-          <a:ln w="0">
-            <a:noFill/>
-          </a:ln>
-        </p:spPr>
-      </p:pic>
-      <p:sp>
-        <p:nvSpPr>
-          <p:cNvPr id="240" name="CaixaDeTexto 4"/>
-          <p:cNvSpPr/>
-          <p:nvPr/>
-        </p:nvSpPr>
-        <p:spPr>
-          <a:xfrm>
-            <a:off x="291960" y="1286640"/>
-            <a:ext cx="6363720" cy="1666440"/>
-          </a:xfrm>
-          <a:prstGeom prst="rect">
-            <a:avLst/>
-          </a:prstGeom>
-          <a:noFill/>
-          <a:ln w="0">
-            <a:noFill/>
-          </a:ln>
-        </p:spPr>
-        <p:style>
-          <a:lnRef idx="0"/>
-          <a:fillRef idx="0"/>
-          <a:effectRef idx="0"/>
-          <a:fontRef idx="minor"/>
-        </p:style>
-        <p:txBody>
-          <a:bodyPr lIns="90000" rIns="90000" tIns="45000" bIns="45000" anchor="t">
-            <a:spAutoFit/>
-          </a:bodyPr>
-          <a:p>
-            <a:pPr marL="216000" indent="-216000" algn="just">
-              <a:lnSpc>
-                <a:spcPct val="115000"/>
-              </a:lnSpc>
-              <a:buClr>
-                <a:srgbClr val="000000"/>
-              </a:buClr>
-              <a:buFont typeface="Arial"/>
-              <a:buChar char="●"/>
-            </a:pPr>
-            <a:r>
-              <a:rPr b="0" lang="pt-BR" sz="1800" spc="-1" strike="noStrike">
-                <a:solidFill>
-                  <a:srgbClr val="01498e"/>
-                </a:solidFill>
-                <a:latin typeface="Arial"/>
-                <a:ea typeface="Calibri"/>
-              </a:rPr>
-              <a:t>Por que objetos são importantes?</a:t>
-            </a:r>
-            <a:endParaRPr b="0" lang="pt-BR" sz="1800" spc="-1" strike="noStrike">
-              <a:solidFill>
-                <a:srgbClr val="000000"/>
-              </a:solidFill>
-              <a:latin typeface="Arial"/>
-            </a:endParaRPr>
-          </a:p>
-          <a:p>
-            <a:pPr lvl="1" marL="432000" indent="-216000" algn="just">
-              <a:lnSpc>
-                <a:spcPct val="115000"/>
-              </a:lnSpc>
-              <a:buClr>
-                <a:srgbClr val="000000"/>
-              </a:buClr>
-              <a:buSzPct val="45000"/>
-              <a:buFont typeface="Wingdings" charset="2"/>
-              <a:buChar char=""/>
-            </a:pPr>
-            <a:r>
-              <a:rPr b="0" lang="pt-BR" sz="1800" spc="-1" strike="noStrike">
-                <a:solidFill>
-                  <a:srgbClr val="01498e"/>
-                </a:solidFill>
-                <a:latin typeface="Arial"/>
-                <a:ea typeface="Calibri"/>
-              </a:rPr>
-              <a:t>Organização: Agrupam dados e comportamentos relacionados.</a:t>
-            </a:r>
-            <a:endParaRPr b="0" lang="pt-BR" sz="1800" spc="-1" strike="noStrike">
-              <a:solidFill>
-                <a:srgbClr val="000000"/>
-              </a:solidFill>
-              <a:latin typeface="Arial"/>
-            </a:endParaRPr>
-          </a:p>
-          <a:p>
-            <a:pPr lvl="1" marL="432000" indent="-216000" algn="just">
-              <a:lnSpc>
-                <a:spcPct val="115000"/>
-              </a:lnSpc>
-              <a:buClr>
-                <a:srgbClr val="000000"/>
-              </a:buClr>
-              <a:buSzPct val="45000"/>
-              <a:buFont typeface="Wingdings" charset="2"/>
-              <a:buChar char=""/>
-            </a:pPr>
-            <a:r>
-              <a:rPr b="0" lang="pt-BR" sz="1800" spc="-1" strike="noStrike">
-                <a:solidFill>
-                  <a:srgbClr val="01498e"/>
-                </a:solidFill>
-                <a:latin typeface="Arial"/>
-                <a:ea typeface="Calibri"/>
-              </a:rPr>
-              <a:t>R...</a:t>
-            </a:r>
-            <a:endParaRPr b="0" lang="pt-BR" sz="1800" spc="-1" strike="noStrike">
-              <a:solidFill>
-                <a:srgbClr val="000000"/>
-              </a:solidFill>
-              <a:latin typeface="Arial"/>
-            </a:endParaRPr>
-          </a:p>
-          <a:p>
-            <a:pPr algn="just">
-              <a:lnSpc>
-                <a:spcPct val="115000"/>
-              </a:lnSpc>
-            </a:pPr>
-            <a:endParaRPr b="0" lang="pt-BR" sz="1800" spc="-1" strike="noStrike">
-              <a:solidFill>
-                <a:srgbClr val="000000"/>
-              </a:solidFill>
-              <a:latin typeface="Arial"/>
-            </a:endParaRPr>
-          </a:p>
-        </p:txBody>
-      </p:sp>
-    </p:spTree>
-  </p:cSld>
-  <mc:AlternateContent>
-    <mc:Choice Requires="p14">
-      <p:transition spd="slow" p14:dur="2000"/>
-    </mc:Choice>
-    <mc:Fallback>
-      <p:transition spd="slow"/>
-    </mc:Fallback>
-  </mc:AlternateContent>
-</p:sld>
-</file>
-
-<file path=ppt/slides/slide32.xml><?xml version="1.0" encoding="utf-8"?>
-<p:sld xmlns:a="http://schemas.openxmlformats.org/drawingml/2006/main" xmlns:p="http://schemas.openxmlformats.org/presentationml/2006/main" xmlns:r="http://schemas.openxmlformats.org/officeDocument/2006/relationships" xmlns:p14="http://schemas.microsoft.com/office/powerpoint/2010/main" xmlns:p15="http://schemas.microsoft.com/office/powerpoint/2012/main" xmlns:mc="http://schemas.openxmlformats.org/markup-compatibility/2006">
-  <p:cSld>
-    <p:spTree>
-      <p:nvGrpSpPr>
-        <p:cNvPr id="1" name=""/>
-        <p:cNvGrpSpPr/>
-        <p:nvPr/>
-      </p:nvGrpSpPr>
-      <p:grpSpPr>
-        <a:xfrm>
-          <a:off x="0" y="0"/>
-          <a:ext cx="0" cy="0"/>
-          <a:chOff x="0" y="0"/>
-          <a:chExt cx="0" cy="0"/>
-        </a:xfrm>
-      </p:grpSpPr>
-      <p:sp>
-        <p:nvSpPr>
-          <p:cNvPr id="241" name="Título 6"/>
-          <p:cNvSpPr/>
-          <p:nvPr/>
-        </p:nvSpPr>
-        <p:spPr>
-          <a:xfrm>
-            <a:off x="291960" y="189000"/>
-            <a:ext cx="7479000" cy="898560"/>
-          </a:xfrm>
-          <a:prstGeom prst="rect">
-            <a:avLst/>
-          </a:prstGeom>
-          <a:noFill/>
-          <a:ln w="0">
-            <a:noFill/>
-          </a:ln>
-        </p:spPr>
-        <p:style>
-          <a:lnRef idx="0"/>
-          <a:fillRef idx="0"/>
-          <a:effectRef idx="0"/>
-          <a:fontRef idx="minor"/>
-        </p:style>
-        <p:txBody>
-          <a:bodyPr lIns="90000" rIns="90000" tIns="91440" bIns="91440" anchor="t">
-            <a:noAutofit/>
-          </a:bodyPr>
-          <a:p>
-            <a:pPr>
-              <a:lnSpc>
-                <a:spcPct val="100000"/>
-              </a:lnSpc>
-            </a:pPr>
-            <a:r>
-              <a:rPr b="1" lang="pt-BR" sz="5400" spc="-1" strike="noStrike">
-                <a:solidFill>
-                  <a:srgbClr val="002060"/>
-                </a:solidFill>
-                <a:latin typeface="Overpass"/>
-                <a:ea typeface="Overpass"/>
-              </a:rPr>
-              <a:t>POO Recap </a:t>
-            </a:r>
-            <a:endParaRPr b="0" lang="pt-BR" sz="5400" spc="-1" strike="noStrike">
-              <a:solidFill>
-                <a:srgbClr val="000000"/>
-              </a:solidFill>
-              <a:latin typeface="Arial"/>
-            </a:endParaRPr>
-          </a:p>
-          <a:p>
-            <a:pPr>
-              <a:lnSpc>
-                <a:spcPct val="100000"/>
-              </a:lnSpc>
-            </a:pPr>
-            <a:endParaRPr b="0" lang="pt-BR" sz="5400" spc="-1" strike="noStrike">
-              <a:solidFill>
-                <a:srgbClr val="000000"/>
-              </a:solidFill>
-              <a:latin typeface="Arial"/>
-            </a:endParaRPr>
-          </a:p>
-        </p:txBody>
-      </p:sp>
-      <p:pic>
-        <p:nvPicPr>
-          <p:cNvPr id="242" name="Imagem 10" descr=""/>
-          <p:cNvPicPr/>
-          <p:nvPr/>
-        </p:nvPicPr>
-        <p:blipFill>
-          <a:blip r:embed="rId1"/>
-          <a:srcRect l="0" t="0" r="0" b="20507"/>
-          <a:stretch/>
-        </p:blipFill>
-        <p:spPr>
-          <a:xfrm>
-            <a:off x="8100720" y="900720"/>
-            <a:ext cx="2141280" cy="3602160"/>
-          </a:xfrm>
-          <a:prstGeom prst="rect">
-            <a:avLst/>
-          </a:prstGeom>
-          <a:ln w="0">
-            <a:noFill/>
-          </a:ln>
-        </p:spPr>
-      </p:pic>
-      <p:sp>
-        <p:nvSpPr>
-          <p:cNvPr id="243" name="CaixaDeTexto 5"/>
-          <p:cNvSpPr/>
-          <p:nvPr/>
-        </p:nvSpPr>
-        <p:spPr>
-          <a:xfrm>
-            <a:off x="291960" y="1286640"/>
-            <a:ext cx="6363720" cy="1981800"/>
-          </a:xfrm>
-          <a:prstGeom prst="rect">
-            <a:avLst/>
-          </a:prstGeom>
-          <a:noFill/>
-          <a:ln w="0">
-            <a:noFill/>
-          </a:ln>
-        </p:spPr>
-        <p:style>
-          <a:lnRef idx="0"/>
-          <a:fillRef idx="0"/>
-          <a:effectRef idx="0"/>
-          <a:fontRef idx="minor"/>
-        </p:style>
-        <p:txBody>
-          <a:bodyPr lIns="90000" rIns="90000" tIns="45000" bIns="45000" anchor="t">
-            <a:spAutoFit/>
-          </a:bodyPr>
-          <a:p>
-            <a:pPr marL="216000" indent="-216000" algn="just">
-              <a:lnSpc>
-                <a:spcPct val="115000"/>
-              </a:lnSpc>
-              <a:buClr>
-                <a:srgbClr val="000000"/>
-              </a:buClr>
-              <a:buFont typeface="Arial"/>
-              <a:buChar char="●"/>
-            </a:pPr>
-            <a:r>
-              <a:rPr b="0" lang="pt-BR" sz="1800" spc="-1" strike="noStrike">
-                <a:solidFill>
-                  <a:srgbClr val="01498e"/>
-                </a:solidFill>
-                <a:latin typeface="Arial"/>
-                <a:ea typeface="Calibri"/>
-              </a:rPr>
-              <a:t>Por que objetos são importantes?</a:t>
-            </a:r>
-            <a:endParaRPr b="0" lang="pt-BR" sz="1800" spc="-1" strike="noStrike">
-              <a:solidFill>
-                <a:srgbClr val="000000"/>
-              </a:solidFill>
-              <a:latin typeface="Arial"/>
-            </a:endParaRPr>
-          </a:p>
-          <a:p>
-            <a:pPr lvl="1" marL="432000" indent="-216000" algn="just">
-              <a:lnSpc>
-                <a:spcPct val="115000"/>
-              </a:lnSpc>
-              <a:buClr>
-                <a:srgbClr val="000000"/>
-              </a:buClr>
-              <a:buSzPct val="45000"/>
-              <a:buFont typeface="Wingdings" charset="2"/>
-              <a:buChar char=""/>
-            </a:pPr>
-            <a:r>
-              <a:rPr b="0" lang="pt-BR" sz="1800" spc="-1" strike="noStrike">
-                <a:solidFill>
-                  <a:srgbClr val="01498e"/>
-                </a:solidFill>
-                <a:latin typeface="Arial"/>
-                <a:ea typeface="Calibri"/>
-              </a:rPr>
-              <a:t>Organização: Agrupam dados e comportamentos relacionados.</a:t>
-            </a:r>
-            <a:endParaRPr b="0" lang="pt-BR" sz="1800" spc="-1" strike="noStrike">
-              <a:solidFill>
-                <a:srgbClr val="000000"/>
-              </a:solidFill>
-              <a:latin typeface="Arial"/>
-            </a:endParaRPr>
-          </a:p>
-          <a:p>
-            <a:pPr lvl="1" marL="432000" indent="-216000" algn="just">
-              <a:lnSpc>
-                <a:spcPct val="115000"/>
-              </a:lnSpc>
-              <a:buClr>
-                <a:srgbClr val="000000"/>
-              </a:buClr>
-              <a:buSzPct val="45000"/>
-              <a:buFont typeface="Wingdings" charset="2"/>
-              <a:buChar char=""/>
-            </a:pPr>
-            <a:r>
-              <a:rPr b="0" lang="pt-BR" sz="1800" spc="-1" strike="noStrike">
-                <a:solidFill>
-                  <a:srgbClr val="01498e"/>
-                </a:solidFill>
-                <a:latin typeface="Arial"/>
-                <a:ea typeface="Calibri"/>
-              </a:rPr>
-              <a:t>Reúso: Classes podem ser reaproveitadas para criar múltiplos objetos.</a:t>
-            </a:r>
-            <a:endParaRPr b="0" lang="pt-BR" sz="1800" spc="-1" strike="noStrike">
-              <a:solidFill>
-                <a:srgbClr val="000000"/>
-              </a:solidFill>
-              <a:latin typeface="Arial"/>
-            </a:endParaRPr>
-          </a:p>
-          <a:p>
-            <a:pPr lvl="1" marL="432000" indent="-216000" algn="just">
-              <a:lnSpc>
-                <a:spcPct val="115000"/>
-              </a:lnSpc>
-              <a:buClr>
-                <a:srgbClr val="000000"/>
-              </a:buClr>
-              <a:buSzPct val="45000"/>
-              <a:buFont typeface="Wingdings" charset="2"/>
-              <a:buChar char=""/>
-            </a:pPr>
-            <a:r>
-              <a:rPr b="0" lang="pt-BR" sz="1800" spc="-1" strike="noStrike">
-                <a:solidFill>
-                  <a:srgbClr val="01498e"/>
-                </a:solidFill>
-                <a:latin typeface="Arial"/>
-                <a:ea typeface="Calibri"/>
-              </a:rPr>
-              <a:t>A...</a:t>
-            </a:r>
-            <a:endParaRPr b="0" lang="pt-BR" sz="1800" spc="-1" strike="noStrike">
-              <a:solidFill>
-                <a:srgbClr val="000000"/>
-              </a:solidFill>
-              <a:latin typeface="Arial"/>
-            </a:endParaRPr>
-          </a:p>
-        </p:txBody>
-      </p:sp>
-    </p:spTree>
-  </p:cSld>
-  <mc:AlternateContent>
-    <mc:Choice Requires="p14">
-      <p:transition spd="slow" p14:dur="2000"/>
-    </mc:Choice>
-    <mc:Fallback>
-      <p:transition spd="slow"/>
-    </mc:Fallback>
-  </mc:AlternateContent>
-</p:sld>
-</file>
-
-<file path=ppt/slides/slide33.xml><?xml version="1.0" encoding="utf-8"?>
-<p:sld xmlns:a="http://schemas.openxmlformats.org/drawingml/2006/main" xmlns:p="http://schemas.openxmlformats.org/presentationml/2006/main" xmlns:r="http://schemas.openxmlformats.org/officeDocument/2006/relationships" xmlns:p14="http://schemas.microsoft.com/office/powerpoint/2010/main" xmlns:p15="http://schemas.microsoft.com/office/powerpoint/2012/main" xmlns:mc="http://schemas.openxmlformats.org/markup-compatibility/2006">
-  <p:cSld>
-    <p:spTree>
-      <p:nvGrpSpPr>
-        <p:cNvPr id="1" name=""/>
-        <p:cNvGrpSpPr/>
-        <p:nvPr/>
-      </p:nvGrpSpPr>
-      <p:grpSpPr>
-        <a:xfrm>
-          <a:off x="0" y="0"/>
-          <a:ext cx="0" cy="0"/>
-          <a:chOff x="0" y="0"/>
-          <a:chExt cx="0" cy="0"/>
-        </a:xfrm>
-      </p:grpSpPr>
-      <p:sp>
-        <p:nvSpPr>
-          <p:cNvPr id="244" name="Título 39"/>
-          <p:cNvSpPr/>
-          <p:nvPr/>
-        </p:nvSpPr>
-        <p:spPr>
-          <a:xfrm>
-            <a:off x="291960" y="189000"/>
-            <a:ext cx="7479000" cy="898560"/>
-          </a:xfrm>
-          <a:prstGeom prst="rect">
-            <a:avLst/>
-          </a:prstGeom>
-          <a:noFill/>
-          <a:ln w="0">
-            <a:noFill/>
-          </a:ln>
-        </p:spPr>
-        <p:style>
-          <a:lnRef idx="0"/>
-          <a:fillRef idx="0"/>
-          <a:effectRef idx="0"/>
-          <a:fontRef idx="minor"/>
-        </p:style>
-        <p:txBody>
-          <a:bodyPr lIns="90000" rIns="90000" tIns="91440" bIns="91440" anchor="t">
-            <a:noAutofit/>
-          </a:bodyPr>
-          <a:p>
-            <a:pPr>
-              <a:lnSpc>
-                <a:spcPct val="100000"/>
-              </a:lnSpc>
-            </a:pPr>
-            <a:r>
-              <a:rPr b="1" lang="pt-BR" sz="5400" spc="-1" strike="noStrike">
-                <a:solidFill>
-                  <a:srgbClr val="002060"/>
-                </a:solidFill>
-                <a:latin typeface="Overpass"/>
-                <a:ea typeface="Overpass"/>
-              </a:rPr>
-              <a:t>POO </a:t>
-            </a:r>
-            <a:endParaRPr b="0" lang="pt-BR" sz="5400" spc="-1" strike="noStrike">
-              <a:solidFill>
-                <a:srgbClr val="000000"/>
-              </a:solidFill>
-              <a:latin typeface="Arial"/>
-            </a:endParaRPr>
-          </a:p>
-          <a:p>
-            <a:pPr>
-              <a:lnSpc>
-                <a:spcPct val="100000"/>
-              </a:lnSpc>
-            </a:pPr>
-            <a:endParaRPr b="0" lang="pt-BR" sz="5400" spc="-1" strike="noStrike">
-              <a:solidFill>
-                <a:srgbClr val="000000"/>
-              </a:solidFill>
-              <a:latin typeface="Arial"/>
-            </a:endParaRPr>
-          </a:p>
-        </p:txBody>
-      </p:sp>
-      <p:pic>
-        <p:nvPicPr>
-          <p:cNvPr id="245" name="Imagem 39" descr=""/>
-          <p:cNvPicPr/>
-          <p:nvPr/>
-        </p:nvPicPr>
-        <p:blipFill>
-          <a:blip r:embed="rId1"/>
-          <a:srcRect l="0" t="0" r="0" b="20507"/>
-          <a:stretch/>
-        </p:blipFill>
-        <p:spPr>
-          <a:xfrm>
-            <a:off x="8100720" y="900720"/>
-            <a:ext cx="2141280" cy="3602160"/>
-          </a:xfrm>
-          <a:prstGeom prst="rect">
-            <a:avLst/>
-          </a:prstGeom>
-          <a:ln w="0">
-            <a:noFill/>
-          </a:ln>
-        </p:spPr>
-      </p:pic>
-      <p:sp>
-        <p:nvSpPr>
-          <p:cNvPr id="246" name="CaixaDeTexto 38"/>
-          <p:cNvSpPr/>
-          <p:nvPr/>
-        </p:nvSpPr>
-        <p:spPr>
-          <a:xfrm>
-            <a:off x="291960" y="1286640"/>
-            <a:ext cx="6363720" cy="720360"/>
-          </a:xfrm>
-          <a:prstGeom prst="rect">
-            <a:avLst/>
-          </a:prstGeom>
-          <a:noFill/>
-          <a:ln w="0">
-            <a:noFill/>
-          </a:ln>
-        </p:spPr>
-        <p:style>
-          <a:lnRef idx="0"/>
-          <a:fillRef idx="0"/>
-          <a:effectRef idx="0"/>
-          <a:fontRef idx="minor"/>
-        </p:style>
-        <p:txBody>
-          <a:bodyPr lIns="90000" rIns="90000" tIns="45000" bIns="45000" anchor="t">
-            <a:spAutoFit/>
-          </a:bodyPr>
-          <a:p>
-            <a:pPr marL="216000" indent="-216000" algn="just">
-              <a:lnSpc>
-                <a:spcPct val="115000"/>
-              </a:lnSpc>
-              <a:buClr>
-                <a:srgbClr val="000000"/>
-              </a:buClr>
-              <a:buFont typeface="Arial"/>
-              <a:buChar char="●"/>
-            </a:pPr>
-            <a:r>
-              <a:rPr b="0" lang="pt-BR" sz="1800" spc="-1" strike="noStrike">
-                <a:solidFill>
-                  <a:srgbClr val="01498e"/>
-                </a:solidFill>
-                <a:latin typeface="Arial"/>
-                <a:ea typeface="Calibri"/>
-              </a:rPr>
-              <a:t>Encapsulamento?</a:t>
-            </a:r>
-            <a:endParaRPr b="0" lang="pt-BR" sz="1800" spc="-1" strike="noStrike">
-              <a:solidFill>
-                <a:srgbClr val="000000"/>
-              </a:solidFill>
-              <a:latin typeface="Arial"/>
-            </a:endParaRPr>
-          </a:p>
-          <a:p>
-            <a:pPr algn="just">
-              <a:lnSpc>
-                <a:spcPct val="115000"/>
-              </a:lnSpc>
-            </a:pPr>
-            <a:endParaRPr b="0" lang="pt-BR" sz="1800" spc="-1" strike="noStrike">
-              <a:solidFill>
-                <a:srgbClr val="000000"/>
-              </a:solidFill>
-              <a:latin typeface="Arial"/>
-            </a:endParaRPr>
-          </a:p>
-        </p:txBody>
-      </p:sp>
-      <p:pic>
-        <p:nvPicPr>
-          <p:cNvPr id="247" name="Imagem 167" descr=""/>
-          <p:cNvPicPr/>
-          <p:nvPr/>
-        </p:nvPicPr>
-        <p:blipFill>
-          <a:blip r:embed="rId2"/>
-          <a:stretch/>
-        </p:blipFill>
-        <p:spPr>
-          <a:xfrm>
-            <a:off x="3420000" y="1641240"/>
-            <a:ext cx="4248720" cy="3377160"/>
-          </a:xfrm>
-          <a:prstGeom prst="rect">
-            <a:avLst/>
-          </a:prstGeom>
-          <a:ln w="0">
-            <a:noFill/>
-          </a:ln>
-        </p:spPr>
-      </p:pic>
-    </p:spTree>
-  </p:cSld>
-  <mc:AlternateContent>
-    <mc:Choice Requires="p14">
-      <p:transition spd="slow" p14:dur="2000"/>
-    </mc:Choice>
-    <mc:Fallback>
-      <p:transition spd="slow"/>
-    </mc:Fallback>
-  </mc:AlternateContent>
-</p:sld>
-</file>
-
-<file path=ppt/slides/slide34.xml><?xml version="1.0" encoding="utf-8"?>
-<p:sld xmlns:a="http://schemas.openxmlformats.org/drawingml/2006/main" xmlns:p="http://schemas.openxmlformats.org/presentationml/2006/main" xmlns:r="http://schemas.openxmlformats.org/officeDocument/2006/relationships" xmlns:p14="http://schemas.microsoft.com/office/powerpoint/2010/main" xmlns:p15="http://schemas.microsoft.com/office/powerpoint/2012/main" xmlns:mc="http://schemas.openxmlformats.org/markup-compatibility/2006">
-  <p:cSld>
-    <p:spTree>
-      <p:nvGrpSpPr>
-        <p:cNvPr id="1" name=""/>
-        <p:cNvGrpSpPr/>
-        <p:nvPr/>
-      </p:nvGrpSpPr>
-      <p:grpSpPr>
-        <a:xfrm>
-          <a:off x="0" y="0"/>
-          <a:ext cx="0" cy="0"/>
-          <a:chOff x="0" y="0"/>
-          <a:chExt cx="0" cy="0"/>
-        </a:xfrm>
-      </p:grpSpPr>
-      <p:sp>
-        <p:nvSpPr>
-          <p:cNvPr id="248" name="Título 39"/>
-          <p:cNvSpPr/>
-          <p:nvPr/>
-        </p:nvSpPr>
-        <p:spPr>
-          <a:xfrm>
-            <a:off x="291960" y="189000"/>
-            <a:ext cx="7479000" cy="898560"/>
-          </a:xfrm>
-          <a:prstGeom prst="rect">
-            <a:avLst/>
-          </a:prstGeom>
-          <a:noFill/>
-          <a:ln w="0">
-            <a:noFill/>
-          </a:ln>
-        </p:spPr>
-        <p:style>
-          <a:lnRef idx="0"/>
-          <a:fillRef idx="0"/>
-          <a:effectRef idx="0"/>
-          <a:fontRef idx="minor"/>
-        </p:style>
-        <p:txBody>
-          <a:bodyPr lIns="90000" rIns="90000" tIns="91440" bIns="91440" anchor="t">
-            <a:noAutofit/>
-          </a:bodyPr>
-          <a:p>
-            <a:pPr>
-              <a:lnSpc>
-                <a:spcPct val="100000"/>
-              </a:lnSpc>
-            </a:pPr>
-            <a:r>
-              <a:rPr b="1" lang="pt-BR" sz="5400" spc="-1" strike="noStrike">
-                <a:solidFill>
-                  <a:srgbClr val="002060"/>
-                </a:solidFill>
-                <a:latin typeface="Overpass"/>
-                <a:ea typeface="Overpass"/>
-              </a:rPr>
-              <a:t>POO </a:t>
-            </a:r>
-            <a:endParaRPr b="0" lang="pt-BR" sz="5400" spc="-1" strike="noStrike">
-              <a:solidFill>
-                <a:srgbClr val="000000"/>
-              </a:solidFill>
-              <a:latin typeface="Arial"/>
-            </a:endParaRPr>
-          </a:p>
-          <a:p>
-            <a:pPr>
-              <a:lnSpc>
-                <a:spcPct val="100000"/>
-              </a:lnSpc>
-            </a:pPr>
-            <a:endParaRPr b="0" lang="pt-BR" sz="5400" spc="-1" strike="noStrike">
-              <a:solidFill>
-                <a:srgbClr val="000000"/>
-              </a:solidFill>
-              <a:latin typeface="Arial"/>
-            </a:endParaRPr>
-          </a:p>
-        </p:txBody>
-      </p:sp>
-      <p:pic>
-        <p:nvPicPr>
-          <p:cNvPr id="249" name="Imagem 39" descr=""/>
-          <p:cNvPicPr/>
-          <p:nvPr/>
-        </p:nvPicPr>
-        <p:blipFill>
-          <a:blip r:embed="rId1"/>
-          <a:srcRect l="0" t="0" r="0" b="20507"/>
-          <a:stretch/>
-        </p:blipFill>
-        <p:spPr>
-          <a:xfrm>
-            <a:off x="8100720" y="900720"/>
-            <a:ext cx="2141280" cy="3602160"/>
-          </a:xfrm>
-          <a:prstGeom prst="rect">
-            <a:avLst/>
-          </a:prstGeom>
-          <a:ln w="0">
-            <a:noFill/>
-          </a:ln>
-        </p:spPr>
-      </p:pic>
-      <p:sp>
-        <p:nvSpPr>
-          <p:cNvPr id="250" name="CaixaDeTexto 38"/>
-          <p:cNvSpPr/>
-          <p:nvPr/>
-        </p:nvSpPr>
-        <p:spPr>
-          <a:xfrm>
-            <a:off x="291960" y="1286640"/>
-            <a:ext cx="7664760" cy="2612520"/>
-          </a:xfrm>
-          <a:prstGeom prst="rect">
-            <a:avLst/>
-          </a:prstGeom>
-          <a:noFill/>
-          <a:ln w="0">
-            <a:noFill/>
-          </a:ln>
-        </p:spPr>
-        <p:style>
-          <a:lnRef idx="0"/>
-          <a:fillRef idx="0"/>
-          <a:effectRef idx="0"/>
-          <a:fontRef idx="minor"/>
-        </p:style>
-        <p:txBody>
-          <a:bodyPr lIns="90000" rIns="90000" tIns="45000" bIns="45000" anchor="t">
-            <a:spAutoFit/>
-          </a:bodyPr>
-          <a:p>
-            <a:pPr marL="216000" indent="-216000" algn="just">
-              <a:lnSpc>
-                <a:spcPct val="115000"/>
-              </a:lnSpc>
-              <a:buClr>
-                <a:srgbClr val="000000"/>
-              </a:buClr>
-              <a:buFont typeface="Arial"/>
-              <a:buChar char="●"/>
-            </a:pPr>
-            <a:r>
-              <a:rPr b="0" lang="pt-BR" sz="1800" spc="-1" strike="noStrike">
-                <a:solidFill>
-                  <a:srgbClr val="01498e"/>
-                </a:solidFill>
-                <a:latin typeface="Arial"/>
-                <a:ea typeface="Calibri"/>
-              </a:rPr>
-              <a:t>Encapsulamento?</a:t>
-            </a:r>
-            <a:endParaRPr b="0" lang="pt-BR" sz="1800" spc="-1" strike="noStrike">
-              <a:solidFill>
-                <a:srgbClr val="000000"/>
-              </a:solidFill>
-              <a:latin typeface="Arial"/>
-            </a:endParaRPr>
-          </a:p>
-          <a:p>
-            <a:pPr lvl="1" marL="673200" indent="-216000" algn="just">
-              <a:lnSpc>
-                <a:spcPct val="115000"/>
-              </a:lnSpc>
-              <a:buClr>
-                <a:srgbClr val="000000"/>
-              </a:buClr>
-              <a:buFont typeface="Arial"/>
-              <a:buChar char="●"/>
-            </a:pPr>
-            <a:r>
-              <a:rPr b="0" lang="pt-BR" sz="1800" spc="-1" strike="noStrike">
-                <a:solidFill>
-                  <a:srgbClr val="01498e"/>
-                </a:solidFill>
-                <a:latin typeface="Arial"/>
-                <a:ea typeface="Calibri"/>
-              </a:rPr>
-              <a:t>Em Python, todos os atributos e métodos são públicos por padrão, o que significa que podem ser acessados e modificados diretamente de fora da classe.</a:t>
-            </a:r>
-            <a:endParaRPr b="0" lang="pt-BR" sz="1800" spc="-1" strike="noStrike">
-              <a:solidFill>
-                <a:srgbClr val="000000"/>
-              </a:solidFill>
-              <a:latin typeface="Arial"/>
-            </a:endParaRPr>
-          </a:p>
-          <a:p>
-            <a:pPr lvl="1" marL="673200" indent="-216000" algn="just">
-              <a:lnSpc>
-                <a:spcPct val="115000"/>
-              </a:lnSpc>
-              <a:buClr>
-                <a:srgbClr val="000000"/>
-              </a:buClr>
-              <a:buFont typeface="Arial"/>
-              <a:buChar char="●"/>
-            </a:pPr>
-            <a:r>
-              <a:rPr b="0" lang="pt-BR" sz="1800" spc="-1" strike="noStrike">
-                <a:solidFill>
-                  <a:srgbClr val="01498e"/>
-                </a:solidFill>
-                <a:latin typeface="Arial"/>
-                <a:ea typeface="Calibri"/>
-              </a:rPr>
-              <a:t>Para indicar que um atributo ou método é privado (ou seja, não deve ser acessado diretamente de fora da classe), utiliza-se um sublinhado duplo (__) antes do nome.</a:t>
-            </a:r>
-            <a:endParaRPr b="0" lang="pt-BR" sz="1800" spc="-1" strike="noStrike">
-              <a:solidFill>
-                <a:srgbClr val="000000"/>
-              </a:solidFill>
-              <a:latin typeface="Arial"/>
-            </a:endParaRPr>
-          </a:p>
-          <a:p>
-            <a:pPr algn="just">
-              <a:lnSpc>
-                <a:spcPct val="115000"/>
-              </a:lnSpc>
-            </a:pPr>
-            <a:endParaRPr b="0" lang="pt-BR" sz="1800" spc="-1" strike="noStrike">
-              <a:solidFill>
-                <a:srgbClr val="000000"/>
-              </a:solidFill>
-              <a:latin typeface="Arial"/>
-            </a:endParaRPr>
-          </a:p>
-        </p:txBody>
-      </p:sp>
-      <p:pic>
-        <p:nvPicPr>
-          <p:cNvPr id="251" name="Imagem 3" descr=""/>
-          <p:cNvPicPr/>
-          <p:nvPr/>
-        </p:nvPicPr>
-        <p:blipFill>
-          <a:blip r:embed="rId2"/>
-          <a:stretch/>
-        </p:blipFill>
-        <p:spPr>
-          <a:xfrm>
-            <a:off x="2999160" y="3830400"/>
-            <a:ext cx="5179320" cy="1121400"/>
-          </a:xfrm>
-          <a:prstGeom prst="rect">
-            <a:avLst/>
-          </a:prstGeom>
-          <a:ln w="0">
-            <a:noFill/>
-          </a:ln>
-        </p:spPr>
-      </p:pic>
-    </p:spTree>
-  </p:cSld>
-  <mc:AlternateContent>
-    <mc:Choice Requires="p14">
-      <p:transition spd="slow" p14:dur="2000"/>
-    </mc:Choice>
-    <mc:Fallback>
-      <p:transition spd="slow"/>
-    </mc:Fallback>
-  </mc:AlternateContent>
-</p:sld>
-</file>
-
-<file path=ppt/slides/slide35.xml><?xml version="1.0" encoding="utf-8"?>
-<p:sld xmlns:a="http://schemas.openxmlformats.org/drawingml/2006/main" xmlns:p="http://schemas.openxmlformats.org/presentationml/2006/main" xmlns:r="http://schemas.openxmlformats.org/officeDocument/2006/relationships" xmlns:p14="http://schemas.microsoft.com/office/powerpoint/2010/main" xmlns:p15="http://schemas.microsoft.com/office/powerpoint/2012/main" xmlns:mc="http://schemas.openxmlformats.org/markup-compatibility/2006">
-  <p:cSld>
-    <p:spTree>
-      <p:nvGrpSpPr>
-        <p:cNvPr id="1" name=""/>
-        <p:cNvGrpSpPr/>
-        <p:nvPr/>
-      </p:nvGrpSpPr>
-      <p:grpSpPr>
-        <a:xfrm>
-          <a:off x="0" y="0"/>
-          <a:ext cx="0" cy="0"/>
-          <a:chOff x="0" y="0"/>
-          <a:chExt cx="0" cy="0"/>
-        </a:xfrm>
-      </p:grpSpPr>
-      <p:sp>
-        <p:nvSpPr>
-          <p:cNvPr id="252" name="Título 43"/>
-          <p:cNvSpPr/>
-          <p:nvPr/>
-        </p:nvSpPr>
-        <p:spPr>
-          <a:xfrm>
-            <a:off x="291960" y="32040"/>
-            <a:ext cx="5586120" cy="898560"/>
-          </a:xfrm>
-          <a:prstGeom prst="rect">
-            <a:avLst/>
-          </a:prstGeom>
-          <a:noFill/>
-          <a:ln w="0">
-            <a:noFill/>
-          </a:ln>
-        </p:spPr>
-        <p:style>
-          <a:lnRef idx="0"/>
-          <a:fillRef idx="0"/>
-          <a:effectRef idx="0"/>
-          <a:fontRef idx="minor"/>
-        </p:style>
-        <p:txBody>
-          <a:bodyPr lIns="90000" rIns="90000" tIns="91440" bIns="91440" anchor="t">
-            <a:noAutofit/>
-          </a:bodyPr>
-          <a:p>
-            <a:pPr>
-              <a:lnSpc>
-                <a:spcPct val="100000"/>
-              </a:lnSpc>
-            </a:pPr>
-            <a:r>
-              <a:rPr b="1" lang="pt-BR" sz="5400" spc="-1" strike="noStrike">
-                <a:solidFill>
-                  <a:srgbClr val="002060"/>
-                </a:solidFill>
-                <a:latin typeface="Overpass"/>
-                <a:ea typeface="Overpass"/>
-              </a:rPr>
-              <a:t>Let’s Work</a:t>
-            </a:r>
-            <a:endParaRPr b="0" lang="pt-BR" sz="5400" spc="-1" strike="noStrike">
-              <a:solidFill>
-                <a:srgbClr val="000000"/>
-              </a:solidFill>
-              <a:latin typeface="Arial"/>
-            </a:endParaRPr>
-          </a:p>
-        </p:txBody>
-      </p:sp>
-      <p:pic>
-        <p:nvPicPr>
-          <p:cNvPr id="253" name="Imagem 43" descr=""/>
-          <p:cNvPicPr/>
-          <p:nvPr/>
-        </p:nvPicPr>
-        <p:blipFill>
-          <a:blip r:embed="rId1"/>
-          <a:stretch/>
-        </p:blipFill>
-        <p:spPr>
-          <a:xfrm rot="5400000">
-            <a:off x="7715880" y="-111600"/>
-            <a:ext cx="2972520" cy="3196440"/>
-          </a:xfrm>
-          <a:prstGeom prst="rect">
-            <a:avLst/>
-          </a:prstGeom>
-          <a:ln w="0">
-            <a:noFill/>
-          </a:ln>
-        </p:spPr>
-      </p:pic>
-      <p:sp>
-        <p:nvSpPr>
-          <p:cNvPr id="254" name="CaixaDeTexto 42"/>
-          <p:cNvSpPr/>
-          <p:nvPr/>
-        </p:nvSpPr>
-        <p:spPr>
-          <a:xfrm>
-            <a:off x="180000" y="900000"/>
-            <a:ext cx="7418160" cy="3243240"/>
-          </a:xfrm>
-          <a:prstGeom prst="rect">
-            <a:avLst/>
-          </a:prstGeom>
-          <a:noFill/>
-          <a:ln w="0">
-            <a:noFill/>
-          </a:ln>
-        </p:spPr>
-        <p:style>
-          <a:lnRef idx="0"/>
-          <a:fillRef idx="0"/>
-          <a:effectRef idx="0"/>
-          <a:fontRef idx="minor"/>
-        </p:style>
-        <p:txBody>
-          <a:bodyPr lIns="90000" rIns="90000" tIns="45000" bIns="45000" anchor="t">
-            <a:spAutoFit/>
-          </a:bodyPr>
-          <a:p>
-            <a:pPr marL="216000" indent="-216000" algn="just">
-              <a:lnSpc>
-                <a:spcPct val="115000"/>
-              </a:lnSpc>
-              <a:buClr>
-                <a:srgbClr val="000000"/>
-              </a:buClr>
-              <a:buFont typeface="Arial"/>
-              <a:buChar char="●"/>
-            </a:pPr>
-            <a:r>
-              <a:rPr b="0" lang="pt-BR" sz="1800" spc="-1" strike="noStrike">
-                <a:solidFill>
-                  <a:srgbClr val="01498e"/>
-                </a:solidFill>
-                <a:latin typeface="Arial"/>
-                <a:ea typeface="Calibri"/>
-              </a:rPr>
-              <a:t>Problema 4:</a:t>
-            </a:r>
-            <a:endParaRPr b="0" lang="pt-BR" sz="1800" spc="-1" strike="noStrike">
-              <a:solidFill>
-                <a:srgbClr val="000000"/>
-              </a:solidFill>
-              <a:latin typeface="Arial"/>
-            </a:endParaRPr>
-          </a:p>
-          <a:p>
-            <a:pPr lvl="1" marL="673200" indent="-216000" algn="just">
-              <a:lnSpc>
-                <a:spcPct val="115000"/>
-              </a:lnSpc>
-              <a:buClr>
-                <a:srgbClr val="000000"/>
-              </a:buClr>
-              <a:buFont typeface="Arial"/>
-              <a:buChar char="●"/>
-            </a:pPr>
-            <a:r>
-              <a:rPr b="0" lang="pt-BR" sz="1800" spc="-1" strike="noStrike">
-                <a:solidFill>
-                  <a:srgbClr val="01498e"/>
-                </a:solidFill>
-                <a:latin typeface="Arial"/>
-                <a:ea typeface="Calibri"/>
-              </a:rPr>
-              <a:t>Crie uma classe ContaBancaria com:</a:t>
-            </a:r>
-            <a:endParaRPr b="0" lang="pt-BR" sz="1800" spc="-1" strike="noStrike">
-              <a:solidFill>
-                <a:srgbClr val="000000"/>
-              </a:solidFill>
-              <a:latin typeface="Arial"/>
-            </a:endParaRPr>
-          </a:p>
-          <a:p>
-            <a:pPr lvl="2" marL="1130400" indent="-216000" algn="just">
-              <a:lnSpc>
-                <a:spcPct val="115000"/>
-              </a:lnSpc>
-              <a:buClr>
-                <a:srgbClr val="000000"/>
-              </a:buClr>
-              <a:buFont typeface="Arial"/>
-              <a:buChar char="●"/>
-            </a:pPr>
-            <a:r>
-              <a:rPr b="0" lang="pt-BR" sz="1800" spc="-1" strike="noStrike">
-                <a:solidFill>
-                  <a:srgbClr val="01498e"/>
-                </a:solidFill>
-                <a:latin typeface="Arial"/>
-                <a:ea typeface="Calibri"/>
-              </a:rPr>
-              <a:t>Atributo privado saldo (inicial 0).</a:t>
-            </a:r>
-            <a:endParaRPr b="0" lang="pt-BR" sz="1800" spc="-1" strike="noStrike">
-              <a:solidFill>
-                <a:srgbClr val="000000"/>
-              </a:solidFill>
-              <a:latin typeface="Arial"/>
-            </a:endParaRPr>
-          </a:p>
-          <a:p>
-            <a:pPr lvl="2" marL="1130400" indent="-216000" algn="just">
-              <a:lnSpc>
-                <a:spcPct val="115000"/>
-              </a:lnSpc>
-              <a:buClr>
-                <a:srgbClr val="000000"/>
-              </a:buClr>
-              <a:buFont typeface="Arial"/>
-              <a:buChar char="●"/>
-            </a:pPr>
-            <a:r>
-              <a:rPr b="0" lang="pt-BR" sz="1800" spc="-1" strike="noStrike">
-                <a:solidFill>
-                  <a:srgbClr val="01498e"/>
-                </a:solidFill>
-                <a:latin typeface="Arial"/>
-                <a:ea typeface="Calibri"/>
-              </a:rPr>
-              <a:t>Método depositar(valor) que adiciona ao saldo.</a:t>
-            </a:r>
-            <a:endParaRPr b="0" lang="pt-BR" sz="1800" spc="-1" strike="noStrike">
-              <a:solidFill>
-                <a:srgbClr val="000000"/>
-              </a:solidFill>
-              <a:latin typeface="Arial"/>
-            </a:endParaRPr>
-          </a:p>
-          <a:p>
-            <a:pPr lvl="2" marL="1130400" indent="-216000" algn="just">
-              <a:lnSpc>
-                <a:spcPct val="115000"/>
-              </a:lnSpc>
-              <a:buClr>
-                <a:srgbClr val="000000"/>
-              </a:buClr>
-              <a:buFont typeface="Arial"/>
-              <a:buChar char="●"/>
-            </a:pPr>
-            <a:r>
-              <a:rPr b="0" lang="pt-BR" sz="1800" spc="-1" strike="noStrike">
-                <a:solidFill>
-                  <a:srgbClr val="01498e"/>
-                </a:solidFill>
-                <a:latin typeface="Arial"/>
-                <a:ea typeface="Calibri"/>
-              </a:rPr>
-              <a:t>Método sacar(valor) que verifica se há saldo suficiente.</a:t>
-            </a:r>
-            <a:endParaRPr b="0" lang="pt-BR" sz="1800" spc="-1" strike="noStrike">
-              <a:solidFill>
-                <a:srgbClr val="000000"/>
-              </a:solidFill>
-              <a:latin typeface="Arial"/>
-            </a:endParaRPr>
-          </a:p>
-          <a:p>
-            <a:pPr lvl="2" marL="1130400" indent="-216000" algn="just">
-              <a:lnSpc>
-                <a:spcPct val="115000"/>
-              </a:lnSpc>
-              <a:buClr>
-                <a:srgbClr val="000000"/>
-              </a:buClr>
-              <a:buFont typeface="Arial"/>
-              <a:buChar char="●"/>
-            </a:pPr>
-            <a:r>
-              <a:rPr b="0" lang="pt-BR" sz="1800" spc="-1" strike="noStrike">
-                <a:solidFill>
-                  <a:srgbClr val="01498e"/>
-                </a:solidFill>
-                <a:latin typeface="Arial"/>
-                <a:ea typeface="Calibri"/>
-              </a:rPr>
-              <a:t>Método ver_saldo() que retorna o saldo.</a:t>
-            </a:r>
-            <a:endParaRPr b="0" lang="pt-BR" sz="1800" spc="-1" strike="noStrike">
-              <a:solidFill>
-                <a:srgbClr val="000000"/>
-              </a:solidFill>
-              <a:latin typeface="Arial"/>
-            </a:endParaRPr>
-          </a:p>
-          <a:p>
-            <a:pPr algn="just">
-              <a:lnSpc>
-                <a:spcPct val="115000"/>
-              </a:lnSpc>
-            </a:pPr>
-            <a:endParaRPr b="0" lang="pt-BR" sz="1800" spc="-1" strike="noStrike">
-              <a:solidFill>
-                <a:srgbClr val="000000"/>
-              </a:solidFill>
-              <a:latin typeface="Arial"/>
-            </a:endParaRPr>
-          </a:p>
-          <a:p>
-            <a:pPr algn="just">
-              <a:lnSpc>
-                <a:spcPct val="115000"/>
-              </a:lnSpc>
-            </a:pPr>
-            <a:endParaRPr b="0" lang="pt-BR" sz="1800" spc="-1" strike="noStrike">
-              <a:solidFill>
-                <a:srgbClr val="000000"/>
-              </a:solidFill>
-              <a:latin typeface="Arial"/>
-            </a:endParaRPr>
-          </a:p>
-          <a:p>
-            <a:pPr algn="just">
-              <a:lnSpc>
-                <a:spcPct val="115000"/>
-              </a:lnSpc>
-            </a:pPr>
-            <a:endParaRPr b="0" lang="pt-BR" sz="1800" spc="-1" strike="noStrike">
-              <a:solidFill>
-                <a:srgbClr val="000000"/>
-              </a:solidFill>
-              <a:latin typeface="Arial"/>
-            </a:endParaRPr>
-          </a:p>
-          <a:p>
-            <a:pPr algn="just">
-              <a:lnSpc>
-                <a:spcPct val="115000"/>
-              </a:lnSpc>
-            </a:pPr>
-            <a:endParaRPr b="0" lang="pt-BR" sz="1800" spc="-1" strike="noStrike">
-              <a:solidFill>
-                <a:srgbClr val="000000"/>
-              </a:solidFill>
-              <a:latin typeface="Arial"/>
-            </a:endParaRPr>
-          </a:p>
-        </p:txBody>
-      </p:sp>
-      <p:pic>
-        <p:nvPicPr>
-          <p:cNvPr id="255" name="Imagem 175" descr=""/>
-          <p:cNvPicPr/>
-          <p:nvPr/>
-        </p:nvPicPr>
-        <p:blipFill>
-          <a:blip r:embed="rId2"/>
-          <a:stretch/>
-        </p:blipFill>
-        <p:spPr>
-          <a:xfrm>
-            <a:off x="180000" y="3365280"/>
-            <a:ext cx="6825600" cy="1492200"/>
-          </a:xfrm>
-          <a:prstGeom prst="rect">
-            <a:avLst/>
-          </a:prstGeom>
-          <a:ln w="0">
-            <a:noFill/>
-          </a:ln>
-        </p:spPr>
-      </p:pic>
-    </p:spTree>
-  </p:cSld>
-  <mc:AlternateContent>
-    <mc:Choice Requires="p14">
-      <p:transition spd="slow" p14:dur="2000"/>
-    </mc:Choice>
-    <mc:Fallback>
-      <p:transition spd="slow"/>
-    </mc:Fallback>
-  </mc:AlternateContent>
-</p:sld>
-</file>
-
-<file path=ppt/slides/slide36.xml><?xml version="1.0" encoding="utf-8"?>
-<p:sld xmlns:a="http://schemas.openxmlformats.org/drawingml/2006/main" xmlns:p="http://schemas.openxmlformats.org/presentationml/2006/main" xmlns:r="http://schemas.openxmlformats.org/officeDocument/2006/relationships" xmlns:p14="http://schemas.microsoft.com/office/powerpoint/2010/main" xmlns:p15="http://schemas.microsoft.com/office/powerpoint/2012/main" xmlns:mc="http://schemas.openxmlformats.org/markup-compatibility/2006">
-  <p:cSld>
-    <p:spTree>
-      <p:nvGrpSpPr>
-        <p:cNvPr id="1" name=""/>
-        <p:cNvGrpSpPr/>
-        <p:nvPr/>
-      </p:nvGrpSpPr>
-      <p:grpSpPr>
-        <a:xfrm>
-          <a:off x="0" y="0"/>
-          <a:ext cx="0" cy="0"/>
-          <a:chOff x="0" y="0"/>
-          <a:chExt cx="0" cy="0"/>
-        </a:xfrm>
-      </p:grpSpPr>
-      <p:pic>
-        <p:nvPicPr>
-          <p:cNvPr id="256" name="Imagem 2" descr=""/>
-          <p:cNvPicPr/>
-          <p:nvPr/>
-        </p:nvPicPr>
-        <p:blipFill>
-          <a:blip r:embed="rId1"/>
-          <a:stretch/>
-        </p:blipFill>
-        <p:spPr>
-          <a:xfrm>
-            <a:off x="1864080" y="0"/>
-            <a:ext cx="5413320" cy="5140800"/>
-          </a:xfrm>
-          <a:prstGeom prst="rect">
-            <a:avLst/>
-          </a:prstGeom>
-          <a:ln w="0">
-            <a:noFill/>
-          </a:ln>
-        </p:spPr>
-      </p:pic>
-    </p:spTree>
-  </p:cSld>
-  <mc:AlternateContent>
-    <mc:Choice Requires="p14">
-      <p:transition spd="slow" p14:dur="2000"/>
-    </mc:Choice>
-    <mc:Fallback>
-      <p:transition spd="slow"/>
-    </mc:Fallback>
-  </mc:AlternateContent>
-</p:sld>
-</file>
-
-<file path=ppt/slides/slide37.xml><?xml version="1.0" encoding="utf-8"?>
-<p:sld xmlns:a="http://schemas.openxmlformats.org/drawingml/2006/main" xmlns:p="http://schemas.openxmlformats.org/presentationml/2006/main" xmlns:r="http://schemas.openxmlformats.org/officeDocument/2006/relationships" xmlns:p14="http://schemas.microsoft.com/office/powerpoint/2010/main" xmlns:p15="http://schemas.microsoft.com/office/powerpoint/2012/main" xmlns:mc="http://schemas.openxmlformats.org/markup-compatibility/2006">
-  <p:cSld>
-    <p:spTree>
-      <p:nvGrpSpPr>
-        <p:cNvPr id="1" name=""/>
-        <p:cNvGrpSpPr/>
-        <p:nvPr/>
-      </p:nvGrpSpPr>
-      <p:grpSpPr>
-        <a:xfrm>
-          <a:off x="0" y="0"/>
-          <a:ext cx="0" cy="0"/>
-          <a:chOff x="0" y="0"/>
-          <a:chExt cx="0" cy="0"/>
-        </a:xfrm>
-      </p:grpSpPr>
-      <p:sp>
-        <p:nvSpPr>
-          <p:cNvPr id="257" name="Título 8"/>
-          <p:cNvSpPr/>
-          <p:nvPr/>
-        </p:nvSpPr>
-        <p:spPr>
-          <a:xfrm>
-            <a:off x="291960" y="32040"/>
-            <a:ext cx="5586120" cy="898560"/>
-          </a:xfrm>
-          <a:prstGeom prst="rect">
-            <a:avLst/>
-          </a:prstGeom>
-          <a:noFill/>
-          <a:ln w="0">
-            <a:noFill/>
-          </a:ln>
-        </p:spPr>
-        <p:style>
-          <a:lnRef idx="0"/>
-          <a:fillRef idx="0"/>
-          <a:effectRef idx="0"/>
-          <a:fontRef idx="minor"/>
-        </p:style>
-        <p:txBody>
-          <a:bodyPr lIns="90000" rIns="90000" tIns="91440" bIns="91440" anchor="t">
-            <a:noAutofit/>
-          </a:bodyPr>
-          <a:p>
-            <a:pPr>
-              <a:lnSpc>
-                <a:spcPct val="100000"/>
-              </a:lnSpc>
-            </a:pPr>
-            <a:r>
-              <a:rPr b="1" lang="pt-BR" sz="5400" spc="-1" strike="noStrike">
-                <a:solidFill>
-                  <a:srgbClr val="002060"/>
-                </a:solidFill>
-                <a:latin typeface="Overpass"/>
-                <a:ea typeface="Overpass"/>
-              </a:rPr>
-              <a:t>Let’s Work</a:t>
-            </a:r>
-            <a:endParaRPr b="0" lang="pt-BR" sz="5400" spc="-1" strike="noStrike">
-              <a:solidFill>
-                <a:srgbClr val="000000"/>
-              </a:solidFill>
-              <a:latin typeface="Arial"/>
-            </a:endParaRPr>
-          </a:p>
-        </p:txBody>
-      </p:sp>
-      <p:pic>
-        <p:nvPicPr>
-          <p:cNvPr id="258" name="Imagem 12" descr=""/>
-          <p:cNvPicPr/>
-          <p:nvPr/>
-        </p:nvPicPr>
-        <p:blipFill>
-          <a:blip r:embed="rId1"/>
-          <a:stretch/>
-        </p:blipFill>
-        <p:spPr>
-          <a:xfrm rot="5400000">
-            <a:off x="7715880" y="-111600"/>
-            <a:ext cx="2972520" cy="3196440"/>
-          </a:xfrm>
-          <a:prstGeom prst="rect">
-            <a:avLst/>
-          </a:prstGeom>
-          <a:ln w="0">
-            <a:noFill/>
-          </a:ln>
-        </p:spPr>
-      </p:pic>
-      <p:sp>
-        <p:nvSpPr>
-          <p:cNvPr id="259" name="CaixaDeTexto 7"/>
-          <p:cNvSpPr/>
-          <p:nvPr/>
-        </p:nvSpPr>
-        <p:spPr>
-          <a:xfrm>
-            <a:off x="180000" y="900000"/>
-            <a:ext cx="7418160" cy="2612520"/>
-          </a:xfrm>
-          <a:prstGeom prst="rect">
-            <a:avLst/>
-          </a:prstGeom>
-          <a:noFill/>
-          <a:ln w="0">
-            <a:noFill/>
-          </a:ln>
-        </p:spPr>
-        <p:style>
-          <a:lnRef idx="0"/>
-          <a:fillRef idx="0"/>
-          <a:effectRef idx="0"/>
-          <a:fontRef idx="minor"/>
-        </p:style>
-        <p:txBody>
-          <a:bodyPr lIns="90000" rIns="90000" tIns="45000" bIns="45000" anchor="t">
-            <a:spAutoFit/>
-          </a:bodyPr>
-          <a:p>
-            <a:pPr marL="216000" indent="-216000" algn="just">
-              <a:lnSpc>
-                <a:spcPct val="115000"/>
-              </a:lnSpc>
-              <a:buClr>
-                <a:srgbClr val="000000"/>
-              </a:buClr>
-              <a:buFont typeface="Arial"/>
-              <a:buChar char="●"/>
-            </a:pPr>
-            <a:r>
-              <a:rPr b="0" lang="pt-BR" sz="1800" spc="-1" strike="noStrike">
-                <a:solidFill>
-                  <a:srgbClr val="01498e"/>
-                </a:solidFill>
-                <a:latin typeface="Arial"/>
-                <a:ea typeface="Calibri"/>
-              </a:rPr>
-              <a:t>Problema 5:</a:t>
-            </a:r>
-            <a:endParaRPr b="0" lang="pt-BR" sz="1800" spc="-1" strike="noStrike">
-              <a:solidFill>
-                <a:srgbClr val="000000"/>
-              </a:solidFill>
-              <a:latin typeface="Arial"/>
-            </a:endParaRPr>
-          </a:p>
-          <a:p>
-            <a:pPr lvl="1" marL="673200" indent="-216000" algn="just">
-              <a:lnSpc>
-                <a:spcPct val="115000"/>
-              </a:lnSpc>
-              <a:buClr>
-                <a:srgbClr val="000000"/>
-              </a:buClr>
-              <a:buFont typeface="Arial"/>
-              <a:buChar char="●"/>
-            </a:pPr>
-            <a:r>
-              <a:rPr b="0" lang="pt-BR" sz="1800" spc="-1" strike="noStrike">
-                <a:solidFill>
-                  <a:srgbClr val="01498e"/>
-                </a:solidFill>
-                <a:latin typeface="Arial"/>
-                <a:ea typeface="Calibri"/>
-              </a:rPr>
-              <a:t>Atualize a classe conta bancaria para levantar erros usando </a:t>
-            </a:r>
-            <a:r>
-              <a:rPr b="0" lang="pt-BR" sz="1800" spc="-1" strike="noStrike">
-                <a:solidFill>
-                  <a:srgbClr val="01498e"/>
-                </a:solidFill>
-                <a:highlight>
-                  <a:srgbClr val="ffff00"/>
-                </a:highlight>
-                <a:latin typeface="Arial"/>
-                <a:ea typeface="Calibri"/>
-              </a:rPr>
-              <a:t>raise ValueError(“msg”)</a:t>
-            </a:r>
-            <a:r>
-              <a:rPr b="0" lang="pt-BR" sz="1800" spc="-1" strike="noStrike">
-                <a:solidFill>
-                  <a:srgbClr val="01498e"/>
-                </a:solidFill>
-                <a:latin typeface="Arial"/>
-                <a:ea typeface="Calibri"/>
-              </a:rPr>
-              <a:t> em caso de erros (valor negativo ou s/ saldo)</a:t>
-            </a:r>
-            <a:endParaRPr b="0" lang="pt-BR" sz="1800" spc="-1" strike="noStrike">
-              <a:solidFill>
-                <a:srgbClr val="000000"/>
-              </a:solidFill>
-              <a:latin typeface="Arial"/>
-            </a:endParaRPr>
-          </a:p>
-          <a:p>
-            <a:pPr algn="just">
-              <a:lnSpc>
-                <a:spcPct val="115000"/>
-              </a:lnSpc>
-            </a:pPr>
-            <a:endParaRPr b="0" lang="pt-BR" sz="1800" spc="-1" strike="noStrike">
-              <a:solidFill>
-                <a:srgbClr val="000000"/>
-              </a:solidFill>
-              <a:latin typeface="Arial"/>
-            </a:endParaRPr>
-          </a:p>
-          <a:p>
-            <a:pPr algn="just">
-              <a:lnSpc>
-                <a:spcPct val="115000"/>
-              </a:lnSpc>
-            </a:pPr>
-            <a:endParaRPr b="0" lang="pt-BR" sz="1800" spc="-1" strike="noStrike">
-              <a:solidFill>
-                <a:srgbClr val="000000"/>
-              </a:solidFill>
-              <a:latin typeface="Arial"/>
-            </a:endParaRPr>
-          </a:p>
-          <a:p>
-            <a:pPr algn="just">
-              <a:lnSpc>
-                <a:spcPct val="115000"/>
-              </a:lnSpc>
-            </a:pPr>
-            <a:endParaRPr b="0" lang="pt-BR" sz="1800" spc="-1" strike="noStrike">
-              <a:solidFill>
-                <a:srgbClr val="000000"/>
-              </a:solidFill>
-              <a:latin typeface="Arial"/>
-            </a:endParaRPr>
-          </a:p>
-          <a:p>
-            <a:pPr algn="just">
-              <a:lnSpc>
-                <a:spcPct val="115000"/>
-              </a:lnSpc>
-            </a:pPr>
-            <a:endParaRPr b="0" lang="pt-BR" sz="1800" spc="-1" strike="noStrike">
-              <a:solidFill>
-                <a:srgbClr val="000000"/>
-              </a:solidFill>
-              <a:latin typeface="Arial"/>
-            </a:endParaRPr>
-          </a:p>
-        </p:txBody>
-      </p:sp>
-      <p:pic>
-        <p:nvPicPr>
-          <p:cNvPr id="260" name="Imagem 180" descr=""/>
-          <p:cNvPicPr/>
-          <p:nvPr/>
-        </p:nvPicPr>
-        <p:blipFill>
-          <a:blip r:embed="rId2"/>
-          <a:stretch/>
-        </p:blipFill>
-        <p:spPr>
-          <a:xfrm>
-            <a:off x="360000" y="2520000"/>
-            <a:ext cx="6787440" cy="2082600"/>
-          </a:xfrm>
-          <a:prstGeom prst="rect">
-            <a:avLst/>
-          </a:prstGeom>
-          <a:ln w="0">
-            <a:noFill/>
-          </a:ln>
-        </p:spPr>
-      </p:pic>
-    </p:spTree>
-  </p:cSld>
-  <mc:AlternateContent>
-    <mc:Choice Requires="p14">
-      <p:transition spd="slow" p14:dur="2000"/>
-    </mc:Choice>
-    <mc:Fallback>
-      <p:transition spd="slow"/>
-    </mc:Fallback>
-  </mc:AlternateContent>
-</p:sld>
-</file>
-
-<file path=ppt/slides/slide38.xml><?xml version="1.0" encoding="utf-8"?>
-<p:sld xmlns:a="http://schemas.openxmlformats.org/drawingml/2006/main" xmlns:p="http://schemas.openxmlformats.org/presentationml/2006/main" xmlns:r="http://schemas.openxmlformats.org/officeDocument/2006/relationships" xmlns:p14="http://schemas.microsoft.com/office/powerpoint/2010/main" xmlns:p15="http://schemas.microsoft.com/office/powerpoint/2012/main" xmlns:mc="http://schemas.openxmlformats.org/markup-compatibility/2006">
-  <p:cSld>
-    <p:spTree>
-      <p:nvGrpSpPr>
-        <p:cNvPr id="1" name=""/>
-        <p:cNvGrpSpPr/>
-        <p:nvPr/>
-      </p:nvGrpSpPr>
-      <p:grpSpPr>
-        <a:xfrm>
-          <a:off x="0" y="0"/>
-          <a:ext cx="0" cy="0"/>
-          <a:chOff x="0" y="0"/>
-          <a:chExt cx="0" cy="0"/>
-        </a:xfrm>
-      </p:grpSpPr>
-      <p:sp>
-        <p:nvSpPr>
-          <p:cNvPr id="261" name="Título 9"/>
-          <p:cNvSpPr/>
-          <p:nvPr/>
-        </p:nvSpPr>
-        <p:spPr>
-          <a:xfrm>
-            <a:off x="291960" y="32040"/>
-            <a:ext cx="5586120" cy="898560"/>
-          </a:xfrm>
-          <a:prstGeom prst="rect">
-            <a:avLst/>
-          </a:prstGeom>
-          <a:noFill/>
-          <a:ln w="0">
-            <a:noFill/>
-          </a:ln>
-        </p:spPr>
-        <p:style>
-          <a:lnRef idx="0"/>
-          <a:fillRef idx="0"/>
-          <a:effectRef idx="0"/>
-          <a:fontRef idx="minor"/>
-        </p:style>
-        <p:txBody>
-          <a:bodyPr lIns="90000" rIns="90000" tIns="91440" bIns="91440" anchor="t">
-            <a:noAutofit/>
-          </a:bodyPr>
-          <a:p>
-            <a:pPr>
-              <a:lnSpc>
-                <a:spcPct val="100000"/>
-              </a:lnSpc>
-            </a:pPr>
-            <a:r>
-              <a:rPr b="1" lang="pt-BR" sz="5400" spc="-1" strike="noStrike">
-                <a:solidFill>
-                  <a:srgbClr val="002060"/>
-                </a:solidFill>
-                <a:latin typeface="Overpass"/>
-                <a:ea typeface="Overpass"/>
-              </a:rPr>
-              <a:t>Let’s Work</a:t>
-            </a:r>
-            <a:endParaRPr b="0" lang="pt-BR" sz="5400" spc="-1" strike="noStrike">
-              <a:solidFill>
-                <a:srgbClr val="000000"/>
-              </a:solidFill>
-              <a:latin typeface="Arial"/>
-            </a:endParaRPr>
-          </a:p>
-        </p:txBody>
-      </p:sp>
-      <p:pic>
-        <p:nvPicPr>
-          <p:cNvPr id="262" name="Imagem 13" descr=""/>
-          <p:cNvPicPr/>
-          <p:nvPr/>
-        </p:nvPicPr>
-        <p:blipFill>
-          <a:blip r:embed="rId1"/>
-          <a:stretch/>
-        </p:blipFill>
-        <p:spPr>
-          <a:xfrm rot="5400000">
-            <a:off x="7715880" y="-111600"/>
-            <a:ext cx="2972520" cy="3196440"/>
-          </a:xfrm>
-          <a:prstGeom prst="rect">
-            <a:avLst/>
-          </a:prstGeom>
-          <a:ln w="0">
-            <a:noFill/>
-          </a:ln>
-        </p:spPr>
-      </p:pic>
-      <p:sp>
-        <p:nvSpPr>
-          <p:cNvPr id="263" name="CaixaDeTexto 8"/>
-          <p:cNvSpPr/>
-          <p:nvPr/>
-        </p:nvSpPr>
-        <p:spPr>
-          <a:xfrm>
-            <a:off x="180000" y="720000"/>
-            <a:ext cx="7418160" cy="1981800"/>
-          </a:xfrm>
-          <a:prstGeom prst="rect">
-            <a:avLst/>
-          </a:prstGeom>
-          <a:noFill/>
-          <a:ln w="0">
-            <a:noFill/>
-          </a:ln>
-        </p:spPr>
-        <p:style>
-          <a:lnRef idx="0"/>
-          <a:fillRef idx="0"/>
-          <a:effectRef idx="0"/>
-          <a:fontRef idx="minor"/>
-        </p:style>
-        <p:txBody>
-          <a:bodyPr lIns="90000" rIns="90000" tIns="45000" bIns="45000" anchor="t">
-            <a:spAutoFit/>
-          </a:bodyPr>
-          <a:p>
-            <a:pPr marL="216000" indent="-216000" algn="just">
-              <a:lnSpc>
-                <a:spcPct val="115000"/>
-              </a:lnSpc>
-              <a:buClr>
-                <a:srgbClr val="000000"/>
-              </a:buClr>
-              <a:buFont typeface="Arial"/>
-              <a:buChar char="●"/>
-            </a:pPr>
-            <a:r>
-              <a:rPr b="0" lang="pt-BR" sz="1800" spc="-1" strike="noStrike">
-                <a:solidFill>
-                  <a:srgbClr val="01498e"/>
-                </a:solidFill>
-                <a:latin typeface="Arial"/>
-                <a:ea typeface="Calibri"/>
-              </a:rPr>
-              <a:t>Problema 6:</a:t>
-            </a:r>
-            <a:endParaRPr b="0" lang="pt-BR" sz="1800" spc="-1" strike="noStrike">
-              <a:solidFill>
-                <a:srgbClr val="000000"/>
-              </a:solidFill>
-              <a:latin typeface="Arial"/>
-            </a:endParaRPr>
-          </a:p>
-          <a:p>
-            <a:pPr lvl="1" marL="673200" indent="-216000" algn="just">
-              <a:lnSpc>
-                <a:spcPct val="115000"/>
-              </a:lnSpc>
-              <a:buClr>
-                <a:srgbClr val="000000"/>
-              </a:buClr>
-              <a:buFont typeface="Arial"/>
-              <a:buChar char="●"/>
-            </a:pPr>
-            <a:r>
-              <a:rPr b="0" lang="pt-BR" sz="1800" spc="-1" strike="noStrike">
-                <a:solidFill>
-                  <a:srgbClr val="01498e"/>
-                </a:solidFill>
-                <a:latin typeface="Arial"/>
-                <a:ea typeface="Calibri"/>
-              </a:rPr>
-              <a:t>Atualize a classe ContaBancaria, agora com </a:t>
-            </a:r>
-            <a:endParaRPr b="0" lang="pt-BR" sz="1800" spc="-1" strike="noStrike">
-              <a:solidFill>
-                <a:srgbClr val="000000"/>
-              </a:solidFill>
-              <a:latin typeface="Arial"/>
-            </a:endParaRPr>
-          </a:p>
-          <a:p>
-            <a:pPr lvl="3" marL="864000" indent="-216000" algn="just">
-              <a:lnSpc>
-                <a:spcPct val="115000"/>
-              </a:lnSpc>
-              <a:buClr>
-                <a:srgbClr val="000000"/>
-              </a:buClr>
-              <a:buSzPct val="45000"/>
-              <a:buFont typeface="Wingdings" charset="2"/>
-              <a:buChar char=""/>
-            </a:pPr>
-            <a:r>
-              <a:rPr b="0" lang="pt-BR" sz="1800" spc="-1" strike="noStrike">
-                <a:solidFill>
-                  <a:srgbClr val="01498e"/>
-                </a:solidFill>
-                <a:latin typeface="Arial"/>
-                <a:ea typeface="Calibri"/>
-              </a:rPr>
-              <a:t>histórico de movim. (valor, data e hora, observação, tipo)</a:t>
-            </a:r>
-            <a:endParaRPr b="0" lang="pt-BR" sz="1800" spc="-1" strike="noStrike">
-              <a:solidFill>
-                <a:srgbClr val="000000"/>
-              </a:solidFill>
-              <a:latin typeface="Arial"/>
-            </a:endParaRPr>
-          </a:p>
-          <a:p>
-            <a:pPr lvl="3" marL="864000" indent="-216000" algn="just">
-              <a:lnSpc>
-                <a:spcPct val="115000"/>
-              </a:lnSpc>
-              <a:buClr>
-                <a:srgbClr val="000000"/>
-              </a:buClr>
-              <a:buSzPct val="45000"/>
-              <a:buFont typeface="Wingdings" charset="2"/>
-              <a:buChar char=""/>
-            </a:pPr>
-            <a:r>
-              <a:rPr b="0" lang="pt-BR" sz="1800" spc="-1" strike="noStrike">
-                <a:solidFill>
-                  <a:srgbClr val="01498e"/>
-                </a:solidFill>
-                <a:latin typeface="Arial"/>
-                <a:ea typeface="Calibri"/>
-              </a:rPr>
-              <a:t>método extrato()</a:t>
-            </a:r>
-            <a:endParaRPr b="0" lang="pt-BR" sz="1800" spc="-1" strike="noStrike">
-              <a:solidFill>
-                <a:srgbClr val="000000"/>
-              </a:solidFill>
-              <a:latin typeface="Arial"/>
-            </a:endParaRPr>
-          </a:p>
-          <a:p>
-            <a:pPr algn="just">
-              <a:lnSpc>
-                <a:spcPct val="115000"/>
-              </a:lnSpc>
-            </a:pPr>
-            <a:endParaRPr b="0" lang="pt-BR" sz="1800" spc="-1" strike="noStrike">
-              <a:solidFill>
-                <a:srgbClr val="000000"/>
-              </a:solidFill>
-              <a:latin typeface="Arial"/>
-            </a:endParaRPr>
-          </a:p>
-          <a:p>
-            <a:pPr algn="just">
-              <a:lnSpc>
-                <a:spcPct val="115000"/>
-              </a:lnSpc>
-            </a:pPr>
-            <a:endParaRPr b="0" lang="pt-BR" sz="1800" spc="-1" strike="noStrike">
-              <a:solidFill>
-                <a:srgbClr val="000000"/>
-              </a:solidFill>
-              <a:latin typeface="Arial"/>
-            </a:endParaRPr>
-          </a:p>
-        </p:txBody>
-      </p:sp>
-    </p:spTree>
-  </p:cSld>
-  <mc:AlternateContent>
-    <mc:Choice Requires="p14">
-      <p:transition spd="slow" p14:dur="2000"/>
-    </mc:Choice>
-    <mc:Fallback>
-      <p:transition spd="slow"/>
-    </mc:Fallback>
-  </mc:AlternateContent>
-</p:sld>
-</file>
-
-<file path=ppt/slides/slide39.xml><?xml version="1.0" encoding="utf-8"?>
-<p:sld xmlns:a="http://schemas.openxmlformats.org/drawingml/2006/main" xmlns:p="http://schemas.openxmlformats.org/presentationml/2006/main" xmlns:r="http://schemas.openxmlformats.org/officeDocument/2006/relationships" xmlns:p14="http://schemas.microsoft.com/office/powerpoint/2010/main" xmlns:p15="http://schemas.microsoft.com/office/powerpoint/2012/main" xmlns:mc="http://schemas.openxmlformats.org/markup-compatibility/2006">
-  <p:cSld>
-    <p:spTree>
-      <p:nvGrpSpPr>
-        <p:cNvPr id="1" name=""/>
-        <p:cNvGrpSpPr/>
-        <p:nvPr/>
-      </p:nvGrpSpPr>
-      <p:grpSpPr>
-        <a:xfrm>
-          <a:off x="0" y="0"/>
-          <a:ext cx="0" cy="0"/>
-          <a:chOff x="0" y="0"/>
-          <a:chExt cx="0" cy="0"/>
-        </a:xfrm>
-      </p:grpSpPr>
-      <p:pic>
-        <p:nvPicPr>
-          <p:cNvPr id="264" name="Imagem 184" descr=""/>
-          <p:cNvPicPr/>
-          <p:nvPr/>
-        </p:nvPicPr>
-        <p:blipFill>
-          <a:blip r:embed="rId1"/>
-          <a:stretch/>
-        </p:blipFill>
-        <p:spPr>
-          <a:xfrm>
-            <a:off x="900000" y="670680"/>
-            <a:ext cx="7520040" cy="4186800"/>
-          </a:xfrm>
-          <a:prstGeom prst="rect">
-            <a:avLst/>
-          </a:prstGeom>
-          <a:ln w="0">
-            <a:noFill/>
-          </a:ln>
-        </p:spPr>
-      </p:pic>
-    </p:spTree>
-  </p:cSld>
-  <mc:AlternateContent>
-    <mc:Choice Requires="p14">
-      <p:transition spd="slow" p14:dur="2000"/>
-    </mc:Choice>
-    <mc:Fallback>
-      <p:transition spd="slow"/>
-    </mc:Fallback>
-  </mc:AlternateContent>
-</p:sld>
-</file>
-
 <file path=ppt/slides/slide4.xml><?xml version="1.0" encoding="utf-8"?>
 <p:sld xmlns:a="http://schemas.openxmlformats.org/drawingml/2006/main" xmlns:p="http://schemas.openxmlformats.org/presentationml/2006/main" xmlns:r="http://schemas.openxmlformats.org/officeDocument/2006/relationships" xmlns:p14="http://schemas.microsoft.com/office/powerpoint/2010/main" xmlns:p15="http://schemas.microsoft.com/office/powerpoint/2012/main" xmlns:mc="http://schemas.openxmlformats.org/markup-compatibility/2006">
   <p:cSld>
@@ -18849,841 +13496,6 @@
           </a:ln>
         </p:spPr>
       </p:pic>
-    </p:spTree>
-  </p:cSld>
-  <mc:AlternateContent>
-    <mc:Choice Requires="p14">
-      <p:transition spd="slow" p14:dur="2000"/>
-    </mc:Choice>
-    <mc:Fallback>
-      <p:transition spd="slow"/>
-    </mc:Fallback>
-  </mc:AlternateContent>
-</p:sld>
-</file>
-
-<file path=ppt/slides/slide40.xml><?xml version="1.0" encoding="utf-8"?>
-<p:sld xmlns:a="http://schemas.openxmlformats.org/drawingml/2006/main" xmlns:p="http://schemas.openxmlformats.org/presentationml/2006/main" xmlns:r="http://schemas.openxmlformats.org/officeDocument/2006/relationships" xmlns:p14="http://schemas.microsoft.com/office/powerpoint/2010/main" xmlns:p15="http://schemas.microsoft.com/office/powerpoint/2012/main" xmlns:mc="http://schemas.openxmlformats.org/markup-compatibility/2006">
-  <p:cSld>
-    <p:spTree>
-      <p:nvGrpSpPr>
-        <p:cNvPr id="1" name=""/>
-        <p:cNvGrpSpPr/>
-        <p:nvPr/>
-      </p:nvGrpSpPr>
-      <p:grpSpPr>
-        <a:xfrm>
-          <a:off x="0" y="0"/>
-          <a:ext cx="0" cy="0"/>
-          <a:chOff x="0" y="0"/>
-          <a:chExt cx="0" cy="0"/>
-        </a:xfrm>
-      </p:grpSpPr>
-      <p:sp>
-        <p:nvSpPr>
-          <p:cNvPr id="265" name="Título 7"/>
-          <p:cNvSpPr/>
-          <p:nvPr/>
-        </p:nvSpPr>
-        <p:spPr>
-          <a:xfrm>
-            <a:off x="291960" y="32040"/>
-            <a:ext cx="5586120" cy="898560"/>
-          </a:xfrm>
-          <a:prstGeom prst="rect">
-            <a:avLst/>
-          </a:prstGeom>
-          <a:noFill/>
-          <a:ln w="0">
-            <a:noFill/>
-          </a:ln>
-        </p:spPr>
-        <p:style>
-          <a:lnRef idx="0"/>
-          <a:fillRef idx="0"/>
-          <a:effectRef idx="0"/>
-          <a:fontRef idx="minor"/>
-        </p:style>
-        <p:txBody>
-          <a:bodyPr lIns="90000" rIns="90000" tIns="91440" bIns="91440" anchor="t">
-            <a:noAutofit/>
-          </a:bodyPr>
-          <a:p>
-            <a:pPr>
-              <a:lnSpc>
-                <a:spcPct val="100000"/>
-              </a:lnSpc>
-            </a:pPr>
-            <a:r>
-              <a:rPr b="1" lang="pt-BR" sz="5400" spc="-1" strike="noStrike">
-                <a:solidFill>
-                  <a:srgbClr val="002060"/>
-                </a:solidFill>
-                <a:latin typeface="Overpass"/>
-                <a:ea typeface="Overpass"/>
-              </a:rPr>
-              <a:t>Let’s Work</a:t>
-            </a:r>
-            <a:endParaRPr b="0" lang="pt-BR" sz="5400" spc="-1" strike="noStrike">
-              <a:solidFill>
-                <a:srgbClr val="000000"/>
-              </a:solidFill>
-              <a:latin typeface="Arial"/>
-            </a:endParaRPr>
-          </a:p>
-        </p:txBody>
-      </p:sp>
-      <p:pic>
-        <p:nvPicPr>
-          <p:cNvPr id="266" name="Imagem 11" descr=""/>
-          <p:cNvPicPr/>
-          <p:nvPr/>
-        </p:nvPicPr>
-        <p:blipFill>
-          <a:blip r:embed="rId1"/>
-          <a:stretch/>
-        </p:blipFill>
-        <p:spPr>
-          <a:xfrm rot="5400000">
-            <a:off x="7715880" y="-111600"/>
-            <a:ext cx="2972520" cy="3196440"/>
-          </a:xfrm>
-          <a:prstGeom prst="rect">
-            <a:avLst/>
-          </a:prstGeom>
-          <a:ln w="0">
-            <a:noFill/>
-          </a:ln>
-        </p:spPr>
-      </p:pic>
-      <p:sp>
-        <p:nvSpPr>
-          <p:cNvPr id="267" name="CaixaDeTexto 6"/>
-          <p:cNvSpPr/>
-          <p:nvPr/>
-        </p:nvSpPr>
-        <p:spPr>
-          <a:xfrm>
-            <a:off x="180000" y="720000"/>
-            <a:ext cx="7418160" cy="1981800"/>
-          </a:xfrm>
-          <a:prstGeom prst="rect">
-            <a:avLst/>
-          </a:prstGeom>
-          <a:noFill/>
-          <a:ln w="0">
-            <a:noFill/>
-          </a:ln>
-        </p:spPr>
-        <p:style>
-          <a:lnRef idx="0"/>
-          <a:fillRef idx="0"/>
-          <a:effectRef idx="0"/>
-          <a:fontRef idx="minor"/>
-        </p:style>
-        <p:txBody>
-          <a:bodyPr lIns="90000" rIns="90000" tIns="45000" bIns="45000" anchor="t">
-            <a:spAutoFit/>
-          </a:bodyPr>
-          <a:p>
-            <a:pPr marL="216000" indent="-216000" algn="just">
-              <a:lnSpc>
-                <a:spcPct val="115000"/>
-              </a:lnSpc>
-              <a:buClr>
-                <a:srgbClr val="000000"/>
-              </a:buClr>
-              <a:buFont typeface="Arial"/>
-              <a:buChar char="●"/>
-            </a:pPr>
-            <a:r>
-              <a:rPr b="0" lang="pt-BR" sz="1800" spc="-1" strike="noStrike">
-                <a:solidFill>
-                  <a:srgbClr val="01498e"/>
-                </a:solidFill>
-                <a:latin typeface="Arial"/>
-                <a:ea typeface="Calibri"/>
-              </a:rPr>
-              <a:t>Problema 6:</a:t>
-            </a:r>
-            <a:endParaRPr b="0" lang="pt-BR" sz="1800" spc="-1" strike="noStrike">
-              <a:solidFill>
-                <a:srgbClr val="000000"/>
-              </a:solidFill>
-              <a:latin typeface="Arial"/>
-            </a:endParaRPr>
-          </a:p>
-          <a:p>
-            <a:pPr lvl="1" marL="673200" indent="-216000" algn="just">
-              <a:lnSpc>
-                <a:spcPct val="115000"/>
-              </a:lnSpc>
-              <a:buClr>
-                <a:srgbClr val="000000"/>
-              </a:buClr>
-              <a:buFont typeface="Arial"/>
-              <a:buChar char="●"/>
-            </a:pPr>
-            <a:r>
-              <a:rPr b="0" lang="pt-BR" sz="1800" spc="-1" strike="noStrike">
-                <a:solidFill>
-                  <a:srgbClr val="01498e"/>
-                </a:solidFill>
-                <a:latin typeface="Arial"/>
-                <a:ea typeface="Calibri"/>
-              </a:rPr>
-              <a:t>Atualize a classe ContaBancaria, agora com </a:t>
-            </a:r>
-            <a:endParaRPr b="0" lang="pt-BR" sz="1800" spc="-1" strike="noStrike">
-              <a:solidFill>
-                <a:srgbClr val="000000"/>
-              </a:solidFill>
-              <a:latin typeface="Arial"/>
-            </a:endParaRPr>
-          </a:p>
-          <a:p>
-            <a:pPr lvl="3" marL="864000" indent="-216000" algn="just">
-              <a:lnSpc>
-                <a:spcPct val="115000"/>
-              </a:lnSpc>
-              <a:buClr>
-                <a:srgbClr val="000000"/>
-              </a:buClr>
-              <a:buSzPct val="45000"/>
-              <a:buFont typeface="Wingdings" charset="2"/>
-              <a:buChar char=""/>
-            </a:pPr>
-            <a:r>
-              <a:rPr b="0" lang="pt-BR" sz="1800" spc="-1" strike="noStrike">
-                <a:solidFill>
-                  <a:srgbClr val="01498e"/>
-                </a:solidFill>
-                <a:latin typeface="Arial"/>
-                <a:ea typeface="Calibri"/>
-              </a:rPr>
-              <a:t>histórico de movim. (valor, data e hora, observação, tipo)</a:t>
-            </a:r>
-            <a:endParaRPr b="0" lang="pt-BR" sz="1800" spc="-1" strike="noStrike">
-              <a:solidFill>
-                <a:srgbClr val="000000"/>
-              </a:solidFill>
-              <a:latin typeface="Arial"/>
-            </a:endParaRPr>
-          </a:p>
-          <a:p>
-            <a:pPr lvl="3" marL="864000" indent="-216000" algn="just">
-              <a:lnSpc>
-                <a:spcPct val="115000"/>
-              </a:lnSpc>
-              <a:buClr>
-                <a:srgbClr val="000000"/>
-              </a:buClr>
-              <a:buSzPct val="45000"/>
-              <a:buFont typeface="Wingdings" charset="2"/>
-              <a:buChar char=""/>
-            </a:pPr>
-            <a:r>
-              <a:rPr b="0" lang="pt-BR" sz="1800" spc="-1" strike="noStrike">
-                <a:solidFill>
-                  <a:srgbClr val="01498e"/>
-                </a:solidFill>
-                <a:latin typeface="Arial"/>
-                <a:ea typeface="Calibri"/>
-              </a:rPr>
-              <a:t>método extrato()</a:t>
-            </a:r>
-            <a:endParaRPr b="0" lang="pt-BR" sz="1800" spc="-1" strike="noStrike">
-              <a:solidFill>
-                <a:srgbClr val="000000"/>
-              </a:solidFill>
-              <a:latin typeface="Arial"/>
-            </a:endParaRPr>
-          </a:p>
-          <a:p>
-            <a:pPr algn="just">
-              <a:lnSpc>
-                <a:spcPct val="115000"/>
-              </a:lnSpc>
-            </a:pPr>
-            <a:endParaRPr b="0" lang="pt-BR" sz="1800" spc="-1" strike="noStrike">
-              <a:solidFill>
-                <a:srgbClr val="000000"/>
-              </a:solidFill>
-              <a:latin typeface="Arial"/>
-            </a:endParaRPr>
-          </a:p>
-          <a:p>
-            <a:pPr algn="just">
-              <a:lnSpc>
-                <a:spcPct val="115000"/>
-              </a:lnSpc>
-            </a:pPr>
-            <a:endParaRPr b="0" lang="pt-BR" sz="1800" spc="-1" strike="noStrike">
-              <a:solidFill>
-                <a:srgbClr val="000000"/>
-              </a:solidFill>
-              <a:latin typeface="Arial"/>
-            </a:endParaRPr>
-          </a:p>
-        </p:txBody>
-      </p:sp>
-      <p:pic>
-        <p:nvPicPr>
-          <p:cNvPr id="268" name="Imagem 188" descr=""/>
-          <p:cNvPicPr/>
-          <p:nvPr/>
-        </p:nvPicPr>
-        <p:blipFill>
-          <a:blip r:embed="rId2"/>
-          <a:stretch/>
-        </p:blipFill>
-        <p:spPr>
-          <a:xfrm>
-            <a:off x="-3240" y="2024280"/>
-            <a:ext cx="6156720" cy="1789200"/>
-          </a:xfrm>
-          <a:prstGeom prst="rect">
-            <a:avLst/>
-          </a:prstGeom>
-          <a:ln w="0">
-            <a:noFill/>
-          </a:ln>
-        </p:spPr>
-      </p:pic>
-      <p:pic>
-        <p:nvPicPr>
-          <p:cNvPr id="269" name="Imagem 189" descr=""/>
-          <p:cNvPicPr/>
-          <p:nvPr/>
-        </p:nvPicPr>
-        <p:blipFill>
-          <a:blip r:embed="rId3"/>
-          <a:stretch/>
-        </p:blipFill>
-        <p:spPr>
-          <a:xfrm>
-            <a:off x="1296000" y="3830040"/>
-            <a:ext cx="7835040" cy="1311120"/>
-          </a:xfrm>
-          <a:prstGeom prst="rect">
-            <a:avLst/>
-          </a:prstGeom>
-          <a:ln w="0">
-            <a:noFill/>
-          </a:ln>
-        </p:spPr>
-      </p:pic>
-    </p:spTree>
-  </p:cSld>
-  <mc:AlternateContent>
-    <mc:Choice Requires="p14">
-      <p:transition spd="slow" p14:dur="2000"/>
-    </mc:Choice>
-    <mc:Fallback>
-      <p:transition spd="slow"/>
-    </mc:Fallback>
-  </mc:AlternateContent>
-</p:sld>
-</file>
-
-<file path=ppt/slides/slide41.xml><?xml version="1.0" encoding="utf-8"?>
-<p:sld xmlns:a="http://schemas.openxmlformats.org/drawingml/2006/main" xmlns:p="http://schemas.openxmlformats.org/presentationml/2006/main" xmlns:r="http://schemas.openxmlformats.org/officeDocument/2006/relationships" xmlns:p14="http://schemas.microsoft.com/office/powerpoint/2010/main" xmlns:p15="http://schemas.microsoft.com/office/powerpoint/2012/main" xmlns:mc="http://schemas.openxmlformats.org/markup-compatibility/2006">
-  <p:cSld>
-    <p:spTree>
-      <p:nvGrpSpPr>
-        <p:cNvPr id="1" name=""/>
-        <p:cNvGrpSpPr/>
-        <p:nvPr/>
-      </p:nvGrpSpPr>
-      <p:grpSpPr>
-        <a:xfrm>
-          <a:off x="0" y="0"/>
-          <a:ext cx="0" cy="0"/>
-          <a:chOff x="0" y="0"/>
-          <a:chExt cx="0" cy="0"/>
-        </a:xfrm>
-      </p:grpSpPr>
-    </p:spTree>
-  </p:cSld>
-  <mc:AlternateContent>
-    <mc:Choice Requires="p14">
-      <p:transition spd="slow" p14:dur="2000"/>
-    </mc:Choice>
-    <mc:Fallback>
-      <p:transition spd="slow"/>
-    </mc:Fallback>
-  </mc:AlternateContent>
-</p:sld>
-</file>
-
-<file path=ppt/slides/slide42.xml><?xml version="1.0" encoding="utf-8"?>
-<p:sld xmlns:a="http://schemas.openxmlformats.org/drawingml/2006/main" xmlns:p="http://schemas.openxmlformats.org/presentationml/2006/main" xmlns:r="http://schemas.openxmlformats.org/officeDocument/2006/relationships" xmlns:p14="http://schemas.microsoft.com/office/powerpoint/2010/main" xmlns:p15="http://schemas.microsoft.com/office/powerpoint/2012/main" xmlns:mc="http://schemas.openxmlformats.org/markup-compatibility/2006">
-  <p:cSld>
-    <p:spTree>
-      <p:nvGrpSpPr>
-        <p:cNvPr id="1" name=""/>
-        <p:cNvGrpSpPr/>
-        <p:nvPr/>
-      </p:nvGrpSpPr>
-      <p:grpSpPr>
-        <a:xfrm>
-          <a:off x="0" y="0"/>
-          <a:ext cx="0" cy="0"/>
-          <a:chOff x="0" y="0"/>
-          <a:chExt cx="0" cy="0"/>
-        </a:xfrm>
-      </p:grpSpPr>
-      <p:sp>
-        <p:nvSpPr>
-          <p:cNvPr id="270" name="Título 43"/>
-          <p:cNvSpPr/>
-          <p:nvPr/>
-        </p:nvSpPr>
-        <p:spPr>
-          <a:xfrm>
-            <a:off x="291960" y="32040"/>
-            <a:ext cx="5586120" cy="898560"/>
-          </a:xfrm>
-          <a:prstGeom prst="rect">
-            <a:avLst/>
-          </a:prstGeom>
-          <a:noFill/>
-          <a:ln w="0">
-            <a:noFill/>
-          </a:ln>
-        </p:spPr>
-        <p:style>
-          <a:lnRef idx="0"/>
-          <a:fillRef idx="0"/>
-          <a:effectRef idx="0"/>
-          <a:fontRef idx="minor"/>
-        </p:style>
-        <p:txBody>
-          <a:bodyPr lIns="90000" rIns="90000" tIns="91440" bIns="91440" anchor="t">
-            <a:noAutofit/>
-          </a:bodyPr>
-          <a:p>
-            <a:pPr>
-              <a:lnSpc>
-                <a:spcPct val="100000"/>
-              </a:lnSpc>
-            </a:pPr>
-            <a:r>
-              <a:rPr b="1" lang="pt-BR" sz="5400" spc="-1" strike="noStrike">
-                <a:solidFill>
-                  <a:srgbClr val="002060"/>
-                </a:solidFill>
-                <a:latin typeface="Overpass"/>
-                <a:ea typeface="Overpass"/>
-              </a:rPr>
-              <a:t>Let’s Work</a:t>
-            </a:r>
-            <a:endParaRPr b="0" lang="pt-BR" sz="5400" spc="-1" strike="noStrike">
-              <a:solidFill>
-                <a:srgbClr val="000000"/>
-              </a:solidFill>
-              <a:latin typeface="Arial"/>
-            </a:endParaRPr>
-          </a:p>
-        </p:txBody>
-      </p:sp>
-      <p:pic>
-        <p:nvPicPr>
-          <p:cNvPr id="271" name="Imagem 43" descr=""/>
-          <p:cNvPicPr/>
-          <p:nvPr/>
-        </p:nvPicPr>
-        <p:blipFill>
-          <a:blip r:embed="rId1"/>
-          <a:stretch/>
-        </p:blipFill>
-        <p:spPr>
-          <a:xfrm rot="5400000">
-            <a:off x="7715880" y="-111600"/>
-            <a:ext cx="2972520" cy="3196440"/>
-          </a:xfrm>
-          <a:prstGeom prst="rect">
-            <a:avLst/>
-          </a:prstGeom>
-          <a:ln w="0">
-            <a:noFill/>
-          </a:ln>
-        </p:spPr>
-      </p:pic>
-      <p:sp>
-        <p:nvSpPr>
-          <p:cNvPr id="272" name="CaixaDeTexto 42"/>
-          <p:cNvSpPr/>
-          <p:nvPr/>
-        </p:nvSpPr>
-        <p:spPr>
-          <a:xfrm>
-            <a:off x="180000" y="900000"/>
-            <a:ext cx="7418160" cy="2297160"/>
-          </a:xfrm>
-          <a:prstGeom prst="rect">
-            <a:avLst/>
-          </a:prstGeom>
-          <a:noFill/>
-          <a:ln w="0">
-            <a:noFill/>
-          </a:ln>
-        </p:spPr>
-        <p:style>
-          <a:lnRef idx="0"/>
-          <a:fillRef idx="0"/>
-          <a:effectRef idx="0"/>
-          <a:fontRef idx="minor"/>
-        </p:style>
-        <p:txBody>
-          <a:bodyPr lIns="90000" rIns="90000" tIns="45000" bIns="45000" anchor="t">
-            <a:spAutoFit/>
-          </a:bodyPr>
-          <a:p>
-            <a:pPr marL="216000" indent="-216000" algn="just">
-              <a:lnSpc>
-                <a:spcPct val="115000"/>
-              </a:lnSpc>
-              <a:buClr>
-                <a:srgbClr val="000000"/>
-              </a:buClr>
-              <a:buFont typeface="Arial"/>
-              <a:buChar char="●"/>
-            </a:pPr>
-            <a:r>
-              <a:rPr b="0" lang="pt-BR" sz="1800" spc="-1" strike="noStrike">
-                <a:solidFill>
-                  <a:srgbClr val="01498e"/>
-                </a:solidFill>
-                <a:latin typeface="Arial"/>
-                <a:ea typeface="Calibri"/>
-              </a:rPr>
-              <a:t>Problema 7:</a:t>
-            </a:r>
-            <a:endParaRPr b="0" lang="pt-BR" sz="1800" spc="-1" strike="noStrike">
-              <a:solidFill>
-                <a:srgbClr val="000000"/>
-              </a:solidFill>
-              <a:latin typeface="Arial"/>
-            </a:endParaRPr>
-          </a:p>
-          <a:p>
-            <a:pPr lvl="1" marL="673200" indent="-216000" algn="just">
-              <a:lnSpc>
-                <a:spcPct val="115000"/>
-              </a:lnSpc>
-              <a:buClr>
-                <a:srgbClr val="000000"/>
-              </a:buClr>
-              <a:buFont typeface="Arial"/>
-              <a:buChar char="●"/>
-            </a:pPr>
-            <a:r>
-              <a:rPr b="0" lang="pt-BR" sz="1800" spc="-1" strike="noStrike">
-                <a:solidFill>
-                  <a:srgbClr val="01498e"/>
-                </a:solidFill>
-                <a:latin typeface="Arial"/>
-                <a:ea typeface="Calibri"/>
-              </a:rPr>
-              <a:t>Crie uma classe Biblioteca que contém uma lista de objetos Livro.</a:t>
-            </a:r>
-            <a:endParaRPr b="0" lang="pt-BR" sz="1800" spc="-1" strike="noStrike">
-              <a:solidFill>
-                <a:srgbClr val="000000"/>
-              </a:solidFill>
-              <a:latin typeface="Arial"/>
-            </a:endParaRPr>
-          </a:p>
-          <a:p>
-            <a:pPr lvl="1" marL="673200" indent="-216000" algn="just">
-              <a:lnSpc>
-                <a:spcPct val="115000"/>
-              </a:lnSpc>
-              <a:buClr>
-                <a:srgbClr val="000000"/>
-              </a:buClr>
-              <a:buFont typeface="Arial"/>
-              <a:buChar char="●"/>
-            </a:pPr>
-            <a:r>
-              <a:rPr b="0" lang="pt-BR" sz="1800" spc="-1" strike="noStrike">
-                <a:solidFill>
-                  <a:srgbClr val="01498e"/>
-                </a:solidFill>
-                <a:latin typeface="Arial"/>
-                <a:ea typeface="Calibri"/>
-              </a:rPr>
-              <a:t>A classe Livro tem titulo e autor.</a:t>
-            </a:r>
-            <a:endParaRPr b="0" lang="pt-BR" sz="1800" spc="-1" strike="noStrike">
-              <a:solidFill>
-                <a:srgbClr val="000000"/>
-              </a:solidFill>
-              <a:latin typeface="Arial"/>
-            </a:endParaRPr>
-          </a:p>
-          <a:p>
-            <a:pPr lvl="1" marL="673200" indent="-216000" algn="just">
-              <a:lnSpc>
-                <a:spcPct val="115000"/>
-              </a:lnSpc>
-              <a:buClr>
-                <a:srgbClr val="000000"/>
-              </a:buClr>
-              <a:buFont typeface="Arial"/>
-              <a:buChar char="●"/>
-            </a:pPr>
-            <a:r>
-              <a:rPr b="0" lang="pt-BR" sz="1800" spc="-1" strike="noStrike">
-                <a:solidFill>
-                  <a:srgbClr val="01498e"/>
-                </a:solidFill>
-                <a:latin typeface="Arial"/>
-                <a:ea typeface="Calibri"/>
-              </a:rPr>
-              <a:t>A classe Biblioteca deve ter métodos para adicionar, remover e listar livros.</a:t>
-            </a:r>
-            <a:endParaRPr b="0" lang="pt-BR" sz="1800" spc="-1" strike="noStrike">
-              <a:solidFill>
-                <a:srgbClr val="000000"/>
-              </a:solidFill>
-              <a:latin typeface="Arial"/>
-            </a:endParaRPr>
-          </a:p>
-          <a:p>
-            <a:pPr algn="just">
-              <a:lnSpc>
-                <a:spcPct val="115000"/>
-              </a:lnSpc>
-            </a:pPr>
-            <a:endParaRPr b="0" lang="pt-BR" sz="1800" spc="-1" strike="noStrike">
-              <a:solidFill>
-                <a:srgbClr val="000000"/>
-              </a:solidFill>
-              <a:latin typeface="Arial"/>
-            </a:endParaRPr>
-          </a:p>
-        </p:txBody>
-      </p:sp>
-      <p:pic>
-        <p:nvPicPr>
-          <p:cNvPr id="273" name="Imagem 193" descr=""/>
-          <p:cNvPicPr/>
-          <p:nvPr/>
-        </p:nvPicPr>
-        <p:blipFill>
-          <a:blip r:embed="rId2"/>
-          <a:stretch/>
-        </p:blipFill>
-        <p:spPr>
-          <a:xfrm>
-            <a:off x="160560" y="3060000"/>
-            <a:ext cx="7396920" cy="1387440"/>
-          </a:xfrm>
-          <a:prstGeom prst="rect">
-            <a:avLst/>
-          </a:prstGeom>
-          <a:ln w="0">
-            <a:noFill/>
-          </a:ln>
-        </p:spPr>
-      </p:pic>
-    </p:spTree>
-  </p:cSld>
-  <mc:AlternateContent>
-    <mc:Choice Requires="p14">
-      <p:transition spd="slow" p14:dur="2000"/>
-    </mc:Choice>
-    <mc:Fallback>
-      <p:transition spd="slow"/>
-    </mc:Fallback>
-  </mc:AlternateContent>
-</p:sld>
-</file>
-
-<file path=ppt/slides/slide43.xml><?xml version="1.0" encoding="utf-8"?>
-<p:sld xmlns:a="http://schemas.openxmlformats.org/drawingml/2006/main" xmlns:p="http://schemas.openxmlformats.org/presentationml/2006/main" xmlns:r="http://schemas.openxmlformats.org/officeDocument/2006/relationships" xmlns:p14="http://schemas.microsoft.com/office/powerpoint/2010/main" xmlns:p15="http://schemas.microsoft.com/office/powerpoint/2012/main" xmlns:mc="http://schemas.openxmlformats.org/markup-compatibility/2006">
-  <p:cSld>
-    <p:spTree>
-      <p:nvGrpSpPr>
-        <p:cNvPr id="1" name=""/>
-        <p:cNvGrpSpPr/>
-        <p:nvPr/>
-      </p:nvGrpSpPr>
-      <p:grpSpPr>
-        <a:xfrm>
-          <a:off x="0" y="0"/>
-          <a:ext cx="0" cy="0"/>
-          <a:chOff x="0" y="0"/>
-          <a:chExt cx="0" cy="0"/>
-        </a:xfrm>
-      </p:grpSpPr>
-      <p:sp>
-        <p:nvSpPr>
-          <p:cNvPr id="274" name="PlaceHolder 1"/>
-          <p:cNvSpPr>
-            <a:spLocks noGrp="1"/>
-          </p:cNvSpPr>
-          <p:nvPr>
-            <p:ph type="title"/>
-          </p:nvPr>
-        </p:nvSpPr>
-        <p:spPr>
-          <a:xfrm>
-            <a:off x="457200" y="205200"/>
-            <a:ext cx="8226360" cy="855720"/>
-          </a:xfrm>
-          <a:prstGeom prst="rect">
-            <a:avLst/>
-          </a:prstGeom>
-          <a:noFill/>
-          <a:ln w="0">
-            <a:noFill/>
-          </a:ln>
-        </p:spPr>
-        <p:txBody>
-          <a:bodyPr lIns="0" rIns="0" tIns="0" bIns="0" anchor="ctr">
-            <a:noAutofit/>
-          </a:bodyPr>
-          <a:p>
-            <a:pPr indent="0">
-              <a:buNone/>
-            </a:pPr>
-            <a:endParaRPr b="0" lang="pt-BR" sz="4400" spc="-1" strike="noStrike">
-              <a:solidFill>
-                <a:srgbClr val="000000"/>
-              </a:solidFill>
-              <a:latin typeface="Arial"/>
-              <a:ea typeface="DejaVu Sans"/>
-            </a:endParaRPr>
-          </a:p>
-        </p:txBody>
-      </p:sp>
-      <p:sp>
-        <p:nvSpPr>
-          <p:cNvPr id="275" name="PlaceHolder 2"/>
-          <p:cNvSpPr>
-            <a:spLocks noGrp="1"/>
-          </p:cNvSpPr>
-          <p:nvPr>
-            <p:ph type="subTitle"/>
-          </p:nvPr>
-        </p:nvSpPr>
-        <p:spPr>
-          <a:xfrm>
-            <a:off x="457200" y="1203480"/>
-            <a:ext cx="8226360" cy="2980080"/>
-          </a:xfrm>
-          <a:prstGeom prst="rect">
-            <a:avLst/>
-          </a:prstGeom>
-          <a:noFill/>
-          <a:ln w="0">
-            <a:noFill/>
-          </a:ln>
-        </p:spPr>
-        <p:txBody>
-          <a:bodyPr lIns="0" rIns="0" tIns="0" bIns="0" anchor="ctr">
-            <a:noAutofit/>
-          </a:bodyPr>
-          <a:p>
-            <a:pPr indent="0" algn="ctr">
-              <a:buNone/>
-            </a:pPr>
-            <a:endParaRPr b="0" lang="pt-BR" sz="2800" spc="-1" strike="noStrike">
-              <a:solidFill>
-                <a:srgbClr val="000000"/>
-              </a:solidFill>
-              <a:latin typeface="Arial"/>
-              <a:ea typeface="DejaVu Sans"/>
-            </a:endParaRPr>
-          </a:p>
-        </p:txBody>
-      </p:sp>
-      <p:pic>
-        <p:nvPicPr>
-          <p:cNvPr id="276" name="Imagem 4" descr=""/>
-          <p:cNvPicPr/>
-          <p:nvPr/>
-        </p:nvPicPr>
-        <p:blipFill>
-          <a:blip r:embed="rId1"/>
-          <a:stretch/>
-        </p:blipFill>
-        <p:spPr>
-          <a:xfrm>
-            <a:off x="1355760" y="0"/>
-            <a:ext cx="6429960" cy="5140800"/>
-          </a:xfrm>
-          <a:prstGeom prst="rect">
-            <a:avLst/>
-          </a:prstGeom>
-          <a:ln w="0">
-            <a:noFill/>
-          </a:ln>
-        </p:spPr>
-      </p:pic>
-    </p:spTree>
-  </p:cSld>
-  <mc:AlternateContent>
-    <mc:Choice Requires="p14">
-      <p:transition spd="slow" p14:dur="2000"/>
-    </mc:Choice>
-    <mc:Fallback>
-      <p:transition spd="slow"/>
-    </mc:Fallback>
-  </mc:AlternateContent>
-</p:sld>
-</file>
-
-<file path=ppt/slides/slide44.xml><?xml version="1.0" encoding="utf-8"?>
-<p:sld xmlns:a="http://schemas.openxmlformats.org/drawingml/2006/main" xmlns:p="http://schemas.openxmlformats.org/presentationml/2006/main" xmlns:r="http://schemas.openxmlformats.org/officeDocument/2006/relationships" xmlns:p14="http://schemas.microsoft.com/office/powerpoint/2010/main" xmlns:p15="http://schemas.microsoft.com/office/powerpoint/2012/main" xmlns:mc="http://schemas.openxmlformats.org/markup-compatibility/2006">
-  <p:cSld>
-    <p:spTree>
-      <p:nvGrpSpPr>
-        <p:cNvPr id="1" name=""/>
-        <p:cNvGrpSpPr/>
-        <p:nvPr/>
-      </p:nvGrpSpPr>
-      <p:grpSpPr>
-        <a:xfrm>
-          <a:off x="0" y="0"/>
-          <a:ext cx="0" cy="0"/>
-          <a:chOff x="0" y="0"/>
-          <a:chExt cx="0" cy="0"/>
-        </a:xfrm>
-      </p:grpSpPr>
-    </p:spTree>
-  </p:cSld>
-  <mc:AlternateContent>
-    <mc:Choice Requires="p14">
-      <p:transition spd="slow" p14:dur="2000"/>
-    </mc:Choice>
-    <mc:Fallback>
-      <p:transition spd="slow"/>
-    </mc:Fallback>
-  </mc:AlternateContent>
-</p:sld>
-</file>
-
-<file path=ppt/slides/slide45.xml><?xml version="1.0" encoding="utf-8"?>
-<p:sld xmlns:a="http://schemas.openxmlformats.org/drawingml/2006/main" xmlns:p="http://schemas.openxmlformats.org/presentationml/2006/main" xmlns:r="http://schemas.openxmlformats.org/officeDocument/2006/relationships" xmlns:p14="http://schemas.microsoft.com/office/powerpoint/2010/main" xmlns:p15="http://schemas.microsoft.com/office/powerpoint/2012/main" xmlns:mc="http://schemas.openxmlformats.org/markup-compatibility/2006">
-  <p:cSld>
-    <p:spTree>
-      <p:nvGrpSpPr>
-        <p:cNvPr id="1" name=""/>
-        <p:cNvGrpSpPr/>
-        <p:nvPr/>
-      </p:nvGrpSpPr>
-      <p:grpSpPr>
-        <a:xfrm>
-          <a:off x="0" y="0"/>
-          <a:ext cx="0" cy="0"/>
-          <a:chOff x="0" y="0"/>
-          <a:chExt cx="0" cy="0"/>
-        </a:xfrm>
-      </p:grpSpPr>
     </p:spTree>
   </p:cSld>
   <mc:AlternateContent>
@@ -19716,14 +13528,105 @@
       </p:grpSpPr>
       <p:sp>
         <p:nvSpPr>
-          <p:cNvPr id="179" name="CaixaDeTexto 19"/>
+          <p:cNvPr id="179" name="Título 11"/>
           <p:cNvSpPr/>
           <p:nvPr/>
         </p:nvSpPr>
         <p:spPr>
           <a:xfrm>
+            <a:off x="291960" y="189000"/>
+            <a:ext cx="7479000" cy="898560"/>
+          </a:xfrm>
+          <a:prstGeom prst="rect">
+            <a:avLst/>
+          </a:prstGeom>
+          <a:noFill/>
+          <a:ln w="0">
+            <a:noFill/>
+          </a:ln>
+        </p:spPr>
+        <p:style>
+          <a:lnRef idx="0"/>
+          <a:fillRef idx="0"/>
+          <a:effectRef idx="0"/>
+          <a:fontRef idx="minor"/>
+        </p:style>
+        <p:txBody>
+          <a:bodyPr lIns="90000" rIns="90000" tIns="91440" bIns="91440" anchor="t">
+            <a:noAutofit/>
+          </a:bodyPr>
+          <a:p>
+            <a:pPr>
+              <a:lnSpc>
+                <a:spcPct val="100000"/>
+              </a:lnSpc>
+            </a:pPr>
+            <a:r>
+              <a:rPr b="1" lang="pt-BR" sz="5400" spc="-1" strike="noStrike">
+                <a:solidFill>
+                  <a:srgbClr val="002060"/>
+                </a:solidFill>
+                <a:latin typeface="Overpass"/>
+                <a:ea typeface="Overpass"/>
+              </a:rPr>
+              <a:t>SQL </a:t>
+            </a:r>
+            <a:endParaRPr b="0" lang="pt-BR" sz="5400" spc="-1" strike="noStrike">
+              <a:solidFill>
+                <a:srgbClr val="000000"/>
+              </a:solidFill>
+              <a:latin typeface="Arial"/>
+            </a:endParaRPr>
+          </a:p>
+          <a:p>
+            <a:pPr>
+              <a:lnSpc>
+                <a:spcPct val="100000"/>
+              </a:lnSpc>
+            </a:pPr>
+            <a:endParaRPr b="0" lang="pt-BR" sz="5400" spc="-1" strike="noStrike">
+              <a:solidFill>
+                <a:srgbClr val="000000"/>
+              </a:solidFill>
+              <a:latin typeface="Arial"/>
+            </a:endParaRPr>
+          </a:p>
+        </p:txBody>
+      </p:sp>
+      <p:pic>
+        <p:nvPicPr>
+          <p:cNvPr id="180" name="Imagem 17" descr=""/>
+          <p:cNvPicPr/>
+          <p:nvPr/>
+        </p:nvPicPr>
+        <p:blipFill>
+          <a:blip r:embed="rId1"/>
+          <a:srcRect l="0" t="0" r="0" b="20507"/>
+          <a:stretch/>
+        </p:blipFill>
+        <p:spPr>
+          <a:xfrm>
+            <a:off x="8100720" y="900720"/>
+            <a:ext cx="2141280" cy="3602160"/>
+          </a:xfrm>
+          <a:prstGeom prst="rect">
+            <a:avLst/>
+          </a:prstGeom>
+          <a:ln w="0">
+            <a:noFill/>
+          </a:ln>
+        </p:spPr>
+      </p:pic>
+      <p:sp>
+        <p:nvSpPr>
+          <p:cNvPr id="181" name="CaixaDeTexto 11"/>
+          <p:cNvSpPr/>
+          <p:nvPr/>
+        </p:nvSpPr>
+        <p:spPr>
+          <a:xfrm>
             <a:off x="291960" y="1113480"/>
-            <a:ext cx="7692480" cy="4820040"/>
+            <a:ext cx="7692480" cy="2613240"/>
           </a:xfrm>
           <a:prstGeom prst="rect">
             <a:avLst/>
@@ -19762,7 +13665,7 @@
                 <a:latin typeface="Arial"/>
                 <a:ea typeface="Calibri"/>
               </a:rPr>
-              <a:t>Criando Páginas Dinâmicas com Templates"</a:t>
+              <a:t>O que é Banco de dados?</a:t>
             </a:r>
             <a:endParaRPr b="0" lang="pt-BR" sz="1800" spc="-1" strike="noStrike">
               <a:solidFill>
@@ -19783,16 +13686,6 @@
               <a:buFont typeface="Wingdings" charset="2"/>
               <a:buChar char=""/>
             </a:pPr>
-            <a:r>
-              <a:rPr b="0" lang="pt-BR" sz="1800" spc="-1" strike="noStrike">
-                <a:solidFill>
-                  <a:srgbClr val="01498e"/>
-                </a:solidFill>
-                <a:latin typeface="Arial"/>
-                <a:ea typeface="Calibri"/>
-              </a:rPr>
-              <a:t>Passo 1: Crie a pasta templates.</a:t>
-            </a:r>
             <a:endParaRPr b="0" lang="pt-BR" sz="1800" spc="-1" strike="noStrike">
               <a:solidFill>
                 <a:srgbClr val="000000"/>
@@ -19801,27 +13694,11 @@
             </a:endParaRPr>
           </a:p>
           <a:p>
-            <a:pPr lvl="1" marL="432000" indent="-216000" algn="just">
+            <a:pPr algn="just">
               <a:lnSpc>
                 <a:spcPct val="115000"/>
               </a:lnSpc>
-              <a:buClr>
-                <a:srgbClr val="000000"/>
-              </a:buClr>
-              <a:buSzPct val="45000"/>
-              <a:buFont typeface="Wingdings" charset="2"/>
-              <a:buChar char=""/>
-            </a:pPr>
-            <a:r>
-              <a:rPr b="0" lang="pt-BR" sz="1800" spc="-1" strike="noStrike">
-                <a:solidFill>
-                  <a:srgbClr val="01498e"/>
-                </a:solidFill>
-                <a:latin typeface="Arial"/>
-                <a:ea typeface="Calibri"/>
-              </a:rPr>
-              <a:t>Passo 2: Crie templates/index.html: </a:t>
-            </a:r>
+            </a:pPr>
             <a:endParaRPr b="0" lang="pt-BR" sz="1800" spc="-1" strike="noStrike">
               <a:solidFill>
                 <a:srgbClr val="000000"/>
@@ -19830,7 +13707,7 @@
             </a:endParaRPr>
           </a:p>
           <a:p>
-            <a:pPr algn="just">
+            <a:pPr marL="216000" algn="just">
               <a:lnSpc>
                 <a:spcPct val="115000"/>
               </a:lnSpc>
@@ -19843,7 +13720,7 @@
             </a:endParaRPr>
           </a:p>
           <a:p>
-            <a:pPr algn="just">
+            <a:pPr marL="216000" algn="just">
               <a:lnSpc>
                 <a:spcPct val="115000"/>
               </a:lnSpc>
@@ -19856,7 +13733,7 @@
             </a:endParaRPr>
           </a:p>
           <a:p>
-            <a:pPr algn="just">
+            <a:pPr marL="216000" algn="just">
               <a:lnSpc>
                 <a:spcPct val="115000"/>
               </a:lnSpc>
@@ -19869,7 +13746,7 @@
             </a:endParaRPr>
           </a:p>
           <a:p>
-            <a:pPr algn="just">
+            <a:pPr marL="216000" algn="just">
               <a:lnSpc>
                 <a:spcPct val="115000"/>
               </a:lnSpc>
@@ -19882,242 +13759,12 @@
             </a:endParaRPr>
           </a:p>
           <a:p>
-            <a:pPr lvl="1" marL="432000" indent="-216000" algn="just">
+            <a:pPr marL="216000" algn="just">
               <a:lnSpc>
                 <a:spcPct val="115000"/>
               </a:lnSpc>
-              <a:buClr>
-                <a:srgbClr val="000000"/>
-              </a:buClr>
-              <a:buSzPct val="45000"/>
-              <a:buFont typeface="Wingdings" charset="2"/>
-              <a:buChar char=""/>
-            </a:pPr>
-            <a:r>
-              <a:rPr b="0" lang="pt-BR" sz="1800" spc="-1" strike="noStrike">
-                <a:solidFill>
-                  <a:srgbClr val="01498e"/>
-                </a:solidFill>
-                <a:latin typeface="Arial"/>
-                <a:ea typeface="Calibri"/>
-              </a:rPr>
-              <a:t>Passo 3: modifique a rota</a:t>
-            </a:r>
+            </a:pPr>
             <a:endParaRPr b="0" lang="pt-BR" sz="1800" spc="-1" strike="noStrike">
-              <a:solidFill>
-                <a:srgbClr val="000000"/>
-              </a:solidFill>
-              <a:latin typeface="Arial"/>
-            </a:endParaRPr>
-          </a:p>
-          <a:p>
-            <a:pPr algn="just">
-              <a:lnSpc>
-                <a:spcPct val="115000"/>
-              </a:lnSpc>
-            </a:pPr>
-            <a:endParaRPr b="0" lang="pt-BR" sz="1800" spc="-1" strike="noStrike">
-              <a:solidFill>
-                <a:srgbClr val="000000"/>
-              </a:solidFill>
-              <a:latin typeface="Arial"/>
-            </a:endParaRPr>
-          </a:p>
-          <a:p>
-            <a:pPr algn="just">
-              <a:lnSpc>
-                <a:spcPct val="115000"/>
-              </a:lnSpc>
-            </a:pPr>
-            <a:endParaRPr b="0" lang="pt-BR" sz="1800" spc="-1" strike="noStrike">
-              <a:solidFill>
-                <a:srgbClr val="000000"/>
-              </a:solidFill>
-              <a:latin typeface="Arial"/>
-            </a:endParaRPr>
-          </a:p>
-          <a:p>
-            <a:pPr marL="216000" algn="just">
-              <a:lnSpc>
-                <a:spcPct val="115000"/>
-              </a:lnSpc>
-            </a:pPr>
-            <a:endParaRPr b="0" lang="pt-BR" sz="1800" spc="-1" strike="noStrike">
-              <a:solidFill>
-                <a:srgbClr val="000000"/>
-              </a:solidFill>
-              <a:latin typeface="Arial"/>
-            </a:endParaRPr>
-          </a:p>
-          <a:p>
-            <a:pPr marL="216000" algn="just">
-              <a:lnSpc>
-                <a:spcPct val="115000"/>
-              </a:lnSpc>
-            </a:pPr>
-            <a:endParaRPr b="0" lang="pt-BR" sz="1800" spc="-1" strike="noStrike">
-              <a:solidFill>
-                <a:srgbClr val="000000"/>
-              </a:solidFill>
-              <a:latin typeface="Arial"/>
-            </a:endParaRPr>
-          </a:p>
-          <a:p>
-            <a:pPr marL="216000" algn="just">
-              <a:lnSpc>
-                <a:spcPct val="115000"/>
-              </a:lnSpc>
-            </a:pPr>
-            <a:endParaRPr b="0" lang="pt-BR" sz="1800" spc="-1" strike="noStrike">
-              <a:solidFill>
-                <a:srgbClr val="000000"/>
-              </a:solidFill>
-              <a:latin typeface="Arial"/>
-            </a:endParaRPr>
-          </a:p>
-          <a:p>
-            <a:pPr marL="216000" algn="just">
-              <a:lnSpc>
-                <a:spcPct val="115000"/>
-              </a:lnSpc>
-            </a:pPr>
-            <a:endParaRPr b="0" lang="pt-BR" sz="1800" spc="-1" strike="noStrike">
-              <a:solidFill>
-                <a:srgbClr val="000000"/>
-              </a:solidFill>
-              <a:latin typeface="Arial"/>
-            </a:endParaRPr>
-          </a:p>
-          <a:p>
-            <a:pPr marL="216000" algn="just">
-              <a:lnSpc>
-                <a:spcPct val="115000"/>
-              </a:lnSpc>
-            </a:pPr>
-            <a:endParaRPr b="0" lang="pt-BR" sz="1800" spc="-1" strike="noStrike">
-              <a:solidFill>
-                <a:srgbClr val="000000"/>
-              </a:solidFill>
-              <a:latin typeface="Arial"/>
-            </a:endParaRPr>
-          </a:p>
-        </p:txBody>
-      </p:sp>
-      <p:pic>
-        <p:nvPicPr>
-          <p:cNvPr id="180" name="Imagem 242" descr=""/>
-          <p:cNvPicPr/>
-          <p:nvPr/>
-        </p:nvPicPr>
-        <p:blipFill>
-          <a:blip r:embed="rId1"/>
-          <a:stretch/>
-        </p:blipFill>
-        <p:spPr>
-          <a:xfrm>
-            <a:off x="1166400" y="2192760"/>
-            <a:ext cx="7113240" cy="1046880"/>
-          </a:xfrm>
-          <a:prstGeom prst="rect">
-            <a:avLst/>
-          </a:prstGeom>
-          <a:ln w="0">
-            <a:noFill/>
-          </a:ln>
-        </p:spPr>
-      </p:pic>
-      <p:pic>
-        <p:nvPicPr>
-          <p:cNvPr id="181" name="Imagem 243" descr=""/>
-          <p:cNvPicPr/>
-          <p:nvPr/>
-        </p:nvPicPr>
-        <p:blipFill>
-          <a:blip r:embed="rId2"/>
-          <a:stretch/>
-        </p:blipFill>
-        <p:spPr>
-          <a:xfrm>
-            <a:off x="1200960" y="3703680"/>
-            <a:ext cx="6538680" cy="1439640"/>
-          </a:xfrm>
-          <a:prstGeom prst="rect">
-            <a:avLst/>
-          </a:prstGeom>
-          <a:ln w="0">
-            <a:noFill/>
-          </a:ln>
-        </p:spPr>
-      </p:pic>
-      <p:pic>
-        <p:nvPicPr>
-          <p:cNvPr id="182" name="Imagem 27" descr=""/>
-          <p:cNvPicPr/>
-          <p:nvPr/>
-        </p:nvPicPr>
-        <p:blipFill>
-          <a:blip r:embed="rId3"/>
-          <a:stretch/>
-        </p:blipFill>
-        <p:spPr>
-          <a:xfrm rot="5400000">
-            <a:off x="7668360" y="802440"/>
-            <a:ext cx="2972520" cy="3196440"/>
-          </a:xfrm>
-          <a:prstGeom prst="rect">
-            <a:avLst/>
-          </a:prstGeom>
-          <a:ln w="0">
-            <a:noFill/>
-          </a:ln>
-        </p:spPr>
-      </p:pic>
-      <p:sp>
-        <p:nvSpPr>
-          <p:cNvPr id="183" name="Título 21"/>
-          <p:cNvSpPr/>
-          <p:nvPr/>
-        </p:nvSpPr>
-        <p:spPr>
-          <a:xfrm>
-            <a:off x="291960" y="32040"/>
-            <a:ext cx="5586120" cy="898560"/>
-          </a:xfrm>
-          <a:prstGeom prst="rect">
-            <a:avLst/>
-          </a:prstGeom>
-          <a:noFill/>
-          <a:ln w="0">
-            <a:noFill/>
-          </a:ln>
-        </p:spPr>
-        <p:style>
-          <a:lnRef idx="0"/>
-          <a:fillRef idx="0"/>
-          <a:effectRef idx="0"/>
-          <a:fontRef idx="minor"/>
-        </p:style>
-        <p:txBody>
-          <a:bodyPr lIns="90000" rIns="90000" tIns="91440" bIns="91440" anchor="t">
-            <a:noAutofit/>
-          </a:bodyPr>
-          <a:p>
-            <a:pPr>
-              <a:lnSpc>
-                <a:spcPct val="100000"/>
-              </a:lnSpc>
-            </a:pPr>
-            <a:r>
-              <a:rPr b="1" lang="pt-BR" sz="5400" spc="-1" strike="noStrike">
-                <a:solidFill>
-                  <a:srgbClr val="002060"/>
-                </a:solidFill>
-                <a:latin typeface="Overpass"/>
-                <a:ea typeface="Overpass"/>
-              </a:rPr>
-              <a:t>Let’s Work</a:t>
-            </a:r>
-            <a:endParaRPr b="0" lang="pt-BR" sz="5400" spc="-1" strike="noStrike">
               <a:solidFill>
                 <a:srgbClr val="000000"/>
               </a:solidFill>
@@ -20158,7 +13805,7 @@
       </p:grpSpPr>
       <p:sp>
         <p:nvSpPr>
-          <p:cNvPr id="184" name="Título 20"/>
+          <p:cNvPr id="182" name="Título 12"/>
           <p:cNvSpPr/>
           <p:nvPr/>
         </p:nvSpPr>
@@ -20199,7 +13846,7 @@
                 <a:latin typeface="Overpass"/>
                 <a:ea typeface="Overpass"/>
               </a:rPr>
-              <a:t>Flask </a:t>
+              <a:t>SQL </a:t>
             </a:r>
             <a:endParaRPr b="0" lang="pt-BR" sz="5400" spc="-1" strike="noStrike">
               <a:solidFill>
@@ -20225,7 +13872,7 @@
       </p:sp>
       <p:pic>
         <p:nvPicPr>
-          <p:cNvPr id="185" name="Imagem 26" descr=""/>
+          <p:cNvPr id="183" name="Imagem 18" descr=""/>
           <p:cNvPicPr/>
           <p:nvPr/>
         </p:nvPicPr>
@@ -20249,14 +13896,14 @@
       </p:pic>
       <p:sp>
         <p:nvSpPr>
-          <p:cNvPr id="186" name="CaixaDeTexto 20"/>
+          <p:cNvPr id="184" name="CaixaDeTexto 12"/>
           <p:cNvSpPr/>
           <p:nvPr/>
         </p:nvSpPr>
         <p:spPr>
           <a:xfrm>
             <a:off x="291960" y="1113480"/>
-            <a:ext cx="7692480" cy="2612520"/>
+            <a:ext cx="7692480" cy="5451480"/>
           </a:xfrm>
           <a:prstGeom prst="rect">
             <a:avLst/>
@@ -20295,7 +13942,7 @@
                 <a:latin typeface="Arial"/>
                 <a:ea typeface="Calibri"/>
               </a:rPr>
-              <a:t> </a:t>
+              <a:t>O que é Banco de dados?</a:t>
             </a:r>
             <a:endParaRPr b="0" lang="pt-BR" sz="1800" spc="-1" strike="noStrike">
               <a:solidFill>
@@ -20305,6 +13952,151 @@
             </a:endParaRPr>
           </a:p>
           <a:p>
+            <a:pPr lvl="1" marL="432000" indent="-216000" algn="just">
+              <a:lnSpc>
+                <a:spcPct val="115000"/>
+              </a:lnSpc>
+              <a:buClr>
+                <a:srgbClr val="000000"/>
+              </a:buClr>
+              <a:buSzPct val="45000"/>
+              <a:buFont typeface="Wingdings" charset="2"/>
+              <a:buChar char=""/>
+            </a:pPr>
+            <a:r>
+              <a:rPr b="0" lang="pt-BR" sz="1800" spc="-1" strike="noStrike">
+                <a:solidFill>
+                  <a:srgbClr val="01498e"/>
+                </a:solidFill>
+                <a:latin typeface="Arial"/>
+                <a:ea typeface="Calibri"/>
+              </a:rPr>
+              <a:t>É um sistema organizado para armazenar, gerenciar e recuperar informações de forma eficiente.</a:t>
+            </a:r>
+            <a:endParaRPr b="0" lang="pt-BR" sz="1800" spc="-1" strike="noStrike">
+              <a:solidFill>
+                <a:srgbClr val="000000"/>
+              </a:solidFill>
+              <a:latin typeface="Arial"/>
+            </a:endParaRPr>
+          </a:p>
+          <a:p>
+            <a:pPr lvl="2" marL="648000" indent="-216000" algn="just">
+              <a:lnSpc>
+                <a:spcPct val="115000"/>
+              </a:lnSpc>
+              <a:buClr>
+                <a:srgbClr val="000000"/>
+              </a:buClr>
+              <a:buSzPct val="45000"/>
+              <a:buFont typeface="Wingdings" charset="2"/>
+              <a:buChar char=""/>
+            </a:pPr>
+            <a:r>
+              <a:rPr b="0" lang="pt-BR" sz="1800" spc="-1" strike="noStrike">
+                <a:solidFill>
+                  <a:srgbClr val="01498e"/>
+                </a:solidFill>
+                <a:latin typeface="Arial"/>
+                <a:ea typeface="Calibri"/>
+              </a:rPr>
+              <a:t>Tipos:</a:t>
+            </a:r>
+            <a:endParaRPr b="0" lang="pt-BR" sz="1800" spc="-1" strike="noStrike">
+              <a:solidFill>
+                <a:srgbClr val="000000"/>
+              </a:solidFill>
+              <a:latin typeface="Arial"/>
+            </a:endParaRPr>
+          </a:p>
+          <a:p>
+            <a:pPr lvl="3" marL="864000" indent="-216000" algn="just">
+              <a:lnSpc>
+                <a:spcPct val="115000"/>
+              </a:lnSpc>
+              <a:buClr>
+                <a:srgbClr val="000000"/>
+              </a:buClr>
+              <a:buSzPct val="45000"/>
+              <a:buFont typeface="Wingdings" charset="2"/>
+              <a:buChar char=""/>
+            </a:pPr>
+            <a:r>
+              <a:rPr b="0" lang="pt-BR" sz="1800" spc="-1" strike="noStrike">
+                <a:solidFill>
+                  <a:srgbClr val="01498e"/>
+                </a:solidFill>
+                <a:latin typeface="Arial"/>
+                <a:ea typeface="Calibri"/>
+              </a:rPr>
+              <a:t>Relacionais (ex: MySQL, PostgreSQL): Armazenam dados em tabelas com relações definidas (linhas = registros; colunas = atributos).</a:t>
+            </a:r>
+            <a:endParaRPr b="0" lang="pt-BR" sz="1800" spc="-1" strike="noStrike">
+              <a:solidFill>
+                <a:srgbClr val="000000"/>
+              </a:solidFill>
+              <a:latin typeface="Arial"/>
+            </a:endParaRPr>
+          </a:p>
+          <a:p>
+            <a:pPr lvl="3" marL="864000" indent="-216000" algn="just">
+              <a:lnSpc>
+                <a:spcPct val="115000"/>
+              </a:lnSpc>
+              <a:buClr>
+                <a:srgbClr val="000000"/>
+              </a:buClr>
+              <a:buSzPct val="45000"/>
+              <a:buFont typeface="Wingdings" charset="2"/>
+              <a:buChar char=""/>
+            </a:pPr>
+            <a:r>
+              <a:rPr b="0" lang="pt-BR" sz="1800" spc="-1" strike="noStrike">
+                <a:solidFill>
+                  <a:srgbClr val="01498e"/>
+                </a:solidFill>
+                <a:latin typeface="Arial"/>
+                <a:ea typeface="Calibri"/>
+              </a:rPr>
+              <a:t>Não relacionais (ex: MongoDB, Redis): Flexíveis, sem esquema fixo (documentos, chave-valor, grafos).</a:t>
+            </a:r>
+            <a:endParaRPr b="0" lang="pt-BR" sz="1800" spc="-1" strike="noStrike">
+              <a:solidFill>
+                <a:srgbClr val="000000"/>
+              </a:solidFill>
+              <a:latin typeface="Arial"/>
+            </a:endParaRPr>
+          </a:p>
+          <a:p>
+            <a:pPr lvl="1" marL="432000" indent="-216000" algn="just">
+              <a:lnSpc>
+                <a:spcPct val="115000"/>
+              </a:lnSpc>
+              <a:buClr>
+                <a:srgbClr val="000000"/>
+              </a:buClr>
+              <a:buSzPct val="45000"/>
+              <a:buFont typeface="Wingdings" charset="2"/>
+              <a:buChar char=""/>
+            </a:pPr>
+            <a:r>
+              <a:rPr b="0" lang="pt-BR" sz="1800" spc="-1" strike="noStrike">
+                <a:solidFill>
+                  <a:srgbClr val="01498e"/>
+                </a:solidFill>
+                <a:latin typeface="Arial"/>
+                <a:ea typeface="Calibri"/>
+              </a:rPr>
+              <a:t>Vantagens: Escalabilidade, Segurança, integridade dos dados e consultas estruturadas.</a:t>
+            </a:r>
+            <a:endParaRPr b="0" lang="pt-BR" sz="1800" spc="-1" strike="noStrike">
+              <a:solidFill>
+                <a:srgbClr val="000000"/>
+              </a:solidFill>
+              <a:latin typeface="Arial"/>
+            </a:endParaRPr>
+          </a:p>
+          <a:p>
             <a:pPr algn="just">
               <a:lnSpc>
                 <a:spcPct val="115000"/>
@@ -20318,7 +14110,7 @@
             </a:endParaRPr>
           </a:p>
           <a:p>
-            <a:pPr algn="just">
+            <a:pPr marL="216000" algn="just">
               <a:lnSpc>
                 <a:spcPct val="115000"/>
               </a:lnSpc>
@@ -20382,44 +14174,8 @@
               <a:latin typeface="Arial"/>
             </a:endParaRPr>
           </a:p>
-          <a:p>
-            <a:pPr marL="216000" algn="just">
-              <a:lnSpc>
-                <a:spcPct val="115000"/>
-              </a:lnSpc>
-            </a:pPr>
-            <a:endParaRPr b="0" lang="pt-BR" sz="1800" spc="-1" strike="noStrike">
-              <a:solidFill>
-                <a:srgbClr val="000000"/>
-              </a:solidFill>
-              <a:latin typeface="Arial"/>
-            </a:endParaRPr>
-          </a:p>
-        </p:txBody>
-      </p:sp>
-      <p:pic>
-        <p:nvPicPr>
-          <p:cNvPr id="187" name="Imagem 247" descr=""/>
-          <p:cNvPicPr/>
-          <p:nvPr/>
-        </p:nvPicPr>
-        <p:blipFill>
-          <a:blip r:embed="rId2"/>
-          <a:stretch/>
-        </p:blipFill>
-        <p:spPr>
-          <a:xfrm>
-            <a:off x="180000" y="1136880"/>
-            <a:ext cx="7703280" cy="3303000"/>
-          </a:xfrm>
-          <a:prstGeom prst="rect">
-            <a:avLst/>
-          </a:prstGeom>
-          <a:ln w="0">
-            <a:noFill/>
-          </a:ln>
-        </p:spPr>
-      </p:pic>
+        </p:txBody>
+      </p:sp>
     </p:spTree>
   </p:cSld>
   <mc:AlternateContent>
@@ -20452,14 +14208,14 @@
       </p:grpSpPr>
       <p:sp>
         <p:nvSpPr>
-          <p:cNvPr id="188" name="Título 33"/>
+          <p:cNvPr id="185" name="Título 13"/>
           <p:cNvSpPr/>
           <p:nvPr/>
         </p:nvSpPr>
         <p:spPr>
           <a:xfrm>
-            <a:off x="291960" y="32040"/>
-            <a:ext cx="5586120" cy="898560"/>
+            <a:off x="291960" y="189000"/>
+            <a:ext cx="7479000" cy="898560"/>
           </a:xfrm>
           <a:prstGeom prst="rect">
             <a:avLst/>
@@ -20493,8 +14249,21 @@
                 <a:latin typeface="Overpass"/>
                 <a:ea typeface="Overpass"/>
               </a:rPr>
-              <a:t>Let’s Work</a:t>
-            </a:r>
+              <a:t>SQL </a:t>
+            </a:r>
+            <a:endParaRPr b="0" lang="pt-BR" sz="5400" spc="-1" strike="noStrike">
+              <a:solidFill>
+                <a:srgbClr val="000000"/>
+              </a:solidFill>
+              <a:latin typeface="Arial"/>
+            </a:endParaRPr>
+          </a:p>
+          <a:p>
+            <a:pPr>
+              <a:lnSpc>
+                <a:spcPct val="100000"/>
+              </a:lnSpc>
+            </a:pPr>
             <a:endParaRPr b="0" lang="pt-BR" sz="5400" spc="-1" strike="noStrike">
               <a:solidFill>
                 <a:srgbClr val="000000"/>
@@ -20506,18 +14275,19 @@
       </p:sp>
       <p:pic>
         <p:nvPicPr>
-          <p:cNvPr id="189" name="Imagem 41" descr=""/>
+          <p:cNvPr id="186" name="Imagem 19" descr=""/>
           <p:cNvPicPr/>
           <p:nvPr/>
         </p:nvPicPr>
         <p:blipFill>
           <a:blip r:embed="rId1"/>
+          <a:srcRect l="0" t="0" r="0" b="20507"/>
           <a:stretch/>
         </p:blipFill>
         <p:spPr>
-          <a:xfrm rot="5400000">
-            <a:off x="7715880" y="-111600"/>
-            <a:ext cx="2972520" cy="3196440"/>
+          <a:xfrm>
+            <a:off x="8100720" y="900720"/>
+            <a:ext cx="2141280" cy="3602160"/>
           </a:xfrm>
           <a:prstGeom prst="rect">
             <a:avLst/>
@@ -20529,14 +14299,14 @@
       </p:pic>
       <p:sp>
         <p:nvSpPr>
-          <p:cNvPr id="190" name="CaixaDeTexto 33"/>
+          <p:cNvPr id="187" name="CaixaDeTexto 13"/>
           <p:cNvSpPr/>
           <p:nvPr/>
         </p:nvSpPr>
         <p:spPr>
           <a:xfrm>
-            <a:off x="180000" y="900000"/>
-            <a:ext cx="7418160" cy="4820040"/>
+            <a:off x="291960" y="1113480"/>
+            <a:ext cx="7692480" cy="4820760"/>
           </a:xfrm>
           <a:prstGeom prst="rect">
             <a:avLst/>
@@ -20575,27 +14345,8 @@
                 <a:latin typeface="Arial"/>
                 <a:ea typeface="Calibri"/>
               </a:rPr>
-              <a:t>Problema 2:</a:t>
-            </a:r>
-            <a:endParaRPr b="0" lang="pt-BR" sz="1800" spc="-1" strike="noStrike">
-              <a:solidFill>
-                <a:srgbClr val="000000"/>
-              </a:solidFill>
-              <a:latin typeface="Arial"/>
-            </a:endParaRPr>
-          </a:p>
-          <a:p>
-            <a:pPr lvl="1" marL="432000" indent="-216000" algn="just">
-              <a:lnSpc>
-                <a:spcPct val="115000"/>
-              </a:lnSpc>
-              <a:buClr>
-                <a:srgbClr val="000000"/>
-              </a:buClr>
-              <a:buSzPct val="45000"/>
-              <a:buFont typeface="Wingdings" charset="2"/>
-              <a:buChar char=""/>
-            </a:pPr>
+              <a:t>SQL é a linguagem padrão para interagir com bancos de dados </a:t>
+            </a:r>
             <a:r>
               <a:rPr b="0" lang="pt-BR" sz="1800" spc="-1" strike="noStrike">
                 <a:solidFill>
@@ -20604,7 +14355,7 @@
                 <a:latin typeface="Arial"/>
                 <a:ea typeface="Calibri"/>
               </a:rPr>
-              <a:t>Sincronize o repositório</a:t>
+              <a:t>relacionais.</a:t>
             </a:r>
             <a:endParaRPr b="0" lang="pt-BR" sz="1800" spc="-1" strike="noStrike">
               <a:solidFill>
@@ -20614,16 +14365,15 @@
             </a:endParaRPr>
           </a:p>
           <a:p>
-            <a:pPr lvl="1" marL="432000" indent="-216000" algn="just">
+            <a:pPr marL="216000" indent="-216000" algn="just">
               <a:lnSpc>
                 <a:spcPct val="115000"/>
               </a:lnSpc>
               <a:buClr>
                 <a:srgbClr val="000000"/>
               </a:buClr>
-              <a:buSzPct val="45000"/>
-              <a:buFont typeface="Wingdings" charset="2"/>
-              <a:buChar char=""/>
+              <a:buFont typeface="Arial"/>
+              <a:buChar char="●"/>
             </a:pPr>
             <a:r>
               <a:rPr b="0" lang="pt-BR" sz="1800" spc="-1" strike="noStrike">
@@ -20633,33 +14383,8 @@
                 <a:latin typeface="Arial"/>
                 <a:ea typeface="Calibri"/>
               </a:rPr>
-              <a:t>git clone </a:t>
-            </a:r>
-            <a:r>
-              <a:rPr b="0" lang="pt-BR" sz="1800" spc="-1" strike="noStrike" u="sng">
-                <a:solidFill>
-                  <a:srgbClr val="2998e3"/>
-                </a:solidFill>
-                <a:uFillTx/>
-                <a:latin typeface="Arial"/>
-                <a:ea typeface="Calibri"/>
-                <a:hlinkClick r:id="rId2"/>
-              </a:rPr>
-              <a:t>https://github.com/NaturalCoder/PY2</a:t>
-            </a:r>
-            <a:endParaRPr b="0" lang="pt-BR" sz="1800" spc="-1" strike="noStrike">
-              <a:solidFill>
-                <a:srgbClr val="000000"/>
-              </a:solidFill>
-              <a:latin typeface="Arial"/>
-            </a:endParaRPr>
-          </a:p>
-          <a:p>
-            <a:pPr algn="just">
-              <a:lnSpc>
-                <a:spcPct val="115000"/>
-              </a:lnSpc>
-            </a:pPr>
+              <a:t>Operações Básicas (CRUD):</a:t>
+            </a:r>
             <a:endParaRPr b="0" lang="pt-BR" sz="1800" spc="-1" strike="noStrike">
               <a:solidFill>
                 <a:srgbClr val="000000"/>
@@ -20687,7 +14412,7 @@
                 <a:latin typeface="Arial"/>
                 <a:ea typeface="Calibri"/>
               </a:rPr>
-              <a:t>Dada aplicação ativ02 modifique-a</a:t>
+              <a:t>CREATE: INSERT INTO tabela (coluna) VALUES (valor);</a:t>
             </a:r>
             <a:endParaRPr b="0" lang="pt-BR" sz="1800" spc="-1" strike="noStrike">
               <a:solidFill>
@@ -20697,7 +14422,7 @@
             </a:endParaRPr>
           </a:p>
           <a:p>
-            <a:pPr lvl="2" marL="648000" indent="-216000" algn="just">
+            <a:pPr lvl="1" marL="432000" indent="-216000" algn="just">
               <a:lnSpc>
                 <a:spcPct val="115000"/>
               </a:lnSpc>
@@ -20716,7 +14441,7 @@
                 <a:latin typeface="Arial"/>
                 <a:ea typeface="Calibri"/>
               </a:rPr>
-              <a:t>Implemente o carregamento da lista de usuarios de um arquivo .json</a:t>
+              <a:t>READ: SELECT * FROM tabela WHERE condição;</a:t>
             </a:r>
             <a:endParaRPr b="0" lang="pt-BR" sz="1800" spc="-1" strike="noStrike">
               <a:solidFill>
@@ -20726,7 +14451,7 @@
             </a:endParaRPr>
           </a:p>
           <a:p>
-            <a:pPr lvl="2" marL="648000" indent="-216000" algn="just">
+            <a:pPr lvl="1" marL="432000" indent="-216000" algn="just">
               <a:lnSpc>
                 <a:spcPct val="115000"/>
               </a:lnSpc>
@@ -20745,21 +14470,8 @@
                 <a:latin typeface="Arial"/>
                 <a:ea typeface="Calibri"/>
               </a:rPr>
-              <a:t>Implemente a checkagem de senha por HASH</a:t>
-            </a:r>
-            <a:endParaRPr b="0" lang="pt-BR" sz="1800" spc="-1" strike="noStrike">
-              <a:solidFill>
-                <a:srgbClr val="000000"/>
-              </a:solidFill>
-              <a:latin typeface="Arial"/>
-            </a:endParaRPr>
-          </a:p>
-          <a:p>
-            <a:pPr algn="just">
-              <a:lnSpc>
-                <a:spcPct val="115000"/>
-              </a:lnSpc>
-            </a:pPr>
+              <a:t>UPDATE: UPDATE tabela SET coluna = valor WHERE condição;</a:t>
+            </a:r>
             <a:endParaRPr b="0" lang="pt-BR" sz="1800" spc="-1" strike="noStrike">
               <a:solidFill>
                 <a:srgbClr val="000000"/>
@@ -20787,7 +14499,7 @@
                 <a:latin typeface="Arial"/>
                 <a:ea typeface="Calibri"/>
               </a:rPr>
-              <a:t>Faça um fork do repositório em seguida um “pull request” PR para enviar as respostas</a:t>
+              <a:t>DELETE: DELETE FROM tabela WHERE condição;</a:t>
             </a:r>
             <a:endParaRPr b="0" lang="pt-BR" sz="1800" spc="-1" strike="noStrike">
               <a:solidFill>
@@ -20797,11 +14509,26 @@
             </a:endParaRPr>
           </a:p>
           <a:p>
-            <a:pPr algn="just">
+            <a:pPr marL="216000" indent="-216000" algn="just">
               <a:lnSpc>
                 <a:spcPct val="115000"/>
               </a:lnSpc>
-            </a:pPr>
+              <a:buClr>
+                <a:srgbClr val="000000"/>
+              </a:buClr>
+              <a:buFont typeface="Arial"/>
+              <a:buChar char="●"/>
+            </a:pPr>
+            <a:r>
+              <a:rPr b="0" lang="pt-BR" sz="1800" spc="-1" strike="noStrike">
+                <a:solidFill>
+                  <a:srgbClr val="01498e"/>
+                </a:solidFill>
+                <a:latin typeface="Arial"/>
+                <a:ea typeface="Calibri"/>
+              </a:rPr>
+              <a:t>Características</a:t>
+            </a:r>
             <a:endParaRPr b="0" lang="pt-BR" sz="1800" spc="-1" strike="noStrike">
               <a:solidFill>
                 <a:srgbClr val="000000"/>
@@ -20810,11 +14537,27 @@
             </a:endParaRPr>
           </a:p>
           <a:p>
-            <a:pPr algn="just">
+            <a:pPr lvl="1" marL="432000" indent="-216000" algn="just">
               <a:lnSpc>
                 <a:spcPct val="115000"/>
               </a:lnSpc>
-            </a:pPr>
+              <a:buClr>
+                <a:srgbClr val="000000"/>
+              </a:buClr>
+              <a:buSzPct val="45000"/>
+              <a:buFont typeface="Wingdings" charset="2"/>
+              <a:buChar char=""/>
+            </a:pPr>
+            <a:r>
+              <a:rPr b="0" lang="pt-BR" sz="1800" spc="-1" strike="noStrike">
+                <a:solidFill>
+                  <a:srgbClr val="01498e"/>
+                </a:solidFill>
+                <a:latin typeface="Arial"/>
+                <a:ea typeface="Calibri"/>
+              </a:rPr>
+              <a:t>Sintaxe declarativa (diz "o quê" fazer, não "como").</a:t>
+            </a:r>
             <a:endParaRPr b="0" lang="pt-BR" sz="1800" spc="-1" strike="noStrike">
               <a:solidFill>
                 <a:srgbClr val="000000"/>
@@ -20823,11 +14566,27 @@
             </a:endParaRPr>
           </a:p>
           <a:p>
-            <a:pPr algn="just">
+            <a:pPr lvl="1" marL="432000" indent="-216000" algn="just">
               <a:lnSpc>
                 <a:spcPct val="115000"/>
               </a:lnSpc>
-            </a:pPr>
+              <a:buClr>
+                <a:srgbClr val="000000"/>
+              </a:buClr>
+              <a:buSzPct val="45000"/>
+              <a:buFont typeface="Wingdings" charset="2"/>
+              <a:buChar char=""/>
+            </a:pPr>
+            <a:r>
+              <a:rPr b="0" lang="pt-BR" sz="1800" spc="-1" strike="noStrike">
+                <a:solidFill>
+                  <a:srgbClr val="01498e"/>
+                </a:solidFill>
+                <a:latin typeface="Arial"/>
+                <a:ea typeface="Calibri"/>
+              </a:rPr>
+              <a:t>Suporta definição de esquemas, restrições e transações (ACID).</a:t>
+            </a:r>
             <a:endParaRPr b="0" lang="pt-BR" sz="1800" spc="-1" strike="noStrike">
               <a:solidFill>
                 <a:srgbClr val="000000"/>
@@ -20836,7 +14595,59 @@
             </a:endParaRPr>
           </a:p>
           <a:p>
-            <a:pPr algn="just">
+            <a:pPr marL="216000" algn="just">
+              <a:lnSpc>
+                <a:spcPct val="115000"/>
+              </a:lnSpc>
+            </a:pPr>
+            <a:endParaRPr b="0" lang="pt-BR" sz="1800" spc="-1" strike="noStrike">
+              <a:solidFill>
+                <a:srgbClr val="000000"/>
+              </a:solidFill>
+              <a:latin typeface="Arial"/>
+            </a:endParaRPr>
+          </a:p>
+          <a:p>
+            <a:pPr marL="216000" algn="just">
+              <a:lnSpc>
+                <a:spcPct val="115000"/>
+              </a:lnSpc>
+            </a:pPr>
+            <a:endParaRPr b="0" lang="pt-BR" sz="1800" spc="-1" strike="noStrike">
+              <a:solidFill>
+                <a:srgbClr val="000000"/>
+              </a:solidFill>
+              <a:latin typeface="Arial"/>
+            </a:endParaRPr>
+          </a:p>
+          <a:p>
+            <a:pPr marL="216000" algn="just">
+              <a:lnSpc>
+                <a:spcPct val="115000"/>
+              </a:lnSpc>
+            </a:pPr>
+            <a:endParaRPr b="0" lang="pt-BR" sz="1800" spc="-1" strike="noStrike">
+              <a:solidFill>
+                <a:srgbClr val="000000"/>
+              </a:solidFill>
+              <a:latin typeface="Arial"/>
+            </a:endParaRPr>
+          </a:p>
+          <a:p>
+            <a:pPr marL="216000" algn="just">
+              <a:lnSpc>
+                <a:spcPct val="115000"/>
+              </a:lnSpc>
+            </a:pPr>
+            <a:endParaRPr b="0" lang="pt-BR" sz="1800" spc="-1" strike="noStrike">
+              <a:solidFill>
+                <a:srgbClr val="000000"/>
+              </a:solidFill>
+              <a:latin typeface="Arial"/>
+            </a:endParaRPr>
+          </a:p>
+          <a:p>
+            <a:pPr marL="216000" algn="just">
               <a:lnSpc>
                 <a:spcPct val="115000"/>
               </a:lnSpc>
@@ -20882,7 +14693,7 @@
       </p:grpSpPr>
       <p:sp>
         <p:nvSpPr>
-          <p:cNvPr id="191" name="Título 32"/>
+          <p:cNvPr id="188" name="Título 14"/>
           <p:cNvSpPr/>
           <p:nvPr/>
         </p:nvSpPr>
@@ -20923,7 +14734,7 @@
                 <a:latin typeface="Overpass"/>
                 <a:ea typeface="Overpass"/>
               </a:rPr>
-              <a:t>Flask </a:t>
+              <a:t>SQL </a:t>
             </a:r>
             <a:endParaRPr b="0" lang="pt-BR" sz="5400" spc="-1" strike="noStrike">
               <a:solidFill>
@@ -20949,7 +14760,7 @@
       </p:sp>
       <p:pic>
         <p:nvPicPr>
-          <p:cNvPr id="192" name="Imagem 37" descr=""/>
+          <p:cNvPr id="189" name="Imagem 20" descr=""/>
           <p:cNvPicPr/>
           <p:nvPr/>
         </p:nvPicPr>
@@ -20973,7 +14784,7 @@
       </p:pic>
       <p:sp>
         <p:nvSpPr>
-          <p:cNvPr id="193" name="CaixaDeTexto 32"/>
+          <p:cNvPr id="190" name="CaixaDeTexto 14"/>
           <p:cNvSpPr/>
           <p:nvPr/>
         </p:nvSpPr>
@@ -21019,27 +14830,8 @@
                 <a:latin typeface="Arial"/>
                 <a:ea typeface="Calibri"/>
               </a:rPr>
-              <a:t>Introdução ao Flask</a:t>
-            </a:r>
-            <a:endParaRPr b="0" lang="pt-BR" sz="1800" spc="-1" strike="noStrike">
-              <a:solidFill>
-                <a:srgbClr val="000000"/>
-              </a:solidFill>
-              <a:latin typeface="Arial"/>
-            </a:endParaRPr>
-          </a:p>
-          <a:p>
-            <a:pPr lvl="1" marL="432000" indent="-216000" algn="just">
-              <a:lnSpc>
-                <a:spcPct val="115000"/>
-              </a:lnSpc>
-              <a:buClr>
-                <a:srgbClr val="000000"/>
-              </a:buClr>
-              <a:buSzPct val="45000"/>
-              <a:buFont typeface="Wingdings" charset="2"/>
-              <a:buChar char=""/>
-            </a:pPr>
+              <a:t>Flask-SQLAlchemy é uma extensão do </a:t>
+            </a:r>
             <a:r>
               <a:rPr b="0" lang="pt-BR" sz="1800" spc="-1" strike="noStrike">
                 <a:solidFill>
@@ -21048,27 +14840,8 @@
                 <a:latin typeface="Arial"/>
                 <a:ea typeface="Calibri"/>
               </a:rPr>
-              <a:t>Microframework: Leve e flexível.</a:t>
-            </a:r>
-            <a:endParaRPr b="0" lang="pt-BR" sz="1800" spc="-1" strike="noStrike">
-              <a:solidFill>
-                <a:srgbClr val="000000"/>
-              </a:solidFill>
-              <a:latin typeface="Arial"/>
-            </a:endParaRPr>
-          </a:p>
-          <a:p>
-            <a:pPr lvl="1" marL="432000" indent="-216000" algn="just">
-              <a:lnSpc>
-                <a:spcPct val="115000"/>
-              </a:lnSpc>
-              <a:buClr>
-                <a:srgbClr val="000000"/>
-              </a:buClr>
-              <a:buSzPct val="45000"/>
-              <a:buFont typeface="Wingdings" charset="2"/>
-              <a:buChar char=""/>
-            </a:pPr>
+              <a:t>framework Flask que integra o SQLAlchemy </a:t>
+            </a:r>
             <a:r>
               <a:rPr b="0" lang="pt-BR" sz="1800" spc="-1" strike="noStrike">
                 <a:solidFill>
@@ -21077,27 +14850,8 @@
                 <a:latin typeface="Arial"/>
                 <a:ea typeface="Calibri"/>
               </a:rPr>
-              <a:t>Componentes principais:</a:t>
-            </a:r>
-            <a:endParaRPr b="0" lang="pt-BR" sz="1800" spc="-1" strike="noStrike">
-              <a:solidFill>
-                <a:srgbClr val="000000"/>
-              </a:solidFill>
-              <a:latin typeface="Arial"/>
-            </a:endParaRPr>
-          </a:p>
-          <a:p>
-            <a:pPr lvl="2" marL="648000" indent="-216000" algn="just">
-              <a:lnSpc>
-                <a:spcPct val="115000"/>
-              </a:lnSpc>
-              <a:buClr>
-                <a:srgbClr val="000000"/>
-              </a:buClr>
-              <a:buSzPct val="45000"/>
-              <a:buFont typeface="Wingdings" charset="2"/>
-              <a:buChar char=""/>
-            </a:pPr>
+              <a:t>(ORM - Object-Relational Mapping) para </a:t>
+            </a:r>
             <a:r>
               <a:rPr b="0" lang="pt-BR" sz="1800" spc="-1" strike="noStrike">
                 <a:solidFill>
@@ -21106,7 +14860,7 @@
                 <a:latin typeface="Arial"/>
                 <a:ea typeface="Calibri"/>
               </a:rPr>
-              <a:t>Jinja2 (templates HTML).</a:t>
+              <a:t>simplificar o trabalho com bancos de dados.</a:t>
             </a:r>
             <a:endParaRPr b="0" lang="pt-BR" sz="1800" spc="-1" strike="noStrike">
               <a:solidFill>
@@ -21116,16 +14870,15 @@
             </a:endParaRPr>
           </a:p>
           <a:p>
-            <a:pPr lvl="2" marL="648000" indent="-216000" algn="just">
+            <a:pPr marL="216000" indent="-216000" algn="just">
               <a:lnSpc>
                 <a:spcPct val="115000"/>
               </a:lnSpc>
               <a:buClr>
                 <a:srgbClr val="000000"/>
               </a:buClr>
-              <a:buSzPct val="45000"/>
-              <a:buFont typeface="Wingdings" charset="2"/>
-              <a:buChar char=""/>
+              <a:buFont typeface="Arial"/>
+              <a:buChar char="●"/>
             </a:pPr>
             <a:r>
               <a:rPr b="0" lang="pt-BR" sz="1800" spc="-1" strike="noStrike">
@@ -21135,27 +14888,8 @@
                 <a:latin typeface="Arial"/>
                 <a:ea typeface="Calibri"/>
               </a:rPr>
-              <a:t>Werkzeug (ferramentas de servidor).</a:t>
-            </a:r>
-            <a:endParaRPr b="0" lang="pt-BR" sz="1800" spc="-1" strike="noStrike">
-              <a:solidFill>
-                <a:srgbClr val="000000"/>
-              </a:solidFill>
-              <a:latin typeface="Arial"/>
-            </a:endParaRPr>
-          </a:p>
-          <a:p>
-            <a:pPr lvl="1" marL="432000" indent="-216000" algn="just">
-              <a:lnSpc>
-                <a:spcPct val="115000"/>
-              </a:lnSpc>
-              <a:buClr>
-                <a:srgbClr val="000000"/>
-              </a:buClr>
-              <a:buSzPct val="45000"/>
-              <a:buFont typeface="Wingdings" charset="2"/>
-              <a:buChar char=""/>
-            </a:pPr>
+              <a:t>ORM: Mapeia tabelas para classes Py e </a:t>
+            </a:r>
             <a:r>
               <a:rPr b="0" lang="pt-BR" sz="1800" spc="-1" strike="noStrike">
                 <a:solidFill>
@@ -21164,7 +14898,7 @@
                 <a:latin typeface="Arial"/>
                 <a:ea typeface="Calibri"/>
               </a:rPr>
-              <a:t>Quando usar?</a:t>
+              <a:t>registros para objetos.</a:t>
             </a:r>
             <a:endParaRPr b="0" lang="pt-BR" sz="1800" spc="-1" strike="noStrike">
               <a:solidFill>
@@ -21174,7 +14908,7 @@
             </a:endParaRPr>
           </a:p>
           <a:p>
-            <a:pPr lvl="2" marL="648000" indent="-216000" algn="just">
+            <a:pPr lvl="1" marL="432000" indent="-216000" algn="just">
               <a:lnSpc>
                 <a:spcPct val="115000"/>
               </a:lnSpc>
@@ -21193,7 +14927,7 @@
                 <a:latin typeface="Arial"/>
                 <a:ea typeface="Calibri"/>
               </a:rPr>
-              <a:t>Protótipos rápidos.</a:t>
+              <a:t>Exemplo:</a:t>
             </a:r>
             <a:endParaRPr b="0" lang="pt-BR" sz="1800" spc="-1" strike="noStrike">
               <a:solidFill>
@@ -21203,7 +14937,64 @@
             </a:endParaRPr>
           </a:p>
           <a:p>
-            <a:pPr lvl="2" marL="648000" indent="-216000" algn="just">
+            <a:pPr lvl="1" marL="432000" indent="-216000" algn="just">
+              <a:lnSpc>
+                <a:spcPct val="115000"/>
+              </a:lnSpc>
+              <a:buClr>
+                <a:srgbClr val="000000"/>
+              </a:buClr>
+              <a:buSzPct val="45000"/>
+              <a:buFont typeface="Wingdings" charset="2"/>
+              <a:buChar char=""/>
+            </a:pPr>
+            <a:endParaRPr b="0" lang="pt-BR" sz="1800" spc="-1" strike="noStrike">
+              <a:solidFill>
+                <a:srgbClr val="000000"/>
+              </a:solidFill>
+              <a:latin typeface="Arial"/>
+            </a:endParaRPr>
+          </a:p>
+          <a:p>
+            <a:pPr lvl="1" marL="432000" indent="-216000" algn="just">
+              <a:lnSpc>
+                <a:spcPct val="115000"/>
+              </a:lnSpc>
+              <a:buClr>
+                <a:srgbClr val="000000"/>
+              </a:buClr>
+              <a:buSzPct val="45000"/>
+              <a:buFont typeface="Wingdings" charset="2"/>
+              <a:buChar char=""/>
+            </a:pPr>
+            <a:endParaRPr b="0" lang="pt-BR" sz="1800" spc="-1" strike="noStrike">
+              <a:solidFill>
+                <a:srgbClr val="000000"/>
+              </a:solidFill>
+              <a:latin typeface="Arial"/>
+            </a:endParaRPr>
+          </a:p>
+          <a:p>
+            <a:pPr lvl="1" marL="432000" indent="-216000" algn="just">
+              <a:lnSpc>
+                <a:spcPct val="115000"/>
+              </a:lnSpc>
+              <a:buClr>
+                <a:srgbClr val="000000"/>
+              </a:buClr>
+              <a:buSzPct val="45000"/>
+              <a:buFont typeface="Wingdings" charset="2"/>
+              <a:buChar char=""/>
+            </a:pPr>
+            <a:endParaRPr b="0" lang="pt-BR" sz="1800" spc="-1" strike="noStrike">
+              <a:solidFill>
+                <a:srgbClr val="000000"/>
+              </a:solidFill>
+              <a:latin typeface="Arial"/>
+            </a:endParaRPr>
+          </a:p>
+          <a:p>
+            <a:pPr lvl="1" marL="432000" indent="-216000" algn="just">
               <a:lnSpc>
                 <a:spcPct val="115000"/>
               </a:lnSpc>
@@ -21222,7 +15013,7 @@
                 <a:latin typeface="Arial"/>
                 <a:ea typeface="Calibri"/>
               </a:rPr>
-              <a:t>APIs RESTful.</a:t>
+              <a:t>Vantagens:</a:t>
             </a:r>
             <a:endParaRPr b="0" lang="pt-BR" sz="1800" spc="-1" strike="noStrike">
               <a:solidFill>
@@ -21251,7 +15042,17 @@
                 <a:latin typeface="Arial"/>
                 <a:ea typeface="Calibri"/>
               </a:rPr>
-              <a:t>Aplicações pequenas a médias.</a:t>
+              <a:t>Abstração do SQL: Escreve-se código </a:t>
+            </a:r>
+            <a:r>
+              <a:rPr b="0" lang="pt-BR" sz="1800" spc="-1" strike="noStrike">
+                <a:solidFill>
+                  <a:srgbClr val="01498e"/>
+                </a:solidFill>
+                <a:latin typeface="Arial"/>
+                <a:ea typeface="Calibri"/>
+              </a:rPr>
+              <a:t>Python, não SQL puro.</a:t>
             </a:r>
             <a:endParaRPr b="0" lang="pt-BR" sz="1800" spc="-1" strike="noStrike">
               <a:solidFill>
@@ -21261,6 +15062,74 @@
             </a:endParaRPr>
           </a:p>
           <a:p>
+            <a:pPr lvl="2" marL="648000" indent="-216000" algn="just">
+              <a:lnSpc>
+                <a:spcPct val="115000"/>
+              </a:lnSpc>
+              <a:buClr>
+                <a:srgbClr val="000000"/>
+              </a:buClr>
+              <a:buSzPct val="45000"/>
+              <a:buFont typeface="Wingdings" charset="2"/>
+              <a:buChar char=""/>
+            </a:pPr>
+            <a:r>
+              <a:rPr b="0" lang="pt-BR" sz="1800" spc="-1" strike="noStrike">
+                <a:solidFill>
+                  <a:srgbClr val="01498e"/>
+                </a:solidFill>
+                <a:latin typeface="Arial"/>
+                <a:ea typeface="Calibri"/>
+              </a:rPr>
+              <a:t>Gerenciamento de sessões e transações </a:t>
+            </a:r>
+            <a:r>
+              <a:rPr b="0" lang="pt-BR" sz="1800" spc="-1" strike="noStrike">
+                <a:solidFill>
+                  <a:srgbClr val="01498e"/>
+                </a:solidFill>
+                <a:latin typeface="Arial"/>
+                <a:ea typeface="Calibri"/>
+              </a:rPr>
+              <a:t>automático.</a:t>
+            </a:r>
+            <a:endParaRPr b="0" lang="pt-BR" sz="1800" spc="-1" strike="noStrike">
+              <a:solidFill>
+                <a:srgbClr val="000000"/>
+              </a:solidFill>
+              <a:latin typeface="Arial"/>
+            </a:endParaRPr>
+          </a:p>
+          <a:p>
+            <a:pPr lvl="2" marL="648000" indent="-216000" algn="just">
+              <a:lnSpc>
+                <a:spcPct val="115000"/>
+              </a:lnSpc>
+              <a:buClr>
+                <a:srgbClr val="000000"/>
+              </a:buClr>
+              <a:buSzPct val="45000"/>
+              <a:buFont typeface="Wingdings" charset="2"/>
+              <a:buChar char=""/>
+            </a:pPr>
+            <a:r>
+              <a:rPr b="0" lang="pt-BR" sz="1800" spc="-1" strike="noStrike">
+                <a:solidFill>
+                  <a:srgbClr val="01498e"/>
+                </a:solidFill>
+                <a:latin typeface="Arial"/>
+                <a:ea typeface="Calibri"/>
+              </a:rPr>
+              <a:t>Suporte a migrações (via Flask-Migrate)</a:t>
+            </a:r>
+            <a:endParaRPr b="0" lang="pt-BR" sz="1800" spc="-1" strike="noStrike">
+              <a:solidFill>
+                <a:srgbClr val="000000"/>
+              </a:solidFill>
+              <a:latin typeface="Arial"/>
+            </a:endParaRPr>
+          </a:p>
+          <a:p>
             <a:pPr marL="216000" algn="just">
               <a:lnSpc>
                 <a:spcPct val="115000"/>
@@ -21286,47 +15155,54 @@
               <a:latin typeface="Arial"/>
             </a:endParaRPr>
           </a:p>
-          <a:p>
-            <a:pPr marL="216000" algn="just">
-              <a:lnSpc>
-                <a:spcPct val="115000"/>
-              </a:lnSpc>
-            </a:pPr>
-            <a:endParaRPr b="0" lang="pt-BR" sz="1800" spc="-1" strike="noStrike">
-              <a:solidFill>
-                <a:srgbClr val="000000"/>
-              </a:solidFill>
-              <a:latin typeface="Arial"/>
-            </a:endParaRPr>
-          </a:p>
-          <a:p>
-            <a:pPr marL="216000" algn="just">
-              <a:lnSpc>
-                <a:spcPct val="115000"/>
-              </a:lnSpc>
-            </a:pPr>
-            <a:endParaRPr b="0" lang="pt-BR" sz="1800" spc="-1" strike="noStrike">
-              <a:solidFill>
-                <a:srgbClr val="000000"/>
-              </a:solidFill>
-              <a:latin typeface="Arial"/>
-            </a:endParaRPr>
-          </a:p>
-          <a:p>
-            <a:pPr marL="216000" algn="just">
-              <a:lnSpc>
-                <a:spcPct val="115000"/>
-              </a:lnSpc>
-            </a:pPr>
-            <a:endParaRPr b="0" lang="pt-BR" sz="1800" spc="-1" strike="noStrike">
-              <a:solidFill>
-                <a:srgbClr val="000000"/>
-              </a:solidFill>
-              <a:latin typeface="Arial"/>
-            </a:endParaRPr>
-          </a:p>
-        </p:txBody>
-      </p:sp>
+        </p:txBody>
+      </p:sp>
+      <p:pic>
+        <p:nvPicPr>
+          <p:cNvPr id="191" name="" descr=""/>
+          <p:cNvPicPr/>
+          <p:nvPr/>
+        </p:nvPicPr>
+        <p:blipFill>
+          <a:blip r:embed="rId2"/>
+          <a:stretch/>
+        </p:blipFill>
+        <p:spPr>
+          <a:xfrm>
+            <a:off x="1980000" y="2416320"/>
+            <a:ext cx="4923360" cy="1075680"/>
+          </a:xfrm>
+          <a:prstGeom prst="rect">
+            <a:avLst/>
+          </a:prstGeom>
+          <a:ln w="0">
+            <a:noFill/>
+          </a:ln>
+        </p:spPr>
+      </p:pic>
+      <p:pic>
+        <p:nvPicPr>
+          <p:cNvPr id="192" name="" descr=""/>
+          <p:cNvPicPr/>
+          <p:nvPr/>
+        </p:nvPicPr>
+        <p:blipFill>
+          <a:blip r:embed="rId3"/>
+          <a:stretch/>
+        </p:blipFill>
+        <p:spPr>
+          <a:xfrm>
+            <a:off x="2564280" y="3523680"/>
+            <a:ext cx="3951720" cy="447120"/>
+          </a:xfrm>
+          <a:prstGeom prst="rect">
+            <a:avLst/>
+          </a:prstGeom>
+          <a:ln w="0">
+            <a:noFill/>
+          </a:ln>
+        </p:spPr>
+      </p:pic>
     </p:spTree>
   </p:cSld>
   <mc:AlternateContent>
@@ -21357,6 +15233,417 @@
           <a:chExt cx="0" cy="0"/>
         </a:xfrm>
       </p:grpSpPr>
+      <p:sp>
+        <p:nvSpPr>
+          <p:cNvPr id="193" name="CaixaDeTexto 19"/>
+          <p:cNvSpPr/>
+          <p:nvPr/>
+        </p:nvSpPr>
+        <p:spPr>
+          <a:xfrm>
+            <a:off x="291960" y="1113480"/>
+            <a:ext cx="7088040" cy="4505400"/>
+          </a:xfrm>
+          <a:prstGeom prst="rect">
+            <a:avLst/>
+          </a:prstGeom>
+          <a:noFill/>
+          <a:ln w="0">
+            <a:noFill/>
+          </a:ln>
+        </p:spPr>
+        <p:style>
+          <a:lnRef idx="0"/>
+          <a:fillRef idx="0"/>
+          <a:effectRef idx="0"/>
+          <a:fontRef idx="minor"/>
+        </p:style>
+        <p:txBody>
+          <a:bodyPr lIns="90000" rIns="90000" tIns="45000" bIns="45000" anchor="t">
+            <a:spAutoFit/>
+          </a:bodyPr>
+          <a:p>
+            <a:pPr marL="216000" indent="-216000" algn="just">
+              <a:lnSpc>
+                <a:spcPct val="115000"/>
+              </a:lnSpc>
+              <a:buClr>
+                <a:srgbClr val="000000"/>
+              </a:buClr>
+              <a:buFont typeface="Arial"/>
+              <a:buChar char="●"/>
+            </a:pPr>
+            <a:r>
+              <a:rPr b="0" lang="pt-BR" sz="1800" spc="-1" strike="noStrike">
+                <a:solidFill>
+                  <a:srgbClr val="01498e"/>
+                </a:solidFill>
+                <a:latin typeface="Arial"/>
+                <a:ea typeface="Calibri"/>
+              </a:rPr>
+              <a:t>Ativ01 (atualizar ou clonar o repo </a:t>
+            </a:r>
+            <a:r>
+              <a:rPr b="0" lang="pt-BR" sz="1800" spc="-1" strike="noStrike">
+                <a:solidFill>
+                  <a:srgbClr val="01498e"/>
+                </a:solidFill>
+                <a:latin typeface="Arial"/>
+                <a:ea typeface="Calibri"/>
+              </a:rPr>
+              <a:t>https://github.com/NaturalCoder/PY2)</a:t>
+            </a:r>
+            <a:endParaRPr b="0" lang="pt-BR" sz="1800" spc="-1" strike="noStrike">
+              <a:solidFill>
+                <a:srgbClr val="000000"/>
+              </a:solidFill>
+              <a:latin typeface="Arial"/>
+            </a:endParaRPr>
+          </a:p>
+          <a:p>
+            <a:pPr lvl="1" marL="432000" indent="-216000" algn="just">
+              <a:lnSpc>
+                <a:spcPct val="115000"/>
+              </a:lnSpc>
+              <a:buClr>
+                <a:srgbClr val="000000"/>
+              </a:buClr>
+              <a:buSzPct val="45000"/>
+              <a:buFont typeface="Wingdings" charset="2"/>
+              <a:buChar char=""/>
+            </a:pPr>
+            <a:r>
+              <a:rPr b="0" lang="pt-BR" sz="1800" spc="-1" strike="noStrike">
+                <a:solidFill>
+                  <a:srgbClr val="01498e"/>
+                </a:solidFill>
+                <a:latin typeface="Arial"/>
+                <a:ea typeface="Calibri"/>
+              </a:rPr>
+              <a:t>Copie a pasta Ativ01 para entregas/SEUNOME/</a:t>
+            </a:r>
+            <a:endParaRPr b="0" lang="pt-BR" sz="1800" spc="-1" strike="noStrike">
+              <a:solidFill>
+                <a:srgbClr val="000000"/>
+              </a:solidFill>
+              <a:latin typeface="Arial"/>
+            </a:endParaRPr>
+          </a:p>
+          <a:p>
+            <a:pPr lvl="1" marL="432000" indent="-216000" algn="just">
+              <a:lnSpc>
+                <a:spcPct val="115000"/>
+              </a:lnSpc>
+              <a:buClr>
+                <a:srgbClr val="000000"/>
+              </a:buClr>
+              <a:buSzPct val="45000"/>
+              <a:buFont typeface="Wingdings" charset="2"/>
+              <a:buChar char=""/>
+            </a:pPr>
+            <a:r>
+              <a:rPr b="0" lang="pt-BR" sz="1800" spc="-1" strike="noStrike">
+                <a:solidFill>
+                  <a:srgbClr val="01498e"/>
+                </a:solidFill>
+                <a:latin typeface="Arial"/>
+                <a:ea typeface="Calibri"/>
+              </a:rPr>
+              <a:t>Corija o BUG que impede a exclusão de contatos</a:t>
+            </a:r>
+            <a:endParaRPr b="0" lang="pt-BR" sz="1800" spc="-1" strike="noStrike">
+              <a:solidFill>
+                <a:srgbClr val="000000"/>
+              </a:solidFill>
+              <a:latin typeface="Arial"/>
+            </a:endParaRPr>
+          </a:p>
+          <a:p>
+            <a:pPr lvl="1" marL="432000" indent="-216000" algn="just">
+              <a:lnSpc>
+                <a:spcPct val="115000"/>
+              </a:lnSpc>
+              <a:buClr>
+                <a:srgbClr val="000000"/>
+              </a:buClr>
+              <a:buSzPct val="45000"/>
+              <a:buFont typeface="Wingdings" charset="2"/>
+              <a:buChar char=""/>
+            </a:pPr>
+            <a:r>
+              <a:rPr b="0" lang="pt-BR" sz="1800" spc="-1" strike="noStrike">
+                <a:solidFill>
+                  <a:srgbClr val="01498e"/>
+                </a:solidFill>
+                <a:latin typeface="Arial"/>
+                <a:ea typeface="Calibri"/>
+              </a:rPr>
+              <a:t>Diminua o tamanho do input telefone e coloque o e-mail na sua </a:t>
+            </a:r>
+            <a:r>
+              <a:rPr b="0" lang="pt-BR" sz="1800" spc="-1" strike="noStrike">
+                <a:solidFill>
+                  <a:srgbClr val="01498e"/>
+                </a:solidFill>
+                <a:latin typeface="Arial"/>
+                <a:ea typeface="Calibri"/>
+              </a:rPr>
+              <a:t>frente</a:t>
+            </a:r>
+            <a:endParaRPr b="0" lang="pt-BR" sz="1800" spc="-1" strike="noStrike">
+              <a:solidFill>
+                <a:srgbClr val="000000"/>
+              </a:solidFill>
+              <a:latin typeface="Arial"/>
+            </a:endParaRPr>
+          </a:p>
+          <a:p>
+            <a:pPr lvl="1" marL="432000" indent="-216000" algn="just">
+              <a:lnSpc>
+                <a:spcPct val="115000"/>
+              </a:lnSpc>
+              <a:buClr>
+                <a:srgbClr val="000000"/>
+              </a:buClr>
+              <a:buSzPct val="45000"/>
+              <a:buFont typeface="Wingdings" charset="2"/>
+              <a:buChar char=""/>
+            </a:pPr>
+            <a:r>
+              <a:rPr b="0" lang="pt-BR" sz="1800" spc="-1" strike="noStrike">
+                <a:solidFill>
+                  <a:srgbClr val="01498e"/>
+                </a:solidFill>
+                <a:latin typeface="Arial"/>
+                <a:ea typeface="Calibri"/>
+              </a:rPr>
+              <a:t>Crie novo input “Chave Publica” para os contatos (char 100)</a:t>
+            </a:r>
+            <a:endParaRPr b="0" lang="pt-BR" sz="1800" spc="-1" strike="noStrike">
+              <a:solidFill>
+                <a:srgbClr val="000000"/>
+              </a:solidFill>
+              <a:latin typeface="Arial"/>
+            </a:endParaRPr>
+          </a:p>
+          <a:p>
+            <a:pPr lvl="1" marL="432000" indent="-216000" algn="just">
+              <a:lnSpc>
+                <a:spcPct val="115000"/>
+              </a:lnSpc>
+              <a:buClr>
+                <a:srgbClr val="000000"/>
+              </a:buClr>
+              <a:buSzPct val="45000"/>
+              <a:buFont typeface="Wingdings" charset="2"/>
+              <a:buChar char=""/>
+            </a:pPr>
+            <a:r>
+              <a:rPr b="0" lang="pt-BR" sz="1800" spc="-1" strike="noStrike">
+                <a:solidFill>
+                  <a:srgbClr val="01498e"/>
+                </a:solidFill>
+                <a:latin typeface="Arial"/>
+                <a:ea typeface="Calibri"/>
+              </a:rPr>
+              <a:t>Crie novo input “Observações” para os contatos, </a:t>
+            </a:r>
+            <a:endParaRPr b="0" lang="pt-BR" sz="1800" spc="-1" strike="noStrike">
+              <a:solidFill>
+                <a:srgbClr val="000000"/>
+              </a:solidFill>
+              <a:latin typeface="Arial"/>
+            </a:endParaRPr>
+          </a:p>
+          <a:p>
+            <a:pPr lvl="2" marL="648000" indent="-216000" algn="just">
+              <a:lnSpc>
+                <a:spcPct val="115000"/>
+              </a:lnSpc>
+              <a:buClr>
+                <a:srgbClr val="000000"/>
+              </a:buClr>
+              <a:buSzPct val="45000"/>
+              <a:buFont typeface="Wingdings" charset="2"/>
+              <a:buChar char=""/>
+            </a:pPr>
+            <a:r>
+              <a:rPr b="0" lang="pt-BR" sz="1800" spc="-1" strike="noStrike">
+                <a:solidFill>
+                  <a:srgbClr val="01498e"/>
+                </a:solidFill>
+                <a:latin typeface="Arial"/>
+                <a:ea typeface="Calibri"/>
+              </a:rPr>
+              <a:t>Multiplas linhas tamanho maximo 200 char</a:t>
+            </a:r>
+            <a:endParaRPr b="0" lang="pt-BR" sz="1800" spc="-1" strike="noStrike">
+              <a:solidFill>
+                <a:srgbClr val="000000"/>
+              </a:solidFill>
+              <a:latin typeface="Arial"/>
+            </a:endParaRPr>
+          </a:p>
+          <a:p>
+            <a:pPr lvl="1" marL="432000" indent="-216000" algn="just">
+              <a:lnSpc>
+                <a:spcPct val="115000"/>
+              </a:lnSpc>
+              <a:buClr>
+                <a:srgbClr val="000000"/>
+              </a:buClr>
+              <a:buSzPct val="45000"/>
+              <a:buFont typeface="Wingdings" charset="2"/>
+              <a:buChar char=""/>
+            </a:pPr>
+            <a:r>
+              <a:rPr b="0" lang="pt-BR" sz="1800" spc="-1" strike="noStrike">
+                <a:solidFill>
+                  <a:srgbClr val="01498e"/>
+                </a:solidFill>
+                <a:latin typeface="Arial"/>
+                <a:ea typeface="Calibri"/>
+              </a:rPr>
+              <a:t>Faça o Pull Request com a entrega</a:t>
+            </a:r>
+            <a:endParaRPr b="0" lang="pt-BR" sz="1800" spc="-1" strike="noStrike">
+              <a:solidFill>
+                <a:srgbClr val="000000"/>
+              </a:solidFill>
+              <a:latin typeface="Arial"/>
+            </a:endParaRPr>
+          </a:p>
+          <a:p>
+            <a:pPr marL="216000" algn="just">
+              <a:lnSpc>
+                <a:spcPct val="115000"/>
+              </a:lnSpc>
+            </a:pPr>
+            <a:endParaRPr b="0" lang="pt-BR" sz="1800" spc="-1" strike="noStrike">
+              <a:solidFill>
+                <a:srgbClr val="000000"/>
+              </a:solidFill>
+              <a:latin typeface="Arial"/>
+            </a:endParaRPr>
+          </a:p>
+          <a:p>
+            <a:pPr marL="216000" algn="just">
+              <a:lnSpc>
+                <a:spcPct val="115000"/>
+              </a:lnSpc>
+            </a:pPr>
+            <a:endParaRPr b="0" lang="pt-BR" sz="1800" spc="-1" strike="noStrike">
+              <a:solidFill>
+                <a:srgbClr val="000000"/>
+              </a:solidFill>
+              <a:latin typeface="Arial"/>
+            </a:endParaRPr>
+          </a:p>
+          <a:p>
+            <a:pPr marL="216000" algn="just">
+              <a:lnSpc>
+                <a:spcPct val="115000"/>
+              </a:lnSpc>
+            </a:pPr>
+            <a:endParaRPr b="0" lang="pt-BR" sz="1800" spc="-1" strike="noStrike">
+              <a:solidFill>
+                <a:srgbClr val="000000"/>
+              </a:solidFill>
+              <a:latin typeface="Arial"/>
+            </a:endParaRPr>
+          </a:p>
+          <a:p>
+            <a:pPr marL="216000" algn="just">
+              <a:lnSpc>
+                <a:spcPct val="115000"/>
+              </a:lnSpc>
+            </a:pPr>
+            <a:endParaRPr b="0" lang="pt-BR" sz="1800" spc="-1" strike="noStrike">
+              <a:solidFill>
+                <a:srgbClr val="000000"/>
+              </a:solidFill>
+              <a:latin typeface="Arial"/>
+            </a:endParaRPr>
+          </a:p>
+        </p:txBody>
+      </p:sp>
+      <p:pic>
+        <p:nvPicPr>
+          <p:cNvPr id="194" name="Imagem 27" descr=""/>
+          <p:cNvPicPr/>
+          <p:nvPr/>
+        </p:nvPicPr>
+        <p:blipFill>
+          <a:blip r:embed="rId1"/>
+          <a:stretch/>
+        </p:blipFill>
+        <p:spPr>
+          <a:xfrm rot="5400000">
+            <a:off x="7668360" y="802440"/>
+            <a:ext cx="2972520" cy="3196440"/>
+          </a:xfrm>
+          <a:prstGeom prst="rect">
+            <a:avLst/>
+          </a:prstGeom>
+          <a:ln w="0">
+            <a:noFill/>
+          </a:ln>
+        </p:spPr>
+      </p:pic>
+      <p:sp>
+        <p:nvSpPr>
+          <p:cNvPr id="195" name="Título 21"/>
+          <p:cNvSpPr/>
+          <p:nvPr/>
+        </p:nvSpPr>
+        <p:spPr>
+          <a:xfrm>
+            <a:off x="291960" y="32040"/>
+            <a:ext cx="5586120" cy="898560"/>
+          </a:xfrm>
+          <a:prstGeom prst="rect">
+            <a:avLst/>
+          </a:prstGeom>
+          <a:noFill/>
+          <a:ln w="0">
+            <a:noFill/>
+          </a:ln>
+        </p:spPr>
+        <p:style>
+          <a:lnRef idx="0"/>
+          <a:fillRef idx="0"/>
+          <a:effectRef idx="0"/>
+          <a:fontRef idx="minor"/>
+        </p:style>
+        <p:txBody>
+          <a:bodyPr lIns="90000" rIns="90000" tIns="91440" bIns="91440" anchor="t">
+            <a:noAutofit/>
+          </a:bodyPr>
+          <a:p>
+            <a:pPr>
+              <a:lnSpc>
+                <a:spcPct val="100000"/>
+              </a:lnSpc>
+            </a:pPr>
+            <a:r>
+              <a:rPr b="1" lang="pt-BR" sz="5400" spc="-1" strike="noStrike">
+                <a:solidFill>
+                  <a:srgbClr val="002060"/>
+                </a:solidFill>
+                <a:latin typeface="Overpass"/>
+                <a:ea typeface="Overpass"/>
+              </a:rPr>
+              <a:t>Let’s Work</a:t>
+            </a:r>
+            <a:endParaRPr b="0" lang="pt-BR" sz="5400" spc="-1" strike="noStrike">
+              <a:solidFill>
+                <a:srgbClr val="000000"/>
+              </a:solidFill>
+              <a:latin typeface="Arial"/>
+            </a:endParaRPr>
+          </a:p>
+        </p:txBody>
+      </p:sp>
     </p:spTree>
   </p:cSld>
   <mc:AlternateContent>

--- a/aula11/Aula11.pptx
+++ b/aula11/Aula11.pptx
@@ -18,10 +18,11 @@
     <p:sldId id="263" r:id="rId12"/>
     <p:sldId id="269" r:id="rId13"/>
     <p:sldId id="264" r:id="rId14"/>
-    <p:sldId id="265" r:id="rId15"/>
-    <p:sldId id="266" r:id="rId16"/>
-    <p:sldId id="267" r:id="rId17"/>
-    <p:sldId id="268" r:id="rId18"/>
+    <p:sldId id="270" r:id="rId15"/>
+    <p:sldId id="265" r:id="rId16"/>
+    <p:sldId id="266" r:id="rId17"/>
+    <p:sldId id="267" r:id="rId18"/>
+    <p:sldId id="268" r:id="rId19"/>
   </p:sldIdLst>
   <p:sldSz cx="9144000" cy="5143500" type="screen16x9"/>
   <p:notesSz cx="7559675" cy="10691813"/>
@@ -14014,7 +14015,13 @@
   <p:cSld>
     <p:spTree>
       <p:nvGrpSpPr>
-        <p:cNvPr id="1" name=""/>
+        <p:cNvPr id="1" name="">
+          <a:extLst>
+            <a:ext uri="{FF2B5EF4-FFF2-40B4-BE49-F238E27FC236}">
+              <a16:creationId xmlns:a16="http://schemas.microsoft.com/office/drawing/2014/main" id="{C86F7646-BC41-D189-FCE3-D2104E5DB52A}"/>
+            </a:ext>
+          </a:extLst>
+        </p:cNvPr>
         <p:cNvGrpSpPr/>
         <p:nvPr/>
       </p:nvGrpSpPr>
@@ -14026,7 +14033,281 @@
           <a:chExt cx="0" cy="0"/>
         </a:xfrm>
       </p:grpSpPr>
+      <p:sp>
+        <p:nvSpPr>
+          <p:cNvPr id="193" name="CaixaDeTexto 19">
+            <a:extLst>
+              <a:ext uri="{FF2B5EF4-FFF2-40B4-BE49-F238E27FC236}">
+                <a16:creationId xmlns:a16="http://schemas.microsoft.com/office/drawing/2014/main" id="{316CC387-168E-567E-EDE5-8B8C07DD217D}"/>
+              </a:ext>
+            </a:extLst>
+          </p:cNvPr>
+          <p:cNvSpPr/>
+          <p:nvPr/>
+        </p:nvSpPr>
+        <p:spPr>
+          <a:xfrm>
+            <a:off x="291960" y="1113480"/>
+            <a:ext cx="7088040" cy="1975113"/>
+          </a:xfrm>
+          <a:prstGeom prst="rect">
+            <a:avLst/>
+          </a:prstGeom>
+          <a:noFill/>
+          <a:ln w="0">
+            <a:noFill/>
+          </a:ln>
+        </p:spPr>
+        <p:style>
+          <a:lnRef idx="0">
+            <a:scrgbClr r="0" g="0" b="0"/>
+          </a:lnRef>
+          <a:fillRef idx="0">
+            <a:scrgbClr r="0" g="0" b="0"/>
+          </a:fillRef>
+          <a:effectRef idx="0">
+            <a:scrgbClr r="0" g="0" b="0"/>
+          </a:effectRef>
+          <a:fontRef idx="minor"/>
+        </p:style>
+        <p:txBody>
+          <a:bodyPr lIns="90000" tIns="45000" rIns="90000" bIns="45000" anchor="t">
+            <a:spAutoFit/>
+          </a:bodyPr>
+          <a:lstStyle/>
+          <a:p>
+            <a:pPr marL="216000" indent="-216000" algn="just">
+              <a:lnSpc>
+                <a:spcPct val="115000"/>
+              </a:lnSpc>
+              <a:buClr>
+                <a:srgbClr val="000000"/>
+              </a:buClr>
+              <a:buFont typeface="Arial"/>
+              <a:buChar char="●"/>
+            </a:pPr>
+            <a:r>
+              <a:rPr lang="pt-BR" sz="1800" b="0" strike="noStrike" spc="-1" dirty="0">
+                <a:solidFill>
+                  <a:srgbClr val="01498E"/>
+                </a:solidFill>
+                <a:latin typeface="Arial"/>
+                <a:ea typeface="Calibri"/>
+              </a:rPr>
+              <a:t>Ativ02</a:t>
+            </a:r>
+          </a:p>
+          <a:p>
+            <a:pPr marL="673200" lvl="1" indent="-216000" algn="just">
+              <a:lnSpc>
+                <a:spcPct val="115000"/>
+              </a:lnSpc>
+              <a:buClr>
+                <a:srgbClr val="000000"/>
+              </a:buClr>
+              <a:buFont typeface="Arial"/>
+              <a:buChar char="●"/>
+            </a:pPr>
+            <a:r>
+              <a:rPr lang="pt-BR" spc="-1" dirty="0">
+                <a:solidFill>
+                  <a:srgbClr val="01498E"/>
+                </a:solidFill>
+                <a:latin typeface="Arial"/>
+                <a:ea typeface="Calibri"/>
+              </a:rPr>
+              <a:t>Crie uma aplicação em que receba um arquivo .</a:t>
+            </a:r>
+            <a:r>
+              <a:rPr lang="pt-BR" spc="-1" dirty="0" err="1">
+                <a:solidFill>
+                  <a:srgbClr val="01498E"/>
+                </a:solidFill>
+                <a:latin typeface="Arial"/>
+                <a:ea typeface="Calibri"/>
+              </a:rPr>
+              <a:t>db</a:t>
+            </a:r>
+            <a:r>
+              <a:rPr lang="pt-BR" spc="-1" dirty="0">
+                <a:solidFill>
+                  <a:srgbClr val="01498E"/>
+                </a:solidFill>
+                <a:latin typeface="Arial"/>
+                <a:ea typeface="Calibri"/>
+              </a:rPr>
+              <a:t> (tipo </a:t>
+            </a:r>
+            <a:r>
+              <a:rPr lang="pt-BR" spc="-1" dirty="0" err="1">
+                <a:solidFill>
+                  <a:srgbClr val="01498E"/>
+                </a:solidFill>
+                <a:latin typeface="Arial"/>
+                <a:ea typeface="Calibri"/>
+              </a:rPr>
+              <a:t>flask_alchemy</a:t>
+            </a:r>
+            <a:r>
+              <a:rPr lang="pt-BR" spc="-1" dirty="0">
+                <a:solidFill>
+                  <a:srgbClr val="01498E"/>
+                </a:solidFill>
+                <a:latin typeface="Arial"/>
+                <a:ea typeface="Calibri"/>
+              </a:rPr>
+              <a:t>) e imprima seu conteúdo (tabelas e colunas) </a:t>
+            </a:r>
+            <a:endParaRPr lang="pt-BR" b="0" strike="noStrike" spc="-1" dirty="0">
+              <a:solidFill>
+                <a:srgbClr val="000000"/>
+              </a:solidFill>
+              <a:latin typeface="Arial"/>
+            </a:endParaRPr>
+          </a:p>
+          <a:p>
+            <a:pPr marL="216000" algn="just">
+              <a:lnSpc>
+                <a:spcPct val="115000"/>
+              </a:lnSpc>
+            </a:pPr>
+            <a:endParaRPr lang="pt-BR" sz="1800" b="0" strike="noStrike" spc="-1" dirty="0">
+              <a:solidFill>
+                <a:srgbClr val="000000"/>
+              </a:solidFill>
+              <a:latin typeface="Arial"/>
+            </a:endParaRPr>
+          </a:p>
+          <a:p>
+            <a:pPr marL="216000" algn="just">
+              <a:lnSpc>
+                <a:spcPct val="115000"/>
+              </a:lnSpc>
+            </a:pPr>
+            <a:endParaRPr lang="pt-BR" sz="1800" b="0" strike="noStrike" spc="-1" dirty="0">
+              <a:solidFill>
+                <a:srgbClr val="000000"/>
+              </a:solidFill>
+              <a:latin typeface="Arial"/>
+            </a:endParaRPr>
+          </a:p>
+          <a:p>
+            <a:pPr marL="216000" algn="just">
+              <a:lnSpc>
+                <a:spcPct val="115000"/>
+              </a:lnSpc>
+            </a:pPr>
+            <a:endParaRPr lang="pt-BR" sz="1800" b="0" strike="noStrike" spc="-1" dirty="0">
+              <a:solidFill>
+                <a:srgbClr val="000000"/>
+              </a:solidFill>
+              <a:latin typeface="Arial"/>
+            </a:endParaRPr>
+          </a:p>
+        </p:txBody>
+      </p:sp>
+      <p:pic>
+        <p:nvPicPr>
+          <p:cNvPr id="194" name="Imagem 27">
+            <a:extLst>
+              <a:ext uri="{FF2B5EF4-FFF2-40B4-BE49-F238E27FC236}">
+                <a16:creationId xmlns:a16="http://schemas.microsoft.com/office/drawing/2014/main" id="{61F509CF-070F-E1A0-7AE8-C2840871A0C8}"/>
+              </a:ext>
+            </a:extLst>
+          </p:cNvPr>
+          <p:cNvPicPr/>
+          <p:nvPr/>
+        </p:nvPicPr>
+        <p:blipFill>
+          <a:blip r:embed="rId2"/>
+          <a:stretch/>
+        </p:blipFill>
+        <p:spPr>
+          <a:xfrm rot="5400000">
+            <a:off x="7668360" y="802440"/>
+            <a:ext cx="2972520" cy="3196440"/>
+          </a:xfrm>
+          <a:prstGeom prst="rect">
+            <a:avLst/>
+          </a:prstGeom>
+          <a:ln w="0">
+            <a:noFill/>
+          </a:ln>
+        </p:spPr>
+      </p:pic>
+      <p:sp>
+        <p:nvSpPr>
+          <p:cNvPr id="195" name="Título 21">
+            <a:extLst>
+              <a:ext uri="{FF2B5EF4-FFF2-40B4-BE49-F238E27FC236}">
+                <a16:creationId xmlns:a16="http://schemas.microsoft.com/office/drawing/2014/main" id="{DD6E98AC-4112-3257-5F00-4E44DDB83A2D}"/>
+              </a:ext>
+            </a:extLst>
+          </p:cNvPr>
+          <p:cNvSpPr/>
+          <p:nvPr/>
+        </p:nvSpPr>
+        <p:spPr>
+          <a:xfrm>
+            <a:off x="291960" y="32040"/>
+            <a:ext cx="5586120" cy="898560"/>
+          </a:xfrm>
+          <a:prstGeom prst="rect">
+            <a:avLst/>
+          </a:prstGeom>
+          <a:noFill/>
+          <a:ln w="0">
+            <a:noFill/>
+          </a:ln>
+        </p:spPr>
+        <p:style>
+          <a:lnRef idx="0">
+            <a:scrgbClr r="0" g="0" b="0"/>
+          </a:lnRef>
+          <a:fillRef idx="0">
+            <a:scrgbClr r="0" g="0" b="0"/>
+          </a:fillRef>
+          <a:effectRef idx="0">
+            <a:scrgbClr r="0" g="0" b="0"/>
+          </a:effectRef>
+          <a:fontRef idx="minor"/>
+        </p:style>
+        <p:txBody>
+          <a:bodyPr lIns="90000" tIns="91440" rIns="90000" bIns="91440" anchor="t">
+            <a:noAutofit/>
+          </a:bodyPr>
+          <a:lstStyle/>
+          <a:p>
+            <a:pPr>
+              <a:lnSpc>
+                <a:spcPct val="100000"/>
+              </a:lnSpc>
+            </a:pPr>
+            <a:r>
+              <a:rPr lang="pt-BR" sz="5400" b="1" strike="noStrike" spc="-1">
+                <a:solidFill>
+                  <a:srgbClr val="002060"/>
+                </a:solidFill>
+                <a:latin typeface="Overpass"/>
+                <a:ea typeface="Overpass"/>
+              </a:rPr>
+              <a:t>Let’s Work</a:t>
+            </a:r>
+            <a:endParaRPr lang="pt-BR" sz="5400" b="0" strike="noStrike" spc="-1">
+              <a:solidFill>
+                <a:srgbClr val="000000"/>
+              </a:solidFill>
+              <a:latin typeface="Arial"/>
+            </a:endParaRPr>
+          </a:p>
+        </p:txBody>
+      </p:sp>
     </p:spTree>
+    <p:extLst>
+      <p:ext uri="{BB962C8B-B14F-4D97-AF65-F5344CB8AC3E}">
+        <p14:creationId xmlns:p14="http://schemas.microsoft.com/office/powerpoint/2010/main" val="2116902010"/>
+      </p:ext>
+    </p:extLst>
   </p:cSld>
   <p:clrMapOvr>
     <a:masterClrMapping/>
@@ -14109,6 +14390,31 @@
 </p:sld>
 </file>
 
+<file path=ppt/slides/slide15.xml><?xml version="1.0" encoding="utf-8"?>
+<p:sld xmlns:a="http://schemas.openxmlformats.org/drawingml/2006/main" xmlns:r="http://schemas.openxmlformats.org/officeDocument/2006/relationships" xmlns:p="http://schemas.openxmlformats.org/presentationml/2006/main">
+  <p:cSld>
+    <p:spTree>
+      <p:nvGrpSpPr>
+        <p:cNvPr id="1" name=""/>
+        <p:cNvGrpSpPr/>
+        <p:nvPr/>
+      </p:nvGrpSpPr>
+      <p:grpSpPr>
+        <a:xfrm>
+          <a:off x="0" y="0"/>
+          <a:ext cx="0" cy="0"/>
+          <a:chOff x="0" y="0"/>
+          <a:chExt cx="0" cy="0"/>
+        </a:xfrm>
+      </p:grpSpPr>
+    </p:spTree>
+  </p:cSld>
+  <p:clrMapOvr>
+    <a:masterClrMapping/>
+  </p:clrMapOvr>
+</p:sld>
+</file>
+
 <file path=ppt/slides/slide2.xml><?xml version="1.0" encoding="utf-8"?>
 <p:sld xmlns:a="http://schemas.openxmlformats.org/drawingml/2006/main" xmlns:r="http://schemas.openxmlformats.org/officeDocument/2006/relationships" xmlns:p="http://schemas.openxmlformats.org/presentationml/2006/main">
   <p:cSld>
@@ -17196,7 +17502,7 @@
         <p:spPr>
           <a:xfrm>
             <a:off x="291960" y="1113480"/>
-            <a:ext cx="7692480" cy="4204954"/>
+            <a:ext cx="7692480" cy="4523503"/>
           </a:xfrm>
           <a:prstGeom prst="rect">
             <a:avLst/>
@@ -17374,6 +17680,45 @@
               </a:rPr>
               <a:t>O que é uma trigger</a:t>
             </a:r>
+          </a:p>
+          <a:p>
+            <a:pPr marL="673200" lvl="1" indent="-216000" algn="just">
+              <a:lnSpc>
+                <a:spcPct val="115000"/>
+              </a:lnSpc>
+              <a:buClr>
+                <a:srgbClr val="000000"/>
+              </a:buClr>
+              <a:buFont typeface="Arial"/>
+              <a:buChar char="●"/>
+            </a:pPr>
+            <a:r>
+              <a:rPr lang="pt-BR" spc="-1" dirty="0">
+                <a:solidFill>
+                  <a:srgbClr val="01498E"/>
+                </a:solidFill>
+                <a:latin typeface="Arial"/>
+                <a:ea typeface="Calibri"/>
+              </a:rPr>
+              <a:t>O que é uma </a:t>
+            </a:r>
+            <a:r>
+              <a:rPr lang="pt-BR" spc="-1" dirty="0" err="1">
+                <a:solidFill>
+                  <a:srgbClr val="01498E"/>
+                </a:solidFill>
+                <a:latin typeface="Arial"/>
+                <a:ea typeface="Calibri"/>
+              </a:rPr>
+              <a:t>constraint</a:t>
+            </a:r>
+            <a:endParaRPr lang="pt-BR" spc="-1" dirty="0">
+              <a:solidFill>
+                <a:srgbClr val="01498E"/>
+              </a:solidFill>
+              <a:latin typeface="Arial"/>
+              <a:ea typeface="Calibri"/>
+            </a:endParaRPr>
           </a:p>
           <a:p>
             <a:pPr marL="673200" lvl="1" indent="-216000" algn="just">
